--- a/Präsentationen/Risiken_bewerten.pptx
+++ b/Präsentationen/Risiken_bewerten.pptx
@@ -3,17 +3,19 @@
 <p:presentation xmlns:a="http://schemas.openxmlformats.org/drawingml/2006/main" xmlns:p="http://schemas.openxmlformats.org/presentationml/2006/main" xmlns:r="http://schemas.openxmlformats.org/officeDocument/2006/relationships" xmlns:p14="http://schemas.microsoft.com/office/powerpoint/2010/main" xmlns:p15="http://schemas.microsoft.com/office/powerpoint/2012/main" xmlns:mc="http://schemas.openxmlformats.org/markup-compatibility/2006">
   <p:sldMasterIdLst>
     <p:sldMasterId id="2147483648" r:id="rId2"/>
+    <p:sldMasterId id="2147483661" r:id="rId3"/>
   </p:sldMasterIdLst>
   <p:sldIdLst>
-    <p:sldId id="256" r:id="rId3"/>
-    <p:sldId id="257" r:id="rId4"/>
-    <p:sldId id="258" r:id="rId5"/>
-    <p:sldId id="259" r:id="rId6"/>
-    <p:sldId id="260" r:id="rId7"/>
-    <p:sldId id="261" r:id="rId8"/>
-    <p:sldId id="262" r:id="rId9"/>
-    <p:sldId id="263" r:id="rId10"/>
-    <p:sldId id="264" r:id="rId11"/>
+    <p:sldId id="256" r:id="rId4"/>
+    <p:sldId id="257" r:id="rId5"/>
+    <p:sldId id="258" r:id="rId6"/>
+    <p:sldId id="259" r:id="rId7"/>
+    <p:sldId id="260" r:id="rId8"/>
+    <p:sldId id="261" r:id="rId9"/>
+    <p:sldId id="262" r:id="rId10"/>
+    <p:sldId id="263" r:id="rId11"/>
+    <p:sldId id="264" r:id="rId12"/>
+    <p:sldId id="265" r:id="rId13"/>
   </p:sldIdLst>
   <p:sldSz cx="10080625" cy="7559675"/>
   <p:notesSz cx="7559675" cy="10691812"/>
@@ -61,7 +63,7 @@
       </p:grpSpPr>
       <p:sp>
         <p:nvSpPr>
-          <p:cNvPr id="26" name="PlaceHolder 1"/>
+          <p:cNvPr id="23" name="PlaceHolder 1"/>
           <p:cNvSpPr>
             <a:spLocks noGrp="1"/>
           </p:cNvSpPr>
@@ -72,7 +74,7 @@
         <p:spPr>
           <a:xfrm>
             <a:off x="504000" y="301320"/>
-            <a:ext cx="9071640" cy="1262160"/>
+            <a:ext cx="9072000" cy="1261800"/>
           </a:xfrm>
           <a:prstGeom prst="rect">
             <a:avLst/>
@@ -98,7 +100,7 @@
       </p:sp>
       <p:sp>
         <p:nvSpPr>
-          <p:cNvPr id="27" name="PlaceHolder 2"/>
+          <p:cNvPr id="24" name="PlaceHolder 2"/>
           <p:cNvSpPr>
             <a:spLocks noGrp="1"/>
           </p:cNvSpPr>
@@ -108,8 +110,8 @@
         </p:nvSpPr>
         <p:spPr>
           <a:xfrm>
-            <a:off x="504000" y="1769040"/>
-            <a:ext cx="9071640" cy="2091240"/>
+            <a:off x="504000" y="1768680"/>
+            <a:ext cx="9072000" cy="2090880"/>
           </a:xfrm>
           <a:prstGeom prst="rect">
             <a:avLst/>
@@ -134,7 +136,7 @@
       </p:sp>
       <p:sp>
         <p:nvSpPr>
-          <p:cNvPr id="28" name="PlaceHolder 3"/>
+          <p:cNvPr id="25" name="PlaceHolder 3"/>
           <p:cNvSpPr>
             <a:spLocks noGrp="1"/>
           </p:cNvSpPr>
@@ -144,8 +146,8 @@
         </p:nvSpPr>
         <p:spPr>
           <a:xfrm>
-            <a:off x="504000" y="4059360"/>
-            <a:ext cx="9071640" cy="2091240"/>
+            <a:off x="504000" y="4058640"/>
+            <a:ext cx="9072000" cy="2090880"/>
           </a:xfrm>
           <a:prstGeom prst="rect">
             <a:avLst/>
@@ -192,7 +194,7 @@
       </p:grpSpPr>
       <p:sp>
         <p:nvSpPr>
-          <p:cNvPr id="29" name="PlaceHolder 1"/>
+          <p:cNvPr id="26" name="PlaceHolder 1"/>
           <p:cNvSpPr>
             <a:spLocks noGrp="1"/>
           </p:cNvSpPr>
@@ -203,7 +205,7 @@
         <p:spPr>
           <a:xfrm>
             <a:off x="504000" y="301320"/>
-            <a:ext cx="9071640" cy="1262160"/>
+            <a:ext cx="9072000" cy="1261800"/>
           </a:xfrm>
           <a:prstGeom prst="rect">
             <a:avLst/>
@@ -229,7 +231,7 @@
       </p:sp>
       <p:sp>
         <p:nvSpPr>
-          <p:cNvPr id="30" name="PlaceHolder 2"/>
+          <p:cNvPr id="27" name="PlaceHolder 2"/>
           <p:cNvSpPr>
             <a:spLocks noGrp="1"/>
           </p:cNvSpPr>
@@ -239,8 +241,8 @@
         </p:nvSpPr>
         <p:spPr>
           <a:xfrm>
-            <a:off x="504000" y="1769040"/>
-            <a:ext cx="4426920" cy="2091240"/>
+            <a:off x="504000" y="1768680"/>
+            <a:ext cx="4426920" cy="2090880"/>
           </a:xfrm>
           <a:prstGeom prst="rect">
             <a:avLst/>
@@ -265,7 +267,7 @@
       </p:sp>
       <p:sp>
         <p:nvSpPr>
-          <p:cNvPr id="31" name="PlaceHolder 3"/>
+          <p:cNvPr id="28" name="PlaceHolder 3"/>
           <p:cNvSpPr>
             <a:spLocks noGrp="1"/>
           </p:cNvSpPr>
@@ -275,8 +277,8 @@
         </p:nvSpPr>
         <p:spPr>
           <a:xfrm>
-            <a:off x="5152680" y="1769040"/>
-            <a:ext cx="4426920" cy="2091240"/>
+            <a:off x="5152680" y="1768680"/>
+            <a:ext cx="4426920" cy="2090880"/>
           </a:xfrm>
           <a:prstGeom prst="rect">
             <a:avLst/>
@@ -301,7 +303,7 @@
       </p:sp>
       <p:sp>
         <p:nvSpPr>
-          <p:cNvPr id="32" name="PlaceHolder 4"/>
+          <p:cNvPr id="29" name="PlaceHolder 4"/>
           <p:cNvSpPr>
             <a:spLocks noGrp="1"/>
           </p:cNvSpPr>
@@ -311,8 +313,8 @@
         </p:nvSpPr>
         <p:spPr>
           <a:xfrm>
-            <a:off x="5152680" y="4059360"/>
-            <a:ext cx="4426920" cy="2091240"/>
+            <a:off x="5152680" y="4058640"/>
+            <a:ext cx="4426920" cy="2090880"/>
           </a:xfrm>
           <a:prstGeom prst="rect">
             <a:avLst/>
@@ -337,7 +339,7 @@
       </p:sp>
       <p:sp>
         <p:nvSpPr>
-          <p:cNvPr id="33" name="PlaceHolder 5"/>
+          <p:cNvPr id="30" name="PlaceHolder 5"/>
           <p:cNvSpPr>
             <a:spLocks noGrp="1"/>
           </p:cNvSpPr>
@@ -347,8 +349,8 @@
         </p:nvSpPr>
         <p:spPr>
           <a:xfrm>
-            <a:off x="504000" y="4059360"/>
-            <a:ext cx="4426920" cy="2091240"/>
+            <a:off x="504000" y="4058640"/>
+            <a:ext cx="4426920" cy="2090880"/>
           </a:xfrm>
           <a:prstGeom prst="rect">
             <a:avLst/>
@@ -395,7 +397,7 @@
       </p:grpSpPr>
       <p:sp>
         <p:nvSpPr>
-          <p:cNvPr id="34" name="PlaceHolder 1"/>
+          <p:cNvPr id="31" name="PlaceHolder 1"/>
           <p:cNvSpPr>
             <a:spLocks noGrp="1"/>
           </p:cNvSpPr>
@@ -406,7 +408,7 @@
         <p:spPr>
           <a:xfrm>
             <a:off x="504000" y="301320"/>
-            <a:ext cx="9071640" cy="1262160"/>
+            <a:ext cx="9072000" cy="1261800"/>
           </a:xfrm>
           <a:prstGeom prst="rect">
             <a:avLst/>
@@ -432,7 +434,7 @@
       </p:sp>
       <p:sp>
         <p:nvSpPr>
-          <p:cNvPr id="35" name="PlaceHolder 2"/>
+          <p:cNvPr id="32" name="PlaceHolder 2"/>
           <p:cNvSpPr>
             <a:spLocks noGrp="1"/>
           </p:cNvSpPr>
@@ -442,8 +444,8 @@
         </p:nvSpPr>
         <p:spPr>
           <a:xfrm>
-            <a:off x="504000" y="1769040"/>
-            <a:ext cx="9071640" cy="4384440"/>
+            <a:off x="504000" y="1768680"/>
+            <a:ext cx="9072000" cy="4384080"/>
           </a:xfrm>
           <a:prstGeom prst="rect">
             <a:avLst/>
@@ -468,7 +470,7 @@
       </p:sp>
       <p:sp>
         <p:nvSpPr>
-          <p:cNvPr id="36" name="PlaceHolder 3"/>
+          <p:cNvPr id="33" name="PlaceHolder 3"/>
           <p:cNvSpPr>
             <a:spLocks noGrp="1"/>
           </p:cNvSpPr>
@@ -478,8 +480,8 @@
         </p:nvSpPr>
         <p:spPr>
           <a:xfrm>
-            <a:off x="504000" y="1769040"/>
-            <a:ext cx="9071640" cy="4384440"/>
+            <a:off x="504000" y="1768680"/>
+            <a:ext cx="9072000" cy="4384080"/>
           </a:xfrm>
           <a:prstGeom prst="rect">
             <a:avLst/>
@@ -504,7 +506,7 @@
       </p:sp>
       <p:pic>
         <p:nvPicPr>
-          <p:cNvPr id="37" name="" descr=""/>
+          <p:cNvPr id="34" name="" descr=""/>
           <p:cNvPicPr/>
           <p:nvPr/>
         </p:nvPicPr>
@@ -514,8 +516,8 @@
         </p:blipFill>
         <p:spPr>
           <a:xfrm>
-            <a:off x="2292120" y="1768680"/>
-            <a:ext cx="5495040" cy="4384440"/>
+            <a:off x="2292480" y="1768680"/>
+            <a:ext cx="5494680" cy="4384080"/>
           </a:xfrm>
           <a:prstGeom prst="rect">
             <a:avLst/>
@@ -527,7 +529,7 @@
       </p:pic>
       <p:pic>
         <p:nvPicPr>
-          <p:cNvPr id="38" name="" descr=""/>
+          <p:cNvPr id="35" name="" descr=""/>
           <p:cNvPicPr/>
           <p:nvPr/>
         </p:nvPicPr>
@@ -537,8 +539,8 @@
         </p:blipFill>
         <p:spPr>
           <a:xfrm>
-            <a:off x="2292120" y="1768680"/>
-            <a:ext cx="5495040" cy="4384440"/>
+            <a:off x="2292480" y="1768680"/>
+            <a:ext cx="5494680" cy="4384080"/>
           </a:xfrm>
           <a:prstGeom prst="rect">
             <a:avLst/>
@@ -548,6 +550,635 @@
           </a:ln>
         </p:spPr>
       </p:pic>
+    </p:spTree>
+  </p:cSld>
+</p:sldLayout>
+</file>
+
+<file path=ppt/slideLayouts/slideLayout13.xml><?xml version="1.0" encoding="utf-8"?>
+<p:sldLayout xmlns:a="http://schemas.openxmlformats.org/drawingml/2006/main" xmlns:p="http://schemas.openxmlformats.org/presentationml/2006/main" xmlns:r="http://schemas.openxmlformats.org/officeDocument/2006/relationships" xmlns:p14="http://schemas.microsoft.com/office/powerpoint/2010/main" xmlns:p15="http://schemas.microsoft.com/office/powerpoint/2012/main" xmlns:mc="http://schemas.openxmlformats.org/markup-compatibility/2006" type="blank" preserve="1">
+  <p:cSld name="Blank Slide">
+    <p:spTree>
+      <p:nvGrpSpPr>
+        <p:cNvPr id="1" name=""/>
+        <p:cNvGrpSpPr/>
+        <p:nvPr/>
+      </p:nvGrpSpPr>
+      <p:grpSpPr>
+        <a:xfrm>
+          <a:off x="0" y="0"/>
+          <a:ext cx="0" cy="0"/>
+          <a:chOff x="0" y="0"/>
+          <a:chExt cx="0" cy="0"/>
+        </a:xfrm>
+      </p:grpSpPr>
+    </p:spTree>
+  </p:cSld>
+</p:sldLayout>
+</file>
+
+<file path=ppt/slideLayouts/slideLayout14.xml><?xml version="1.0" encoding="utf-8"?>
+<p:sldLayout xmlns:a="http://schemas.openxmlformats.org/drawingml/2006/main" xmlns:p="http://schemas.openxmlformats.org/presentationml/2006/main" xmlns:r="http://schemas.openxmlformats.org/officeDocument/2006/relationships" xmlns:p14="http://schemas.microsoft.com/office/powerpoint/2010/main" xmlns:p15="http://schemas.microsoft.com/office/powerpoint/2012/main" xmlns:mc="http://schemas.openxmlformats.org/markup-compatibility/2006" type="tx" preserve="1">
+  <p:cSld name="Title Slide">
+    <p:spTree>
+      <p:nvGrpSpPr>
+        <p:cNvPr id="1" name=""/>
+        <p:cNvGrpSpPr/>
+        <p:nvPr/>
+      </p:nvGrpSpPr>
+      <p:grpSpPr>
+        <a:xfrm>
+          <a:off x="0" y="0"/>
+          <a:ext cx="0" cy="0"/>
+          <a:chOff x="0" y="0"/>
+          <a:chExt cx="0" cy="0"/>
+        </a:xfrm>
+      </p:grpSpPr>
+      <p:sp>
+        <p:nvSpPr>
+          <p:cNvPr id="38" name="PlaceHolder 1"/>
+          <p:cNvSpPr>
+            <a:spLocks noGrp="1"/>
+          </p:cNvSpPr>
+          <p:nvPr>
+            <p:ph type="title"/>
+          </p:nvPr>
+        </p:nvSpPr>
+        <p:spPr>
+          <a:xfrm>
+            <a:off x="504000" y="301320"/>
+            <a:ext cx="9072000" cy="1261800"/>
+          </a:xfrm>
+          <a:prstGeom prst="rect">
+            <a:avLst/>
+          </a:prstGeom>
+        </p:spPr>
+        <p:txBody>
+          <a:bodyPr lIns="0" rIns="0" tIns="0" bIns="0" anchor="ctr"/>
+          <a:p>
+            <a:pPr algn="ctr"/>
+            <a:endParaRPr b="0" lang="de-DE" sz="4400" spc="-1" strike="noStrike">
+              <a:solidFill>
+                <a:srgbClr val="000000"/>
+              </a:solidFill>
+              <a:uFill>
+                <a:solidFill>
+                  <a:srgbClr val="ffffff"/>
+                </a:solidFill>
+              </a:uFill>
+              <a:latin typeface="Arial"/>
+            </a:endParaRPr>
+          </a:p>
+        </p:txBody>
+      </p:sp>
+      <p:sp>
+        <p:nvSpPr>
+          <p:cNvPr id="39" name="PlaceHolder 2"/>
+          <p:cNvSpPr>
+            <a:spLocks noGrp="1"/>
+          </p:cNvSpPr>
+          <p:nvPr>
+            <p:ph type="subTitle"/>
+          </p:nvPr>
+        </p:nvSpPr>
+        <p:spPr>
+          <a:xfrm>
+            <a:off x="504000" y="1768680"/>
+            <a:ext cx="9072000" cy="4384080"/>
+          </a:xfrm>
+          <a:prstGeom prst="rect">
+            <a:avLst/>
+          </a:prstGeom>
+        </p:spPr>
+        <p:txBody>
+          <a:bodyPr lIns="0" rIns="0" tIns="0" bIns="0" anchor="ctr"/>
+          <a:p>
+            <a:pPr algn="ctr"/>
+            <a:endParaRPr b="0" lang="de-DE" sz="3200" spc="-1" strike="noStrike">
+              <a:solidFill>
+                <a:srgbClr val="000000"/>
+              </a:solidFill>
+              <a:uFill>
+                <a:solidFill>
+                  <a:srgbClr val="ffffff"/>
+                </a:solidFill>
+              </a:uFill>
+              <a:latin typeface="Arial"/>
+            </a:endParaRPr>
+          </a:p>
+        </p:txBody>
+      </p:sp>
+    </p:spTree>
+  </p:cSld>
+</p:sldLayout>
+</file>
+
+<file path=ppt/slideLayouts/slideLayout15.xml><?xml version="1.0" encoding="utf-8"?>
+<p:sldLayout xmlns:a="http://schemas.openxmlformats.org/drawingml/2006/main" xmlns:p="http://schemas.openxmlformats.org/presentationml/2006/main" xmlns:r="http://schemas.openxmlformats.org/officeDocument/2006/relationships" xmlns:p14="http://schemas.microsoft.com/office/powerpoint/2010/main" xmlns:p15="http://schemas.microsoft.com/office/powerpoint/2012/main" xmlns:mc="http://schemas.openxmlformats.org/markup-compatibility/2006" type="obj" preserve="1">
+  <p:cSld name="Title, Content">
+    <p:spTree>
+      <p:nvGrpSpPr>
+        <p:cNvPr id="1" name=""/>
+        <p:cNvGrpSpPr/>
+        <p:nvPr/>
+      </p:nvGrpSpPr>
+      <p:grpSpPr>
+        <a:xfrm>
+          <a:off x="0" y="0"/>
+          <a:ext cx="0" cy="0"/>
+          <a:chOff x="0" y="0"/>
+          <a:chExt cx="0" cy="0"/>
+        </a:xfrm>
+      </p:grpSpPr>
+      <p:sp>
+        <p:nvSpPr>
+          <p:cNvPr id="40" name="PlaceHolder 1"/>
+          <p:cNvSpPr>
+            <a:spLocks noGrp="1"/>
+          </p:cNvSpPr>
+          <p:nvPr>
+            <p:ph type="title"/>
+          </p:nvPr>
+        </p:nvSpPr>
+        <p:spPr>
+          <a:xfrm>
+            <a:off x="504000" y="301320"/>
+            <a:ext cx="9072000" cy="1261800"/>
+          </a:xfrm>
+          <a:prstGeom prst="rect">
+            <a:avLst/>
+          </a:prstGeom>
+        </p:spPr>
+        <p:txBody>
+          <a:bodyPr lIns="0" rIns="0" tIns="0" bIns="0" anchor="ctr"/>
+          <a:p>
+            <a:pPr algn="ctr"/>
+            <a:endParaRPr b="0" lang="de-DE" sz="4400" spc="-1" strike="noStrike">
+              <a:solidFill>
+                <a:srgbClr val="000000"/>
+              </a:solidFill>
+              <a:uFill>
+                <a:solidFill>
+                  <a:srgbClr val="ffffff"/>
+                </a:solidFill>
+              </a:uFill>
+              <a:latin typeface="Arial"/>
+            </a:endParaRPr>
+          </a:p>
+        </p:txBody>
+      </p:sp>
+      <p:sp>
+        <p:nvSpPr>
+          <p:cNvPr id="41" name="PlaceHolder 2"/>
+          <p:cNvSpPr>
+            <a:spLocks noGrp="1"/>
+          </p:cNvSpPr>
+          <p:nvPr>
+            <p:ph type="body"/>
+          </p:nvPr>
+        </p:nvSpPr>
+        <p:spPr>
+          <a:xfrm>
+            <a:off x="504000" y="1768680"/>
+            <a:ext cx="9072000" cy="4384080"/>
+          </a:xfrm>
+          <a:prstGeom prst="rect">
+            <a:avLst/>
+          </a:prstGeom>
+        </p:spPr>
+        <p:txBody>
+          <a:bodyPr lIns="0" rIns="0" tIns="0" bIns="0"/>
+          <a:p>
+            <a:endParaRPr b="0" lang="de-DE" sz="3200" spc="-1" strike="noStrike">
+              <a:solidFill>
+                <a:srgbClr val="000000"/>
+              </a:solidFill>
+              <a:uFill>
+                <a:solidFill>
+                  <a:srgbClr val="ffffff"/>
+                </a:solidFill>
+              </a:uFill>
+              <a:latin typeface="Arial"/>
+            </a:endParaRPr>
+          </a:p>
+        </p:txBody>
+      </p:sp>
+    </p:spTree>
+  </p:cSld>
+</p:sldLayout>
+</file>
+
+<file path=ppt/slideLayouts/slideLayout16.xml><?xml version="1.0" encoding="utf-8"?>
+<p:sldLayout xmlns:a="http://schemas.openxmlformats.org/drawingml/2006/main" xmlns:p="http://schemas.openxmlformats.org/presentationml/2006/main" xmlns:r="http://schemas.openxmlformats.org/officeDocument/2006/relationships" xmlns:p14="http://schemas.microsoft.com/office/powerpoint/2010/main" xmlns:p15="http://schemas.microsoft.com/office/powerpoint/2012/main" xmlns:mc="http://schemas.openxmlformats.org/markup-compatibility/2006" type="twoObj" preserve="1">
+  <p:cSld name="Title, 2 Content">
+    <p:spTree>
+      <p:nvGrpSpPr>
+        <p:cNvPr id="1" name=""/>
+        <p:cNvGrpSpPr/>
+        <p:nvPr/>
+      </p:nvGrpSpPr>
+      <p:grpSpPr>
+        <a:xfrm>
+          <a:off x="0" y="0"/>
+          <a:ext cx="0" cy="0"/>
+          <a:chOff x="0" y="0"/>
+          <a:chExt cx="0" cy="0"/>
+        </a:xfrm>
+      </p:grpSpPr>
+      <p:sp>
+        <p:nvSpPr>
+          <p:cNvPr id="42" name="PlaceHolder 1"/>
+          <p:cNvSpPr>
+            <a:spLocks noGrp="1"/>
+          </p:cNvSpPr>
+          <p:nvPr>
+            <p:ph type="title"/>
+          </p:nvPr>
+        </p:nvSpPr>
+        <p:spPr>
+          <a:xfrm>
+            <a:off x="504000" y="301320"/>
+            <a:ext cx="9072000" cy="1261800"/>
+          </a:xfrm>
+          <a:prstGeom prst="rect">
+            <a:avLst/>
+          </a:prstGeom>
+        </p:spPr>
+        <p:txBody>
+          <a:bodyPr lIns="0" rIns="0" tIns="0" bIns="0" anchor="ctr"/>
+          <a:p>
+            <a:pPr algn="ctr"/>
+            <a:endParaRPr b="0" lang="de-DE" sz="4400" spc="-1" strike="noStrike">
+              <a:solidFill>
+                <a:srgbClr val="000000"/>
+              </a:solidFill>
+              <a:uFill>
+                <a:solidFill>
+                  <a:srgbClr val="ffffff"/>
+                </a:solidFill>
+              </a:uFill>
+              <a:latin typeface="Arial"/>
+            </a:endParaRPr>
+          </a:p>
+        </p:txBody>
+      </p:sp>
+      <p:sp>
+        <p:nvSpPr>
+          <p:cNvPr id="43" name="PlaceHolder 2"/>
+          <p:cNvSpPr>
+            <a:spLocks noGrp="1"/>
+          </p:cNvSpPr>
+          <p:nvPr>
+            <p:ph type="body"/>
+          </p:nvPr>
+        </p:nvSpPr>
+        <p:spPr>
+          <a:xfrm>
+            <a:off x="504000" y="1768680"/>
+            <a:ext cx="4426920" cy="4384080"/>
+          </a:xfrm>
+          <a:prstGeom prst="rect">
+            <a:avLst/>
+          </a:prstGeom>
+        </p:spPr>
+        <p:txBody>
+          <a:bodyPr lIns="0" rIns="0" tIns="0" bIns="0"/>
+          <a:p>
+            <a:endParaRPr b="0" lang="de-DE" sz="3200" spc="-1" strike="noStrike">
+              <a:solidFill>
+                <a:srgbClr val="000000"/>
+              </a:solidFill>
+              <a:uFill>
+                <a:solidFill>
+                  <a:srgbClr val="ffffff"/>
+                </a:solidFill>
+              </a:uFill>
+              <a:latin typeface="Arial"/>
+            </a:endParaRPr>
+          </a:p>
+        </p:txBody>
+      </p:sp>
+      <p:sp>
+        <p:nvSpPr>
+          <p:cNvPr id="44" name="PlaceHolder 3"/>
+          <p:cNvSpPr>
+            <a:spLocks noGrp="1"/>
+          </p:cNvSpPr>
+          <p:nvPr>
+            <p:ph type="body"/>
+          </p:nvPr>
+        </p:nvSpPr>
+        <p:spPr>
+          <a:xfrm>
+            <a:off x="5152680" y="1768680"/>
+            <a:ext cx="4426920" cy="4384080"/>
+          </a:xfrm>
+          <a:prstGeom prst="rect">
+            <a:avLst/>
+          </a:prstGeom>
+        </p:spPr>
+        <p:txBody>
+          <a:bodyPr lIns="0" rIns="0" tIns="0" bIns="0"/>
+          <a:p>
+            <a:endParaRPr b="0" lang="de-DE" sz="3200" spc="-1" strike="noStrike">
+              <a:solidFill>
+                <a:srgbClr val="000000"/>
+              </a:solidFill>
+              <a:uFill>
+                <a:solidFill>
+                  <a:srgbClr val="ffffff"/>
+                </a:solidFill>
+              </a:uFill>
+              <a:latin typeface="Arial"/>
+            </a:endParaRPr>
+          </a:p>
+        </p:txBody>
+      </p:sp>
+    </p:spTree>
+  </p:cSld>
+</p:sldLayout>
+</file>
+
+<file path=ppt/slideLayouts/slideLayout17.xml><?xml version="1.0" encoding="utf-8"?>
+<p:sldLayout xmlns:a="http://schemas.openxmlformats.org/drawingml/2006/main" xmlns:p="http://schemas.openxmlformats.org/presentationml/2006/main" xmlns:r="http://schemas.openxmlformats.org/officeDocument/2006/relationships" xmlns:p14="http://schemas.microsoft.com/office/powerpoint/2010/main" xmlns:p15="http://schemas.microsoft.com/office/powerpoint/2012/main" xmlns:mc="http://schemas.openxmlformats.org/markup-compatibility/2006" type="titleOnly" preserve="1">
+  <p:cSld name="Title Only">
+    <p:spTree>
+      <p:nvGrpSpPr>
+        <p:cNvPr id="1" name=""/>
+        <p:cNvGrpSpPr/>
+        <p:nvPr/>
+      </p:nvGrpSpPr>
+      <p:grpSpPr>
+        <a:xfrm>
+          <a:off x="0" y="0"/>
+          <a:ext cx="0" cy="0"/>
+          <a:chOff x="0" y="0"/>
+          <a:chExt cx="0" cy="0"/>
+        </a:xfrm>
+      </p:grpSpPr>
+      <p:sp>
+        <p:nvSpPr>
+          <p:cNvPr id="45" name="PlaceHolder 1"/>
+          <p:cNvSpPr>
+            <a:spLocks noGrp="1"/>
+          </p:cNvSpPr>
+          <p:nvPr>
+            <p:ph type="title"/>
+          </p:nvPr>
+        </p:nvSpPr>
+        <p:spPr>
+          <a:xfrm>
+            <a:off x="504000" y="301320"/>
+            <a:ext cx="9072000" cy="1261800"/>
+          </a:xfrm>
+          <a:prstGeom prst="rect">
+            <a:avLst/>
+          </a:prstGeom>
+        </p:spPr>
+        <p:txBody>
+          <a:bodyPr lIns="0" rIns="0" tIns="0" bIns="0" anchor="ctr"/>
+          <a:p>
+            <a:pPr algn="ctr"/>
+            <a:endParaRPr b="0" lang="de-DE" sz="4400" spc="-1" strike="noStrike">
+              <a:solidFill>
+                <a:srgbClr val="000000"/>
+              </a:solidFill>
+              <a:uFill>
+                <a:solidFill>
+                  <a:srgbClr val="ffffff"/>
+                </a:solidFill>
+              </a:uFill>
+              <a:latin typeface="Arial"/>
+            </a:endParaRPr>
+          </a:p>
+        </p:txBody>
+      </p:sp>
+    </p:spTree>
+  </p:cSld>
+</p:sldLayout>
+</file>
+
+<file path=ppt/slideLayouts/slideLayout18.xml><?xml version="1.0" encoding="utf-8"?>
+<p:sldLayout xmlns:a="http://schemas.openxmlformats.org/drawingml/2006/main" xmlns:p="http://schemas.openxmlformats.org/presentationml/2006/main" xmlns:r="http://schemas.openxmlformats.org/officeDocument/2006/relationships" xmlns:p14="http://schemas.microsoft.com/office/powerpoint/2010/main" xmlns:p15="http://schemas.microsoft.com/office/powerpoint/2012/main" xmlns:mc="http://schemas.openxmlformats.org/markup-compatibility/2006" type="objOnly" preserve="1">
+  <p:cSld name="Centered Text">
+    <p:spTree>
+      <p:nvGrpSpPr>
+        <p:cNvPr id="1" name=""/>
+        <p:cNvGrpSpPr/>
+        <p:nvPr/>
+      </p:nvGrpSpPr>
+      <p:grpSpPr>
+        <a:xfrm>
+          <a:off x="0" y="0"/>
+          <a:ext cx="0" cy="0"/>
+          <a:chOff x="0" y="0"/>
+          <a:chExt cx="0" cy="0"/>
+        </a:xfrm>
+      </p:grpSpPr>
+      <p:sp>
+        <p:nvSpPr>
+          <p:cNvPr id="46" name="PlaceHolder 1"/>
+          <p:cNvSpPr>
+            <a:spLocks noGrp="1"/>
+          </p:cNvSpPr>
+          <p:nvPr>
+            <p:ph type="subTitle"/>
+          </p:nvPr>
+        </p:nvSpPr>
+        <p:spPr>
+          <a:xfrm>
+            <a:off x="504000" y="301320"/>
+            <a:ext cx="9072000" cy="5850360"/>
+          </a:xfrm>
+          <a:prstGeom prst="rect">
+            <a:avLst/>
+          </a:prstGeom>
+        </p:spPr>
+        <p:txBody>
+          <a:bodyPr lIns="0" rIns="0" tIns="0" bIns="0" anchor="ctr"/>
+          <a:p>
+            <a:pPr algn="ctr"/>
+            <a:endParaRPr b="0" lang="de-DE" sz="3200" spc="-1" strike="noStrike">
+              <a:solidFill>
+                <a:srgbClr val="000000"/>
+              </a:solidFill>
+              <a:uFill>
+                <a:solidFill>
+                  <a:srgbClr val="ffffff"/>
+                </a:solidFill>
+              </a:uFill>
+              <a:latin typeface="Arial"/>
+            </a:endParaRPr>
+          </a:p>
+        </p:txBody>
+      </p:sp>
+    </p:spTree>
+  </p:cSld>
+</p:sldLayout>
+</file>
+
+<file path=ppt/slideLayouts/slideLayout19.xml><?xml version="1.0" encoding="utf-8"?>
+<p:sldLayout xmlns:a="http://schemas.openxmlformats.org/drawingml/2006/main" xmlns:p="http://schemas.openxmlformats.org/presentationml/2006/main" xmlns:r="http://schemas.openxmlformats.org/officeDocument/2006/relationships" xmlns:p14="http://schemas.microsoft.com/office/powerpoint/2010/main" xmlns:p15="http://schemas.microsoft.com/office/powerpoint/2012/main" xmlns:mc="http://schemas.openxmlformats.org/markup-compatibility/2006" type="twoObjAndObj" preserve="1">
+  <p:cSld name="Title, 2 Content and Content">
+    <p:spTree>
+      <p:nvGrpSpPr>
+        <p:cNvPr id="1" name=""/>
+        <p:cNvGrpSpPr/>
+        <p:nvPr/>
+      </p:nvGrpSpPr>
+      <p:grpSpPr>
+        <a:xfrm>
+          <a:off x="0" y="0"/>
+          <a:ext cx="0" cy="0"/>
+          <a:chOff x="0" y="0"/>
+          <a:chExt cx="0" cy="0"/>
+        </a:xfrm>
+      </p:grpSpPr>
+      <p:sp>
+        <p:nvSpPr>
+          <p:cNvPr id="47" name="PlaceHolder 1"/>
+          <p:cNvSpPr>
+            <a:spLocks noGrp="1"/>
+          </p:cNvSpPr>
+          <p:nvPr>
+            <p:ph type="title"/>
+          </p:nvPr>
+        </p:nvSpPr>
+        <p:spPr>
+          <a:xfrm>
+            <a:off x="504000" y="301320"/>
+            <a:ext cx="9072000" cy="1261800"/>
+          </a:xfrm>
+          <a:prstGeom prst="rect">
+            <a:avLst/>
+          </a:prstGeom>
+        </p:spPr>
+        <p:txBody>
+          <a:bodyPr lIns="0" rIns="0" tIns="0" bIns="0" anchor="ctr"/>
+          <a:p>
+            <a:pPr algn="ctr"/>
+            <a:endParaRPr b="0" lang="de-DE" sz="4400" spc="-1" strike="noStrike">
+              <a:solidFill>
+                <a:srgbClr val="000000"/>
+              </a:solidFill>
+              <a:uFill>
+                <a:solidFill>
+                  <a:srgbClr val="ffffff"/>
+                </a:solidFill>
+              </a:uFill>
+              <a:latin typeface="Arial"/>
+            </a:endParaRPr>
+          </a:p>
+        </p:txBody>
+      </p:sp>
+      <p:sp>
+        <p:nvSpPr>
+          <p:cNvPr id="48" name="PlaceHolder 2"/>
+          <p:cNvSpPr>
+            <a:spLocks noGrp="1"/>
+          </p:cNvSpPr>
+          <p:nvPr>
+            <p:ph type="body"/>
+          </p:nvPr>
+        </p:nvSpPr>
+        <p:spPr>
+          <a:xfrm>
+            <a:off x="504000" y="1768680"/>
+            <a:ext cx="4426920" cy="2090880"/>
+          </a:xfrm>
+          <a:prstGeom prst="rect">
+            <a:avLst/>
+          </a:prstGeom>
+        </p:spPr>
+        <p:txBody>
+          <a:bodyPr lIns="0" rIns="0" tIns="0" bIns="0"/>
+          <a:p>
+            <a:endParaRPr b="0" lang="de-DE" sz="3200" spc="-1" strike="noStrike">
+              <a:solidFill>
+                <a:srgbClr val="000000"/>
+              </a:solidFill>
+              <a:uFill>
+                <a:solidFill>
+                  <a:srgbClr val="ffffff"/>
+                </a:solidFill>
+              </a:uFill>
+              <a:latin typeface="Arial"/>
+            </a:endParaRPr>
+          </a:p>
+        </p:txBody>
+      </p:sp>
+      <p:sp>
+        <p:nvSpPr>
+          <p:cNvPr id="49" name="PlaceHolder 3"/>
+          <p:cNvSpPr>
+            <a:spLocks noGrp="1"/>
+          </p:cNvSpPr>
+          <p:nvPr>
+            <p:ph type="body"/>
+          </p:nvPr>
+        </p:nvSpPr>
+        <p:spPr>
+          <a:xfrm>
+            <a:off x="504000" y="4058640"/>
+            <a:ext cx="4426920" cy="2090880"/>
+          </a:xfrm>
+          <a:prstGeom prst="rect">
+            <a:avLst/>
+          </a:prstGeom>
+        </p:spPr>
+        <p:txBody>
+          <a:bodyPr lIns="0" rIns="0" tIns="0" bIns="0"/>
+          <a:p>
+            <a:endParaRPr b="0" lang="de-DE" sz="3200" spc="-1" strike="noStrike">
+              <a:solidFill>
+                <a:srgbClr val="000000"/>
+              </a:solidFill>
+              <a:uFill>
+                <a:solidFill>
+                  <a:srgbClr val="ffffff"/>
+                </a:solidFill>
+              </a:uFill>
+              <a:latin typeface="Arial"/>
+            </a:endParaRPr>
+          </a:p>
+        </p:txBody>
+      </p:sp>
+      <p:sp>
+        <p:nvSpPr>
+          <p:cNvPr id="50" name="PlaceHolder 4"/>
+          <p:cNvSpPr>
+            <a:spLocks noGrp="1"/>
+          </p:cNvSpPr>
+          <p:nvPr>
+            <p:ph type="body"/>
+          </p:nvPr>
+        </p:nvSpPr>
+        <p:spPr>
+          <a:xfrm>
+            <a:off x="5152680" y="1768680"/>
+            <a:ext cx="4426920" cy="4384080"/>
+          </a:xfrm>
+          <a:prstGeom prst="rect">
+            <a:avLst/>
+          </a:prstGeom>
+        </p:spPr>
+        <p:txBody>
+          <a:bodyPr lIns="0" rIns="0" tIns="0" bIns="0"/>
+          <a:p>
+            <a:endParaRPr b="0" lang="de-DE" sz="3200" spc="-1" strike="noStrike">
+              <a:solidFill>
+                <a:srgbClr val="000000"/>
+              </a:solidFill>
+              <a:uFill>
+                <a:solidFill>
+                  <a:srgbClr val="ffffff"/>
+                </a:solidFill>
+              </a:uFill>
+              <a:latin typeface="Arial"/>
+            </a:endParaRPr>
+          </a:p>
+        </p:txBody>
+      </p:sp>
     </p:spTree>
   </p:cSld>
 </p:sldLayout>
@@ -572,7 +1203,7 @@
       </p:grpSpPr>
       <p:sp>
         <p:nvSpPr>
-          <p:cNvPr id="5" name="PlaceHolder 1"/>
+          <p:cNvPr id="2" name="PlaceHolder 1"/>
           <p:cNvSpPr>
             <a:spLocks noGrp="1"/>
           </p:cNvSpPr>
@@ -583,7 +1214,7 @@
         <p:spPr>
           <a:xfrm>
             <a:off x="504000" y="301320"/>
-            <a:ext cx="9071640" cy="1262160"/>
+            <a:ext cx="9072000" cy="1261800"/>
           </a:xfrm>
           <a:prstGeom prst="rect">
             <a:avLst/>
@@ -609,7 +1240,7 @@
       </p:sp>
       <p:sp>
         <p:nvSpPr>
-          <p:cNvPr id="6" name="PlaceHolder 2"/>
+          <p:cNvPr id="3" name="PlaceHolder 2"/>
           <p:cNvSpPr>
             <a:spLocks noGrp="1"/>
           </p:cNvSpPr>
@@ -619,8 +1250,8 @@
         </p:nvSpPr>
         <p:spPr>
           <a:xfrm>
-            <a:off x="504000" y="1769040"/>
-            <a:ext cx="9071640" cy="4384440"/>
+            <a:off x="504000" y="1768680"/>
+            <a:ext cx="9072000" cy="4384080"/>
           </a:xfrm>
           <a:prstGeom prst="rect">
             <a:avLst/>
@@ -644,6 +1275,851 @@
           </a:p>
         </p:txBody>
       </p:sp>
+    </p:spTree>
+  </p:cSld>
+</p:sldLayout>
+</file>
+
+<file path=ppt/slideLayouts/slideLayout20.xml><?xml version="1.0" encoding="utf-8"?>
+<p:sldLayout xmlns:a="http://schemas.openxmlformats.org/drawingml/2006/main" xmlns:p="http://schemas.openxmlformats.org/presentationml/2006/main" xmlns:r="http://schemas.openxmlformats.org/officeDocument/2006/relationships" xmlns:p14="http://schemas.microsoft.com/office/powerpoint/2010/main" xmlns:p15="http://schemas.microsoft.com/office/powerpoint/2012/main" xmlns:mc="http://schemas.openxmlformats.org/markup-compatibility/2006" type="objAndTwoObj" preserve="1">
+  <p:cSld name="Title Content and 2 Content">
+    <p:spTree>
+      <p:nvGrpSpPr>
+        <p:cNvPr id="1" name=""/>
+        <p:cNvGrpSpPr/>
+        <p:nvPr/>
+      </p:nvGrpSpPr>
+      <p:grpSpPr>
+        <a:xfrm>
+          <a:off x="0" y="0"/>
+          <a:ext cx="0" cy="0"/>
+          <a:chOff x="0" y="0"/>
+          <a:chExt cx="0" cy="0"/>
+        </a:xfrm>
+      </p:grpSpPr>
+      <p:sp>
+        <p:nvSpPr>
+          <p:cNvPr id="51" name="PlaceHolder 1"/>
+          <p:cNvSpPr>
+            <a:spLocks noGrp="1"/>
+          </p:cNvSpPr>
+          <p:nvPr>
+            <p:ph type="title"/>
+          </p:nvPr>
+        </p:nvSpPr>
+        <p:spPr>
+          <a:xfrm>
+            <a:off x="504000" y="301320"/>
+            <a:ext cx="9072000" cy="1261800"/>
+          </a:xfrm>
+          <a:prstGeom prst="rect">
+            <a:avLst/>
+          </a:prstGeom>
+        </p:spPr>
+        <p:txBody>
+          <a:bodyPr lIns="0" rIns="0" tIns="0" bIns="0" anchor="ctr"/>
+          <a:p>
+            <a:pPr algn="ctr"/>
+            <a:endParaRPr b="0" lang="de-DE" sz="4400" spc="-1" strike="noStrike">
+              <a:solidFill>
+                <a:srgbClr val="000000"/>
+              </a:solidFill>
+              <a:uFill>
+                <a:solidFill>
+                  <a:srgbClr val="ffffff"/>
+                </a:solidFill>
+              </a:uFill>
+              <a:latin typeface="Arial"/>
+            </a:endParaRPr>
+          </a:p>
+        </p:txBody>
+      </p:sp>
+      <p:sp>
+        <p:nvSpPr>
+          <p:cNvPr id="52" name="PlaceHolder 2"/>
+          <p:cNvSpPr>
+            <a:spLocks noGrp="1"/>
+          </p:cNvSpPr>
+          <p:nvPr>
+            <p:ph type="body"/>
+          </p:nvPr>
+        </p:nvSpPr>
+        <p:spPr>
+          <a:xfrm>
+            <a:off x="504000" y="1768680"/>
+            <a:ext cx="4426920" cy="4384080"/>
+          </a:xfrm>
+          <a:prstGeom prst="rect">
+            <a:avLst/>
+          </a:prstGeom>
+        </p:spPr>
+        <p:txBody>
+          <a:bodyPr lIns="0" rIns="0" tIns="0" bIns="0"/>
+          <a:p>
+            <a:endParaRPr b="0" lang="de-DE" sz="3200" spc="-1" strike="noStrike">
+              <a:solidFill>
+                <a:srgbClr val="000000"/>
+              </a:solidFill>
+              <a:uFill>
+                <a:solidFill>
+                  <a:srgbClr val="ffffff"/>
+                </a:solidFill>
+              </a:uFill>
+              <a:latin typeface="Arial"/>
+            </a:endParaRPr>
+          </a:p>
+        </p:txBody>
+      </p:sp>
+      <p:sp>
+        <p:nvSpPr>
+          <p:cNvPr id="53" name="PlaceHolder 3"/>
+          <p:cNvSpPr>
+            <a:spLocks noGrp="1"/>
+          </p:cNvSpPr>
+          <p:nvPr>
+            <p:ph type="body"/>
+          </p:nvPr>
+        </p:nvSpPr>
+        <p:spPr>
+          <a:xfrm>
+            <a:off x="5152680" y="1768680"/>
+            <a:ext cx="4426920" cy="2090880"/>
+          </a:xfrm>
+          <a:prstGeom prst="rect">
+            <a:avLst/>
+          </a:prstGeom>
+        </p:spPr>
+        <p:txBody>
+          <a:bodyPr lIns="0" rIns="0" tIns="0" bIns="0"/>
+          <a:p>
+            <a:endParaRPr b="0" lang="de-DE" sz="3200" spc="-1" strike="noStrike">
+              <a:solidFill>
+                <a:srgbClr val="000000"/>
+              </a:solidFill>
+              <a:uFill>
+                <a:solidFill>
+                  <a:srgbClr val="ffffff"/>
+                </a:solidFill>
+              </a:uFill>
+              <a:latin typeface="Arial"/>
+            </a:endParaRPr>
+          </a:p>
+        </p:txBody>
+      </p:sp>
+      <p:sp>
+        <p:nvSpPr>
+          <p:cNvPr id="54" name="PlaceHolder 4"/>
+          <p:cNvSpPr>
+            <a:spLocks noGrp="1"/>
+          </p:cNvSpPr>
+          <p:nvPr>
+            <p:ph type="body"/>
+          </p:nvPr>
+        </p:nvSpPr>
+        <p:spPr>
+          <a:xfrm>
+            <a:off x="5152680" y="4058640"/>
+            <a:ext cx="4426920" cy="2090880"/>
+          </a:xfrm>
+          <a:prstGeom prst="rect">
+            <a:avLst/>
+          </a:prstGeom>
+        </p:spPr>
+        <p:txBody>
+          <a:bodyPr lIns="0" rIns="0" tIns="0" bIns="0"/>
+          <a:p>
+            <a:endParaRPr b="0" lang="de-DE" sz="3200" spc="-1" strike="noStrike">
+              <a:solidFill>
+                <a:srgbClr val="000000"/>
+              </a:solidFill>
+              <a:uFill>
+                <a:solidFill>
+                  <a:srgbClr val="ffffff"/>
+                </a:solidFill>
+              </a:uFill>
+              <a:latin typeface="Arial"/>
+            </a:endParaRPr>
+          </a:p>
+        </p:txBody>
+      </p:sp>
+    </p:spTree>
+  </p:cSld>
+</p:sldLayout>
+</file>
+
+<file path=ppt/slideLayouts/slideLayout21.xml><?xml version="1.0" encoding="utf-8"?>
+<p:sldLayout xmlns:a="http://schemas.openxmlformats.org/drawingml/2006/main" xmlns:p="http://schemas.openxmlformats.org/presentationml/2006/main" xmlns:r="http://schemas.openxmlformats.org/officeDocument/2006/relationships" xmlns:p14="http://schemas.microsoft.com/office/powerpoint/2010/main" xmlns:p15="http://schemas.microsoft.com/office/powerpoint/2012/main" xmlns:mc="http://schemas.openxmlformats.org/markup-compatibility/2006" type="twoObjOverTx" preserve="1">
+  <p:cSld name="Title, 2 Content over Content">
+    <p:spTree>
+      <p:nvGrpSpPr>
+        <p:cNvPr id="1" name=""/>
+        <p:cNvGrpSpPr/>
+        <p:nvPr/>
+      </p:nvGrpSpPr>
+      <p:grpSpPr>
+        <a:xfrm>
+          <a:off x="0" y="0"/>
+          <a:ext cx="0" cy="0"/>
+          <a:chOff x="0" y="0"/>
+          <a:chExt cx="0" cy="0"/>
+        </a:xfrm>
+      </p:grpSpPr>
+      <p:sp>
+        <p:nvSpPr>
+          <p:cNvPr id="55" name="PlaceHolder 1"/>
+          <p:cNvSpPr>
+            <a:spLocks noGrp="1"/>
+          </p:cNvSpPr>
+          <p:nvPr>
+            <p:ph type="title"/>
+          </p:nvPr>
+        </p:nvSpPr>
+        <p:spPr>
+          <a:xfrm>
+            <a:off x="504000" y="301320"/>
+            <a:ext cx="9072000" cy="1261800"/>
+          </a:xfrm>
+          <a:prstGeom prst="rect">
+            <a:avLst/>
+          </a:prstGeom>
+        </p:spPr>
+        <p:txBody>
+          <a:bodyPr lIns="0" rIns="0" tIns="0" bIns="0" anchor="ctr"/>
+          <a:p>
+            <a:pPr algn="ctr"/>
+            <a:endParaRPr b="0" lang="de-DE" sz="4400" spc="-1" strike="noStrike">
+              <a:solidFill>
+                <a:srgbClr val="000000"/>
+              </a:solidFill>
+              <a:uFill>
+                <a:solidFill>
+                  <a:srgbClr val="ffffff"/>
+                </a:solidFill>
+              </a:uFill>
+              <a:latin typeface="Arial"/>
+            </a:endParaRPr>
+          </a:p>
+        </p:txBody>
+      </p:sp>
+      <p:sp>
+        <p:nvSpPr>
+          <p:cNvPr id="56" name="PlaceHolder 2"/>
+          <p:cNvSpPr>
+            <a:spLocks noGrp="1"/>
+          </p:cNvSpPr>
+          <p:nvPr>
+            <p:ph type="body"/>
+          </p:nvPr>
+        </p:nvSpPr>
+        <p:spPr>
+          <a:xfrm>
+            <a:off x="504000" y="1768680"/>
+            <a:ext cx="4426920" cy="2090880"/>
+          </a:xfrm>
+          <a:prstGeom prst="rect">
+            <a:avLst/>
+          </a:prstGeom>
+        </p:spPr>
+        <p:txBody>
+          <a:bodyPr lIns="0" rIns="0" tIns="0" bIns="0"/>
+          <a:p>
+            <a:endParaRPr b="0" lang="de-DE" sz="3200" spc="-1" strike="noStrike">
+              <a:solidFill>
+                <a:srgbClr val="000000"/>
+              </a:solidFill>
+              <a:uFill>
+                <a:solidFill>
+                  <a:srgbClr val="ffffff"/>
+                </a:solidFill>
+              </a:uFill>
+              <a:latin typeface="Arial"/>
+            </a:endParaRPr>
+          </a:p>
+        </p:txBody>
+      </p:sp>
+      <p:sp>
+        <p:nvSpPr>
+          <p:cNvPr id="57" name="PlaceHolder 3"/>
+          <p:cNvSpPr>
+            <a:spLocks noGrp="1"/>
+          </p:cNvSpPr>
+          <p:nvPr>
+            <p:ph type="body"/>
+          </p:nvPr>
+        </p:nvSpPr>
+        <p:spPr>
+          <a:xfrm>
+            <a:off x="5152680" y="1768680"/>
+            <a:ext cx="4426920" cy="2090880"/>
+          </a:xfrm>
+          <a:prstGeom prst="rect">
+            <a:avLst/>
+          </a:prstGeom>
+        </p:spPr>
+        <p:txBody>
+          <a:bodyPr lIns="0" rIns="0" tIns="0" bIns="0"/>
+          <a:p>
+            <a:endParaRPr b="0" lang="de-DE" sz="3200" spc="-1" strike="noStrike">
+              <a:solidFill>
+                <a:srgbClr val="000000"/>
+              </a:solidFill>
+              <a:uFill>
+                <a:solidFill>
+                  <a:srgbClr val="ffffff"/>
+                </a:solidFill>
+              </a:uFill>
+              <a:latin typeface="Arial"/>
+            </a:endParaRPr>
+          </a:p>
+        </p:txBody>
+      </p:sp>
+      <p:sp>
+        <p:nvSpPr>
+          <p:cNvPr id="58" name="PlaceHolder 4"/>
+          <p:cNvSpPr>
+            <a:spLocks noGrp="1"/>
+          </p:cNvSpPr>
+          <p:nvPr>
+            <p:ph type="body"/>
+          </p:nvPr>
+        </p:nvSpPr>
+        <p:spPr>
+          <a:xfrm>
+            <a:off x="504000" y="4058640"/>
+            <a:ext cx="9072000" cy="2090880"/>
+          </a:xfrm>
+          <a:prstGeom prst="rect">
+            <a:avLst/>
+          </a:prstGeom>
+        </p:spPr>
+        <p:txBody>
+          <a:bodyPr lIns="0" rIns="0" tIns="0" bIns="0"/>
+          <a:p>
+            <a:endParaRPr b="0" lang="de-DE" sz="3200" spc="-1" strike="noStrike">
+              <a:solidFill>
+                <a:srgbClr val="000000"/>
+              </a:solidFill>
+              <a:uFill>
+                <a:solidFill>
+                  <a:srgbClr val="ffffff"/>
+                </a:solidFill>
+              </a:uFill>
+              <a:latin typeface="Arial"/>
+            </a:endParaRPr>
+          </a:p>
+        </p:txBody>
+      </p:sp>
+    </p:spTree>
+  </p:cSld>
+</p:sldLayout>
+</file>
+
+<file path=ppt/slideLayouts/slideLayout22.xml><?xml version="1.0" encoding="utf-8"?>
+<p:sldLayout xmlns:a="http://schemas.openxmlformats.org/drawingml/2006/main" xmlns:p="http://schemas.openxmlformats.org/presentationml/2006/main" xmlns:r="http://schemas.openxmlformats.org/officeDocument/2006/relationships" xmlns:p14="http://schemas.microsoft.com/office/powerpoint/2010/main" xmlns:p15="http://schemas.microsoft.com/office/powerpoint/2012/main" xmlns:mc="http://schemas.openxmlformats.org/markup-compatibility/2006" type="objOverTx" preserve="1">
+  <p:cSld name="Title, Content over Content">
+    <p:spTree>
+      <p:nvGrpSpPr>
+        <p:cNvPr id="1" name=""/>
+        <p:cNvGrpSpPr/>
+        <p:nvPr/>
+      </p:nvGrpSpPr>
+      <p:grpSpPr>
+        <a:xfrm>
+          <a:off x="0" y="0"/>
+          <a:ext cx="0" cy="0"/>
+          <a:chOff x="0" y="0"/>
+          <a:chExt cx="0" cy="0"/>
+        </a:xfrm>
+      </p:grpSpPr>
+      <p:sp>
+        <p:nvSpPr>
+          <p:cNvPr id="59" name="PlaceHolder 1"/>
+          <p:cNvSpPr>
+            <a:spLocks noGrp="1"/>
+          </p:cNvSpPr>
+          <p:nvPr>
+            <p:ph type="title"/>
+          </p:nvPr>
+        </p:nvSpPr>
+        <p:spPr>
+          <a:xfrm>
+            <a:off x="504000" y="301320"/>
+            <a:ext cx="9072000" cy="1261800"/>
+          </a:xfrm>
+          <a:prstGeom prst="rect">
+            <a:avLst/>
+          </a:prstGeom>
+        </p:spPr>
+        <p:txBody>
+          <a:bodyPr lIns="0" rIns="0" tIns="0" bIns="0" anchor="ctr"/>
+          <a:p>
+            <a:pPr algn="ctr"/>
+            <a:endParaRPr b="0" lang="de-DE" sz="4400" spc="-1" strike="noStrike">
+              <a:solidFill>
+                <a:srgbClr val="000000"/>
+              </a:solidFill>
+              <a:uFill>
+                <a:solidFill>
+                  <a:srgbClr val="ffffff"/>
+                </a:solidFill>
+              </a:uFill>
+              <a:latin typeface="Arial"/>
+            </a:endParaRPr>
+          </a:p>
+        </p:txBody>
+      </p:sp>
+      <p:sp>
+        <p:nvSpPr>
+          <p:cNvPr id="60" name="PlaceHolder 2"/>
+          <p:cNvSpPr>
+            <a:spLocks noGrp="1"/>
+          </p:cNvSpPr>
+          <p:nvPr>
+            <p:ph type="body"/>
+          </p:nvPr>
+        </p:nvSpPr>
+        <p:spPr>
+          <a:xfrm>
+            <a:off x="504000" y="1768680"/>
+            <a:ext cx="9072000" cy="2090880"/>
+          </a:xfrm>
+          <a:prstGeom prst="rect">
+            <a:avLst/>
+          </a:prstGeom>
+        </p:spPr>
+        <p:txBody>
+          <a:bodyPr lIns="0" rIns="0" tIns="0" bIns="0"/>
+          <a:p>
+            <a:endParaRPr b="0" lang="de-DE" sz="3200" spc="-1" strike="noStrike">
+              <a:solidFill>
+                <a:srgbClr val="000000"/>
+              </a:solidFill>
+              <a:uFill>
+                <a:solidFill>
+                  <a:srgbClr val="ffffff"/>
+                </a:solidFill>
+              </a:uFill>
+              <a:latin typeface="Arial"/>
+            </a:endParaRPr>
+          </a:p>
+        </p:txBody>
+      </p:sp>
+      <p:sp>
+        <p:nvSpPr>
+          <p:cNvPr id="61" name="PlaceHolder 3"/>
+          <p:cNvSpPr>
+            <a:spLocks noGrp="1"/>
+          </p:cNvSpPr>
+          <p:nvPr>
+            <p:ph type="body"/>
+          </p:nvPr>
+        </p:nvSpPr>
+        <p:spPr>
+          <a:xfrm>
+            <a:off x="504000" y="4058640"/>
+            <a:ext cx="9072000" cy="2090880"/>
+          </a:xfrm>
+          <a:prstGeom prst="rect">
+            <a:avLst/>
+          </a:prstGeom>
+        </p:spPr>
+        <p:txBody>
+          <a:bodyPr lIns="0" rIns="0" tIns="0" bIns="0"/>
+          <a:p>
+            <a:endParaRPr b="0" lang="de-DE" sz="3200" spc="-1" strike="noStrike">
+              <a:solidFill>
+                <a:srgbClr val="000000"/>
+              </a:solidFill>
+              <a:uFill>
+                <a:solidFill>
+                  <a:srgbClr val="ffffff"/>
+                </a:solidFill>
+              </a:uFill>
+              <a:latin typeface="Arial"/>
+            </a:endParaRPr>
+          </a:p>
+        </p:txBody>
+      </p:sp>
+    </p:spTree>
+  </p:cSld>
+</p:sldLayout>
+</file>
+
+<file path=ppt/slideLayouts/slideLayout23.xml><?xml version="1.0" encoding="utf-8"?>
+<p:sldLayout xmlns:a="http://schemas.openxmlformats.org/drawingml/2006/main" xmlns:p="http://schemas.openxmlformats.org/presentationml/2006/main" xmlns:r="http://schemas.openxmlformats.org/officeDocument/2006/relationships" xmlns:p14="http://schemas.microsoft.com/office/powerpoint/2010/main" xmlns:p15="http://schemas.microsoft.com/office/powerpoint/2012/main" xmlns:mc="http://schemas.openxmlformats.org/markup-compatibility/2006" type="fourObj" preserve="1">
+  <p:cSld name="Title, 4 Content">
+    <p:spTree>
+      <p:nvGrpSpPr>
+        <p:cNvPr id="1" name=""/>
+        <p:cNvGrpSpPr/>
+        <p:nvPr/>
+      </p:nvGrpSpPr>
+      <p:grpSpPr>
+        <a:xfrm>
+          <a:off x="0" y="0"/>
+          <a:ext cx="0" cy="0"/>
+          <a:chOff x="0" y="0"/>
+          <a:chExt cx="0" cy="0"/>
+        </a:xfrm>
+      </p:grpSpPr>
+      <p:sp>
+        <p:nvSpPr>
+          <p:cNvPr id="62" name="PlaceHolder 1"/>
+          <p:cNvSpPr>
+            <a:spLocks noGrp="1"/>
+          </p:cNvSpPr>
+          <p:nvPr>
+            <p:ph type="title"/>
+          </p:nvPr>
+        </p:nvSpPr>
+        <p:spPr>
+          <a:xfrm>
+            <a:off x="504000" y="301320"/>
+            <a:ext cx="9072000" cy="1261800"/>
+          </a:xfrm>
+          <a:prstGeom prst="rect">
+            <a:avLst/>
+          </a:prstGeom>
+        </p:spPr>
+        <p:txBody>
+          <a:bodyPr lIns="0" rIns="0" tIns="0" bIns="0" anchor="ctr"/>
+          <a:p>
+            <a:pPr algn="ctr"/>
+            <a:endParaRPr b="0" lang="de-DE" sz="4400" spc="-1" strike="noStrike">
+              <a:solidFill>
+                <a:srgbClr val="000000"/>
+              </a:solidFill>
+              <a:uFill>
+                <a:solidFill>
+                  <a:srgbClr val="ffffff"/>
+                </a:solidFill>
+              </a:uFill>
+              <a:latin typeface="Arial"/>
+            </a:endParaRPr>
+          </a:p>
+        </p:txBody>
+      </p:sp>
+      <p:sp>
+        <p:nvSpPr>
+          <p:cNvPr id="63" name="PlaceHolder 2"/>
+          <p:cNvSpPr>
+            <a:spLocks noGrp="1"/>
+          </p:cNvSpPr>
+          <p:nvPr>
+            <p:ph type="body"/>
+          </p:nvPr>
+        </p:nvSpPr>
+        <p:spPr>
+          <a:xfrm>
+            <a:off x="504000" y="1768680"/>
+            <a:ext cx="4426920" cy="2090880"/>
+          </a:xfrm>
+          <a:prstGeom prst="rect">
+            <a:avLst/>
+          </a:prstGeom>
+        </p:spPr>
+        <p:txBody>
+          <a:bodyPr lIns="0" rIns="0" tIns="0" bIns="0"/>
+          <a:p>
+            <a:endParaRPr b="0" lang="de-DE" sz="3200" spc="-1" strike="noStrike">
+              <a:solidFill>
+                <a:srgbClr val="000000"/>
+              </a:solidFill>
+              <a:uFill>
+                <a:solidFill>
+                  <a:srgbClr val="ffffff"/>
+                </a:solidFill>
+              </a:uFill>
+              <a:latin typeface="Arial"/>
+            </a:endParaRPr>
+          </a:p>
+        </p:txBody>
+      </p:sp>
+      <p:sp>
+        <p:nvSpPr>
+          <p:cNvPr id="64" name="PlaceHolder 3"/>
+          <p:cNvSpPr>
+            <a:spLocks noGrp="1"/>
+          </p:cNvSpPr>
+          <p:nvPr>
+            <p:ph type="body"/>
+          </p:nvPr>
+        </p:nvSpPr>
+        <p:spPr>
+          <a:xfrm>
+            <a:off x="5152680" y="1768680"/>
+            <a:ext cx="4426920" cy="2090880"/>
+          </a:xfrm>
+          <a:prstGeom prst="rect">
+            <a:avLst/>
+          </a:prstGeom>
+        </p:spPr>
+        <p:txBody>
+          <a:bodyPr lIns="0" rIns="0" tIns="0" bIns="0"/>
+          <a:p>
+            <a:endParaRPr b="0" lang="de-DE" sz="3200" spc="-1" strike="noStrike">
+              <a:solidFill>
+                <a:srgbClr val="000000"/>
+              </a:solidFill>
+              <a:uFill>
+                <a:solidFill>
+                  <a:srgbClr val="ffffff"/>
+                </a:solidFill>
+              </a:uFill>
+              <a:latin typeface="Arial"/>
+            </a:endParaRPr>
+          </a:p>
+        </p:txBody>
+      </p:sp>
+      <p:sp>
+        <p:nvSpPr>
+          <p:cNvPr id="65" name="PlaceHolder 4"/>
+          <p:cNvSpPr>
+            <a:spLocks noGrp="1"/>
+          </p:cNvSpPr>
+          <p:nvPr>
+            <p:ph type="body"/>
+          </p:nvPr>
+        </p:nvSpPr>
+        <p:spPr>
+          <a:xfrm>
+            <a:off x="5152680" y="4058640"/>
+            <a:ext cx="4426920" cy="2090880"/>
+          </a:xfrm>
+          <a:prstGeom prst="rect">
+            <a:avLst/>
+          </a:prstGeom>
+        </p:spPr>
+        <p:txBody>
+          <a:bodyPr lIns="0" rIns="0" tIns="0" bIns="0"/>
+          <a:p>
+            <a:endParaRPr b="0" lang="de-DE" sz="3200" spc="-1" strike="noStrike">
+              <a:solidFill>
+                <a:srgbClr val="000000"/>
+              </a:solidFill>
+              <a:uFill>
+                <a:solidFill>
+                  <a:srgbClr val="ffffff"/>
+                </a:solidFill>
+              </a:uFill>
+              <a:latin typeface="Arial"/>
+            </a:endParaRPr>
+          </a:p>
+        </p:txBody>
+      </p:sp>
+      <p:sp>
+        <p:nvSpPr>
+          <p:cNvPr id="66" name="PlaceHolder 5"/>
+          <p:cNvSpPr>
+            <a:spLocks noGrp="1"/>
+          </p:cNvSpPr>
+          <p:nvPr>
+            <p:ph type="body"/>
+          </p:nvPr>
+        </p:nvSpPr>
+        <p:spPr>
+          <a:xfrm>
+            <a:off x="504000" y="4058640"/>
+            <a:ext cx="4426920" cy="2090880"/>
+          </a:xfrm>
+          <a:prstGeom prst="rect">
+            <a:avLst/>
+          </a:prstGeom>
+        </p:spPr>
+        <p:txBody>
+          <a:bodyPr lIns="0" rIns="0" tIns="0" bIns="0"/>
+          <a:p>
+            <a:endParaRPr b="0" lang="de-DE" sz="3200" spc="-1" strike="noStrike">
+              <a:solidFill>
+                <a:srgbClr val="000000"/>
+              </a:solidFill>
+              <a:uFill>
+                <a:solidFill>
+                  <a:srgbClr val="ffffff"/>
+                </a:solidFill>
+              </a:uFill>
+              <a:latin typeface="Arial"/>
+            </a:endParaRPr>
+          </a:p>
+        </p:txBody>
+      </p:sp>
+    </p:spTree>
+  </p:cSld>
+</p:sldLayout>
+</file>
+
+<file path=ppt/slideLayouts/slideLayout24.xml><?xml version="1.0" encoding="utf-8"?>
+<p:sldLayout xmlns:a="http://schemas.openxmlformats.org/drawingml/2006/main" xmlns:p="http://schemas.openxmlformats.org/presentationml/2006/main" xmlns:r="http://schemas.openxmlformats.org/officeDocument/2006/relationships" xmlns:p14="http://schemas.microsoft.com/office/powerpoint/2010/main" xmlns:p15="http://schemas.microsoft.com/office/powerpoint/2012/main" xmlns:mc="http://schemas.openxmlformats.org/markup-compatibility/2006" type="blank" preserve="1">
+  <p:cSld name="Title, 6 Content">
+    <p:spTree>
+      <p:nvGrpSpPr>
+        <p:cNvPr id="1" name=""/>
+        <p:cNvGrpSpPr/>
+        <p:nvPr/>
+      </p:nvGrpSpPr>
+      <p:grpSpPr>
+        <a:xfrm>
+          <a:off x="0" y="0"/>
+          <a:ext cx="0" cy="0"/>
+          <a:chOff x="0" y="0"/>
+          <a:chExt cx="0" cy="0"/>
+        </a:xfrm>
+      </p:grpSpPr>
+      <p:sp>
+        <p:nvSpPr>
+          <p:cNvPr id="67" name="PlaceHolder 1"/>
+          <p:cNvSpPr>
+            <a:spLocks noGrp="1"/>
+          </p:cNvSpPr>
+          <p:nvPr>
+            <p:ph type="title"/>
+          </p:nvPr>
+        </p:nvSpPr>
+        <p:spPr>
+          <a:xfrm>
+            <a:off x="504000" y="301320"/>
+            <a:ext cx="9072000" cy="1261800"/>
+          </a:xfrm>
+          <a:prstGeom prst="rect">
+            <a:avLst/>
+          </a:prstGeom>
+        </p:spPr>
+        <p:txBody>
+          <a:bodyPr lIns="0" rIns="0" tIns="0" bIns="0" anchor="ctr"/>
+          <a:p>
+            <a:pPr algn="ctr"/>
+            <a:endParaRPr b="0" lang="de-DE" sz="4400" spc="-1" strike="noStrike">
+              <a:solidFill>
+                <a:srgbClr val="000000"/>
+              </a:solidFill>
+              <a:uFill>
+                <a:solidFill>
+                  <a:srgbClr val="ffffff"/>
+                </a:solidFill>
+              </a:uFill>
+              <a:latin typeface="Arial"/>
+            </a:endParaRPr>
+          </a:p>
+        </p:txBody>
+      </p:sp>
+      <p:sp>
+        <p:nvSpPr>
+          <p:cNvPr id="68" name="PlaceHolder 2"/>
+          <p:cNvSpPr>
+            <a:spLocks noGrp="1"/>
+          </p:cNvSpPr>
+          <p:nvPr>
+            <p:ph type="body"/>
+          </p:nvPr>
+        </p:nvSpPr>
+        <p:spPr>
+          <a:xfrm>
+            <a:off x="504000" y="1768680"/>
+            <a:ext cx="9072000" cy="4384080"/>
+          </a:xfrm>
+          <a:prstGeom prst="rect">
+            <a:avLst/>
+          </a:prstGeom>
+        </p:spPr>
+        <p:txBody>
+          <a:bodyPr lIns="0" rIns="0" tIns="0" bIns="0"/>
+          <a:p>
+            <a:endParaRPr b="0" lang="de-DE" sz="3200" spc="-1" strike="noStrike">
+              <a:solidFill>
+                <a:srgbClr val="000000"/>
+              </a:solidFill>
+              <a:uFill>
+                <a:solidFill>
+                  <a:srgbClr val="ffffff"/>
+                </a:solidFill>
+              </a:uFill>
+              <a:latin typeface="Arial"/>
+            </a:endParaRPr>
+          </a:p>
+        </p:txBody>
+      </p:sp>
+      <p:sp>
+        <p:nvSpPr>
+          <p:cNvPr id="69" name="PlaceHolder 3"/>
+          <p:cNvSpPr>
+            <a:spLocks noGrp="1"/>
+          </p:cNvSpPr>
+          <p:nvPr>
+            <p:ph type="body"/>
+          </p:nvPr>
+        </p:nvSpPr>
+        <p:spPr>
+          <a:xfrm>
+            <a:off x="504000" y="1768680"/>
+            <a:ext cx="9072000" cy="4384080"/>
+          </a:xfrm>
+          <a:prstGeom prst="rect">
+            <a:avLst/>
+          </a:prstGeom>
+        </p:spPr>
+        <p:txBody>
+          <a:bodyPr lIns="0" rIns="0" tIns="0" bIns="0"/>
+          <a:p>
+            <a:endParaRPr b="0" lang="de-DE" sz="3200" spc="-1" strike="noStrike">
+              <a:solidFill>
+                <a:srgbClr val="000000"/>
+              </a:solidFill>
+              <a:uFill>
+                <a:solidFill>
+                  <a:srgbClr val="ffffff"/>
+                </a:solidFill>
+              </a:uFill>
+              <a:latin typeface="Arial"/>
+            </a:endParaRPr>
+          </a:p>
+        </p:txBody>
+      </p:sp>
+      <p:pic>
+        <p:nvPicPr>
+          <p:cNvPr id="70" name="" descr=""/>
+          <p:cNvPicPr/>
+          <p:nvPr/>
+        </p:nvPicPr>
+        <p:blipFill>
+          <a:blip r:embed="rId2"/>
+          <a:stretch/>
+        </p:blipFill>
+        <p:spPr>
+          <a:xfrm>
+            <a:off x="2292480" y="1768680"/>
+            <a:ext cx="5494680" cy="4384080"/>
+          </a:xfrm>
+          <a:prstGeom prst="rect">
+            <a:avLst/>
+          </a:prstGeom>
+          <a:ln>
+            <a:noFill/>
+          </a:ln>
+        </p:spPr>
+      </p:pic>
+      <p:pic>
+        <p:nvPicPr>
+          <p:cNvPr id="71" name="" descr=""/>
+          <p:cNvPicPr/>
+          <p:nvPr/>
+        </p:nvPicPr>
+        <p:blipFill>
+          <a:blip r:embed="rId3"/>
+          <a:stretch/>
+        </p:blipFill>
+        <p:spPr>
+          <a:xfrm>
+            <a:off x="2292480" y="1768680"/>
+            <a:ext cx="5494680" cy="4384080"/>
+          </a:xfrm>
+          <a:prstGeom prst="rect">
+            <a:avLst/>
+          </a:prstGeom>
+          <a:ln>
+            <a:noFill/>
+          </a:ln>
+        </p:spPr>
+      </p:pic>
     </p:spTree>
   </p:cSld>
 </p:sldLayout>
@@ -668,7 +2144,7 @@
       </p:grpSpPr>
       <p:sp>
         <p:nvSpPr>
-          <p:cNvPr id="7" name="PlaceHolder 1"/>
+          <p:cNvPr id="4" name="PlaceHolder 1"/>
           <p:cNvSpPr>
             <a:spLocks noGrp="1"/>
           </p:cNvSpPr>
@@ -679,7 +2155,7 @@
         <p:spPr>
           <a:xfrm>
             <a:off x="504000" y="301320"/>
-            <a:ext cx="9071640" cy="1262160"/>
+            <a:ext cx="9072000" cy="1261800"/>
           </a:xfrm>
           <a:prstGeom prst="rect">
             <a:avLst/>
@@ -705,7 +2181,7 @@
       </p:sp>
       <p:sp>
         <p:nvSpPr>
-          <p:cNvPr id="8" name="PlaceHolder 2"/>
+          <p:cNvPr id="5" name="PlaceHolder 2"/>
           <p:cNvSpPr>
             <a:spLocks noGrp="1"/>
           </p:cNvSpPr>
@@ -715,8 +2191,8 @@
         </p:nvSpPr>
         <p:spPr>
           <a:xfrm>
-            <a:off x="504000" y="1769040"/>
-            <a:ext cx="9071640" cy="4384440"/>
+            <a:off x="504000" y="1768680"/>
+            <a:ext cx="9072000" cy="4384080"/>
           </a:xfrm>
           <a:prstGeom prst="rect">
             <a:avLst/>
@@ -763,7 +2239,7 @@
       </p:grpSpPr>
       <p:sp>
         <p:nvSpPr>
-          <p:cNvPr id="9" name="PlaceHolder 1"/>
+          <p:cNvPr id="6" name="PlaceHolder 1"/>
           <p:cNvSpPr>
             <a:spLocks noGrp="1"/>
           </p:cNvSpPr>
@@ -774,7 +2250,7 @@
         <p:spPr>
           <a:xfrm>
             <a:off x="504000" y="301320"/>
-            <a:ext cx="9071640" cy="1262160"/>
+            <a:ext cx="9072000" cy="1261800"/>
           </a:xfrm>
           <a:prstGeom prst="rect">
             <a:avLst/>
@@ -800,7 +2276,7 @@
       </p:sp>
       <p:sp>
         <p:nvSpPr>
-          <p:cNvPr id="10" name="PlaceHolder 2"/>
+          <p:cNvPr id="7" name="PlaceHolder 2"/>
           <p:cNvSpPr>
             <a:spLocks noGrp="1"/>
           </p:cNvSpPr>
@@ -810,8 +2286,8 @@
         </p:nvSpPr>
         <p:spPr>
           <a:xfrm>
-            <a:off x="504000" y="1769040"/>
-            <a:ext cx="4426920" cy="4384440"/>
+            <a:off x="504000" y="1768680"/>
+            <a:ext cx="4426920" cy="4384080"/>
           </a:xfrm>
           <a:prstGeom prst="rect">
             <a:avLst/>
@@ -836,7 +2312,7 @@
       </p:sp>
       <p:sp>
         <p:nvSpPr>
-          <p:cNvPr id="11" name="PlaceHolder 3"/>
+          <p:cNvPr id="8" name="PlaceHolder 3"/>
           <p:cNvSpPr>
             <a:spLocks noGrp="1"/>
           </p:cNvSpPr>
@@ -846,8 +2322,8 @@
         </p:nvSpPr>
         <p:spPr>
           <a:xfrm>
-            <a:off x="5152680" y="1769040"/>
-            <a:ext cx="4426920" cy="4384440"/>
+            <a:off x="5152680" y="1768680"/>
+            <a:ext cx="4426920" cy="4384080"/>
           </a:xfrm>
           <a:prstGeom prst="rect">
             <a:avLst/>
@@ -894,7 +2370,7 @@
       </p:grpSpPr>
       <p:sp>
         <p:nvSpPr>
-          <p:cNvPr id="12" name="PlaceHolder 1"/>
+          <p:cNvPr id="9" name="PlaceHolder 1"/>
           <p:cNvSpPr>
             <a:spLocks noGrp="1"/>
           </p:cNvSpPr>
@@ -905,7 +2381,7 @@
         <p:spPr>
           <a:xfrm>
             <a:off x="504000" y="301320"/>
-            <a:ext cx="9071640" cy="1262160"/>
+            <a:ext cx="9072000" cy="1261800"/>
           </a:xfrm>
           <a:prstGeom prst="rect">
             <a:avLst/>
@@ -953,7 +2429,7 @@
       </p:grpSpPr>
       <p:sp>
         <p:nvSpPr>
-          <p:cNvPr id="13" name="PlaceHolder 1"/>
+          <p:cNvPr id="10" name="PlaceHolder 1"/>
           <p:cNvSpPr>
             <a:spLocks noGrp="1"/>
           </p:cNvSpPr>
@@ -964,7 +2440,7 @@
         <p:spPr>
           <a:xfrm>
             <a:off x="504000" y="301320"/>
-            <a:ext cx="9071640" cy="5851800"/>
+            <a:ext cx="9072000" cy="5850360"/>
           </a:xfrm>
           <a:prstGeom prst="rect">
             <a:avLst/>
@@ -1012,7 +2488,7 @@
       </p:grpSpPr>
       <p:sp>
         <p:nvSpPr>
-          <p:cNvPr id="14" name="PlaceHolder 1"/>
+          <p:cNvPr id="11" name="PlaceHolder 1"/>
           <p:cNvSpPr>
             <a:spLocks noGrp="1"/>
           </p:cNvSpPr>
@@ -1023,7 +2499,7 @@
         <p:spPr>
           <a:xfrm>
             <a:off x="504000" y="301320"/>
-            <a:ext cx="9071640" cy="1262160"/>
+            <a:ext cx="9072000" cy="1261800"/>
           </a:xfrm>
           <a:prstGeom prst="rect">
             <a:avLst/>
@@ -1049,7 +2525,7 @@
       </p:sp>
       <p:sp>
         <p:nvSpPr>
-          <p:cNvPr id="15" name="PlaceHolder 2"/>
+          <p:cNvPr id="12" name="PlaceHolder 2"/>
           <p:cNvSpPr>
             <a:spLocks noGrp="1"/>
           </p:cNvSpPr>
@@ -1059,8 +2535,8 @@
         </p:nvSpPr>
         <p:spPr>
           <a:xfrm>
-            <a:off x="504000" y="1769040"/>
-            <a:ext cx="4426920" cy="2091240"/>
+            <a:off x="504000" y="1768680"/>
+            <a:ext cx="4426920" cy="2090880"/>
           </a:xfrm>
           <a:prstGeom prst="rect">
             <a:avLst/>
@@ -1085,7 +2561,7 @@
       </p:sp>
       <p:sp>
         <p:nvSpPr>
-          <p:cNvPr id="16" name="PlaceHolder 3"/>
+          <p:cNvPr id="13" name="PlaceHolder 3"/>
           <p:cNvSpPr>
             <a:spLocks noGrp="1"/>
           </p:cNvSpPr>
@@ -1095,8 +2571,8 @@
         </p:nvSpPr>
         <p:spPr>
           <a:xfrm>
-            <a:off x="504000" y="4059360"/>
-            <a:ext cx="4426920" cy="2091240"/>
+            <a:off x="504000" y="4058640"/>
+            <a:ext cx="4426920" cy="2090880"/>
           </a:xfrm>
           <a:prstGeom prst="rect">
             <a:avLst/>
@@ -1121,7 +2597,7 @@
       </p:sp>
       <p:sp>
         <p:nvSpPr>
-          <p:cNvPr id="17" name="PlaceHolder 4"/>
+          <p:cNvPr id="14" name="PlaceHolder 4"/>
           <p:cNvSpPr>
             <a:spLocks noGrp="1"/>
           </p:cNvSpPr>
@@ -1131,8 +2607,8 @@
         </p:nvSpPr>
         <p:spPr>
           <a:xfrm>
-            <a:off x="5152680" y="1769040"/>
-            <a:ext cx="4426920" cy="4384440"/>
+            <a:off x="5152680" y="1768680"/>
+            <a:ext cx="4426920" cy="4384080"/>
           </a:xfrm>
           <a:prstGeom prst="rect">
             <a:avLst/>
@@ -1179,7 +2655,7 @@
       </p:grpSpPr>
       <p:sp>
         <p:nvSpPr>
-          <p:cNvPr id="18" name="PlaceHolder 1"/>
+          <p:cNvPr id="15" name="PlaceHolder 1"/>
           <p:cNvSpPr>
             <a:spLocks noGrp="1"/>
           </p:cNvSpPr>
@@ -1190,7 +2666,7 @@
         <p:spPr>
           <a:xfrm>
             <a:off x="504000" y="301320"/>
-            <a:ext cx="9071640" cy="1262160"/>
+            <a:ext cx="9072000" cy="1261800"/>
           </a:xfrm>
           <a:prstGeom prst="rect">
             <a:avLst/>
@@ -1216,7 +2692,7 @@
       </p:sp>
       <p:sp>
         <p:nvSpPr>
-          <p:cNvPr id="19" name="PlaceHolder 2"/>
+          <p:cNvPr id="16" name="PlaceHolder 2"/>
           <p:cNvSpPr>
             <a:spLocks noGrp="1"/>
           </p:cNvSpPr>
@@ -1226,8 +2702,8 @@
         </p:nvSpPr>
         <p:spPr>
           <a:xfrm>
-            <a:off x="504000" y="1769040"/>
-            <a:ext cx="4426920" cy="4384440"/>
+            <a:off x="504000" y="1768680"/>
+            <a:ext cx="4426920" cy="4384080"/>
           </a:xfrm>
           <a:prstGeom prst="rect">
             <a:avLst/>
@@ -1252,7 +2728,7 @@
       </p:sp>
       <p:sp>
         <p:nvSpPr>
-          <p:cNvPr id="20" name="PlaceHolder 3"/>
+          <p:cNvPr id="17" name="PlaceHolder 3"/>
           <p:cNvSpPr>
             <a:spLocks noGrp="1"/>
           </p:cNvSpPr>
@@ -1262,8 +2738,8 @@
         </p:nvSpPr>
         <p:spPr>
           <a:xfrm>
-            <a:off x="5152680" y="1769040"/>
-            <a:ext cx="4426920" cy="2091240"/>
+            <a:off x="5152680" y="1768680"/>
+            <a:ext cx="4426920" cy="2090880"/>
           </a:xfrm>
           <a:prstGeom prst="rect">
             <a:avLst/>
@@ -1288,7 +2764,7 @@
       </p:sp>
       <p:sp>
         <p:nvSpPr>
-          <p:cNvPr id="21" name="PlaceHolder 4"/>
+          <p:cNvPr id="18" name="PlaceHolder 4"/>
           <p:cNvSpPr>
             <a:spLocks noGrp="1"/>
           </p:cNvSpPr>
@@ -1298,8 +2774,8 @@
         </p:nvSpPr>
         <p:spPr>
           <a:xfrm>
-            <a:off x="5152680" y="4059360"/>
-            <a:ext cx="4426920" cy="2091240"/>
+            <a:off x="5152680" y="4058640"/>
+            <a:ext cx="4426920" cy="2090880"/>
           </a:xfrm>
           <a:prstGeom prst="rect">
             <a:avLst/>
@@ -1346,7 +2822,7 @@
       </p:grpSpPr>
       <p:sp>
         <p:nvSpPr>
-          <p:cNvPr id="22" name="PlaceHolder 1"/>
+          <p:cNvPr id="19" name="PlaceHolder 1"/>
           <p:cNvSpPr>
             <a:spLocks noGrp="1"/>
           </p:cNvSpPr>
@@ -1357,7 +2833,7 @@
         <p:spPr>
           <a:xfrm>
             <a:off x="504000" y="301320"/>
-            <a:ext cx="9071640" cy="1262160"/>
+            <a:ext cx="9072000" cy="1261800"/>
           </a:xfrm>
           <a:prstGeom prst="rect">
             <a:avLst/>
@@ -1383,7 +2859,7 @@
       </p:sp>
       <p:sp>
         <p:nvSpPr>
-          <p:cNvPr id="23" name="PlaceHolder 2"/>
+          <p:cNvPr id="20" name="PlaceHolder 2"/>
           <p:cNvSpPr>
             <a:spLocks noGrp="1"/>
           </p:cNvSpPr>
@@ -1393,8 +2869,8 @@
         </p:nvSpPr>
         <p:spPr>
           <a:xfrm>
-            <a:off x="504000" y="1769040"/>
-            <a:ext cx="4426920" cy="2091240"/>
+            <a:off x="504000" y="1768680"/>
+            <a:ext cx="4426920" cy="2090880"/>
           </a:xfrm>
           <a:prstGeom prst="rect">
             <a:avLst/>
@@ -1419,7 +2895,7 @@
       </p:sp>
       <p:sp>
         <p:nvSpPr>
-          <p:cNvPr id="24" name="PlaceHolder 3"/>
+          <p:cNvPr id="21" name="PlaceHolder 3"/>
           <p:cNvSpPr>
             <a:spLocks noGrp="1"/>
           </p:cNvSpPr>
@@ -1429,8 +2905,8 @@
         </p:nvSpPr>
         <p:spPr>
           <a:xfrm>
-            <a:off x="5152680" y="1769040"/>
-            <a:ext cx="4426920" cy="2091240"/>
+            <a:off x="5152680" y="1768680"/>
+            <a:ext cx="4426920" cy="2090880"/>
           </a:xfrm>
           <a:prstGeom prst="rect">
             <a:avLst/>
@@ -1455,7 +2931,7 @@
       </p:sp>
       <p:sp>
         <p:nvSpPr>
-          <p:cNvPr id="25" name="PlaceHolder 4"/>
+          <p:cNvPr id="22" name="PlaceHolder 4"/>
           <p:cNvSpPr>
             <a:spLocks noGrp="1"/>
           </p:cNvSpPr>
@@ -1465,8 +2941,8 @@
         </p:nvSpPr>
         <p:spPr>
           <a:xfrm>
-            <a:off x="504000" y="4059360"/>
-            <a:ext cx="9071640" cy="2091240"/>
+            <a:off x="504000" y="4058640"/>
+            <a:ext cx="9072000" cy="2090880"/>
           </a:xfrm>
           <a:prstGeom prst="rect">
             <a:avLst/>
@@ -1524,7 +3000,7 @@
         <p:spPr>
           <a:xfrm>
             <a:off x="504000" y="301320"/>
-            <a:ext cx="9071640" cy="1262160"/>
+            <a:ext cx="9072000" cy="1261800"/>
           </a:xfrm>
           <a:prstGeom prst="rect">
             <a:avLst/>
@@ -1546,7 +3022,35 @@
                 </a:uFill>
                 <a:latin typeface="Arial"/>
               </a:rPr>
-              <a:t>Format des Titeltextes durch Klicken bearbeiten</a:t>
+              <a:t>Format des </a:t>
+            </a:r>
+            <a:r>
+              <a:rPr b="0" lang="de-DE" sz="4400" spc="-1" strike="noStrike">
+                <a:solidFill>
+                  <a:srgbClr val="000000"/>
+                </a:solidFill>
+                <a:uFill>
+                  <a:solidFill>
+                    <a:srgbClr val="ffffff"/>
+                  </a:solidFill>
+                </a:uFill>
+                <a:latin typeface="Arial"/>
+              </a:rPr>
+              <a:t>Titeltextes durch </a:t>
+            </a:r>
+            <a:r>
+              <a:rPr b="0" lang="de-DE" sz="4400" spc="-1" strike="noStrike">
+                <a:solidFill>
+                  <a:srgbClr val="000000"/>
+                </a:solidFill>
+                <a:uFill>
+                  <a:solidFill>
+                    <a:srgbClr val="ffffff"/>
+                  </a:solidFill>
+                </a:uFill>
+                <a:latin typeface="Arial"/>
+              </a:rPr>
+              <a:t>Klicken bearbeiten</a:t>
             </a:r>
             <a:endParaRPr b="0" lang="de-DE" sz="4400" spc="-1" strike="noStrike">
               <a:solidFill>
@@ -1574,8 +3078,8 @@
         </p:nvSpPr>
         <p:spPr>
           <a:xfrm>
-            <a:off x="504000" y="1769040"/>
-            <a:ext cx="9071640" cy="4384440"/>
+            <a:off x="504000" y="1768680"/>
+            <a:ext cx="9072000" cy="4384080"/>
           </a:xfrm>
           <a:prstGeom prst="rect">
             <a:avLst/>
@@ -1604,21 +3108,7 @@
                 </a:uFill>
                 <a:latin typeface="Arial"/>
               </a:rPr>
-              <a:t>Format des Gliederungstextes durch Klicken </a:t>
-            </a:r>
-            <a:r>
-              <a:rPr b="0" lang="de-DE" sz="3200" spc="-1" strike="noStrike">
-                <a:solidFill>
-                  <a:srgbClr val="000000"/>
-                </a:solidFill>
-                <a:uFill>
-                  <a:solidFill>
-                    <a:srgbClr val="ffffff"/>
-                  </a:solidFill>
-                </a:uFill>
-                <a:latin typeface="Arial"/>
-              </a:rPr>
-              <a:t>bearbeiten</a:t>
+              <a:t>Format des Gliederungstextes durch Klicken bearbeiten</a:t>
             </a:r>
             <a:endParaRPr b="0" lang="de-DE" sz="3200" spc="-1" strike="noStrike">
               <a:solidFill>
@@ -1840,158 +3330,6 @@
                 </a:solidFill>
               </a:uFill>
               <a:latin typeface="Arial"/>
-            </a:endParaRPr>
-          </a:p>
-        </p:txBody>
-      </p:sp>
-      <p:sp>
-        <p:nvSpPr>
-          <p:cNvPr id="2" name="PlaceHolder 3"/>
-          <p:cNvSpPr>
-            <a:spLocks noGrp="1"/>
-          </p:cNvSpPr>
-          <p:nvPr>
-            <p:ph type="dt"/>
-          </p:nvPr>
-        </p:nvSpPr>
-        <p:spPr>
-          <a:xfrm>
-            <a:off x="504000" y="6887160"/>
-            <a:ext cx="2348280" cy="521280"/>
-          </a:xfrm>
-          <a:prstGeom prst="rect">
-            <a:avLst/>
-          </a:prstGeom>
-        </p:spPr>
-        <p:txBody>
-          <a:bodyPr lIns="0" rIns="0" tIns="0" bIns="0"/>
-          <a:p>
-            <a:r>
-              <a:rPr b="0" lang="de-DE" sz="1400" spc="-1" strike="noStrike">
-                <a:solidFill>
-                  <a:srgbClr val="000000"/>
-                </a:solidFill>
-                <a:uFill>
-                  <a:solidFill>
-                    <a:srgbClr val="ffffff"/>
-                  </a:solidFill>
-                </a:uFill>
-                <a:latin typeface="Times New Roman"/>
-              </a:rPr>
-              <a:t>&lt;Datum/Uhrzeit&gt;</a:t>
-            </a:r>
-            <a:endParaRPr b="0" lang="de-DE" sz="1400" spc="-1" strike="noStrike">
-              <a:solidFill>
-                <a:srgbClr val="000000"/>
-              </a:solidFill>
-              <a:uFill>
-                <a:solidFill>
-                  <a:srgbClr val="ffffff"/>
-                </a:solidFill>
-              </a:uFill>
-              <a:latin typeface="Times New Roman"/>
-            </a:endParaRPr>
-          </a:p>
-        </p:txBody>
-      </p:sp>
-      <p:sp>
-        <p:nvSpPr>
-          <p:cNvPr id="3" name="PlaceHolder 4"/>
-          <p:cNvSpPr>
-            <a:spLocks noGrp="1"/>
-          </p:cNvSpPr>
-          <p:nvPr>
-            <p:ph type="ftr"/>
-          </p:nvPr>
-        </p:nvSpPr>
-        <p:spPr>
-          <a:xfrm>
-            <a:off x="3447360" y="6887160"/>
-            <a:ext cx="3195000" cy="521280"/>
-          </a:xfrm>
-          <a:prstGeom prst="rect">
-            <a:avLst/>
-          </a:prstGeom>
-        </p:spPr>
-        <p:txBody>
-          <a:bodyPr lIns="0" rIns="0" tIns="0" bIns="0"/>
-          <a:p>
-            <a:pPr algn="ctr"/>
-            <a:r>
-              <a:rPr b="0" lang="de-DE" sz="1400" spc="-1" strike="noStrike">
-                <a:solidFill>
-                  <a:srgbClr val="000000"/>
-                </a:solidFill>
-                <a:uFill>
-                  <a:solidFill>
-                    <a:srgbClr val="ffffff"/>
-                  </a:solidFill>
-                </a:uFill>
-                <a:latin typeface="Times New Roman"/>
-              </a:rPr>
-              <a:t>&lt;Fußzeile&gt;</a:t>
-            </a:r>
-            <a:endParaRPr b="0" lang="de-DE" sz="1400" spc="-1" strike="noStrike">
-              <a:solidFill>
-                <a:srgbClr val="000000"/>
-              </a:solidFill>
-              <a:uFill>
-                <a:solidFill>
-                  <a:srgbClr val="ffffff"/>
-                </a:solidFill>
-              </a:uFill>
-              <a:latin typeface="Times New Roman"/>
-            </a:endParaRPr>
-          </a:p>
-        </p:txBody>
-      </p:sp>
-      <p:sp>
-        <p:nvSpPr>
-          <p:cNvPr id="4" name="PlaceHolder 5"/>
-          <p:cNvSpPr>
-            <a:spLocks noGrp="1"/>
-          </p:cNvSpPr>
-          <p:nvPr>
-            <p:ph type="sldNum"/>
-          </p:nvPr>
-        </p:nvSpPr>
-        <p:spPr>
-          <a:xfrm>
-            <a:off x="7227360" y="6887160"/>
-            <a:ext cx="2348280" cy="521280"/>
-          </a:xfrm>
-          <a:prstGeom prst="rect">
-            <a:avLst/>
-          </a:prstGeom>
-        </p:spPr>
-        <p:txBody>
-          <a:bodyPr lIns="0" rIns="0" tIns="0" bIns="0"/>
-          <a:p>
-            <a:pPr algn="r"/>
-            <a:fld id="{A8EB2660-E697-45E3-BF44-13DE2348A7FA}" type="slidenum">
-              <a:rPr b="0" lang="de-DE" sz="1400" spc="-1" strike="noStrike">
-                <a:solidFill>
-                  <a:srgbClr val="000000"/>
-                </a:solidFill>
-                <a:uFill>
-                  <a:solidFill>
-                    <a:srgbClr val="ffffff"/>
-                  </a:solidFill>
-                </a:uFill>
-                <a:latin typeface="Times New Roman"/>
-              </a:rPr>
-              <a:t>&lt;Foliennummer&gt;</a:t>
-            </a:fld>
-            <a:endParaRPr b="0" lang="de-DE" sz="1400" spc="-1" strike="noStrike">
-              <a:solidFill>
-                <a:srgbClr val="000000"/>
-              </a:solidFill>
-              <a:uFill>
-                <a:solidFill>
-                  <a:srgbClr val="ffffff"/>
-                </a:solidFill>
-              </a:uFill>
-              <a:latin typeface="Times New Roman"/>
             </a:endParaRPr>
           </a:p>
         </p:txBody>
@@ -2012,6 +3350,362 @@
     <p:sldLayoutId id="2147483658" r:id="rId11"/>
     <p:sldLayoutId id="2147483659" r:id="rId12"/>
     <p:sldLayoutId id="2147483660" r:id="rId13"/>
+  </p:sldLayoutIdLst>
+</p:sldMaster>
+</file>
+
+<file path=ppt/slideMasters/slideMaster2.xml><?xml version="1.0" encoding="utf-8"?>
+<p:sldMaster xmlns:a="http://schemas.openxmlformats.org/drawingml/2006/main" xmlns:p="http://schemas.openxmlformats.org/presentationml/2006/main" xmlns:r="http://schemas.openxmlformats.org/officeDocument/2006/relationships" xmlns:p14="http://schemas.microsoft.com/office/powerpoint/2010/main" xmlns:p15="http://schemas.microsoft.com/office/powerpoint/2012/main" xmlns:mc="http://schemas.openxmlformats.org/markup-compatibility/2006">
+  <p:cSld>
+    <p:spTree>
+      <p:nvGrpSpPr>
+        <p:cNvPr id="1" name=""/>
+        <p:cNvGrpSpPr/>
+        <p:nvPr/>
+      </p:nvGrpSpPr>
+      <p:grpSpPr>
+        <a:xfrm>
+          <a:off x="0" y="0"/>
+          <a:ext cx="0" cy="0"/>
+          <a:chOff x="0" y="0"/>
+          <a:chExt cx="0" cy="0"/>
+        </a:xfrm>
+      </p:grpSpPr>
+      <p:sp>
+        <p:nvSpPr>
+          <p:cNvPr id="36" name="PlaceHolder 1"/>
+          <p:cNvSpPr>
+            <a:spLocks noGrp="1"/>
+          </p:cNvSpPr>
+          <p:nvPr>
+            <p:ph type="title"/>
+          </p:nvPr>
+        </p:nvSpPr>
+        <p:spPr>
+          <a:xfrm>
+            <a:off x="504000" y="301320"/>
+            <a:ext cx="9072000" cy="1261800"/>
+          </a:xfrm>
+          <a:prstGeom prst="rect">
+            <a:avLst/>
+          </a:prstGeom>
+        </p:spPr>
+        <p:txBody>
+          <a:bodyPr lIns="0" rIns="0" tIns="0" bIns="0" anchor="ctr"/>
+          <a:p>
+            <a:pPr algn="ctr"/>
+            <a:r>
+              <a:rPr b="0" lang="de-DE" sz="4400" spc="-1" strike="noStrike">
+                <a:solidFill>
+                  <a:srgbClr val="000000"/>
+                </a:solidFill>
+                <a:uFill>
+                  <a:solidFill>
+                    <a:srgbClr val="ffffff"/>
+                  </a:solidFill>
+                </a:uFill>
+                <a:latin typeface="Arial"/>
+              </a:rPr>
+              <a:t>Format des Titeltextes durch Klicken bearbeiten</a:t>
+            </a:r>
+            <a:endParaRPr b="0" lang="de-DE" sz="4400" spc="-1" strike="noStrike">
+              <a:solidFill>
+                <a:srgbClr val="000000"/>
+              </a:solidFill>
+              <a:uFill>
+                <a:solidFill>
+                  <a:srgbClr val="ffffff"/>
+                </a:solidFill>
+              </a:uFill>
+              <a:latin typeface="Arial"/>
+            </a:endParaRPr>
+          </a:p>
+        </p:txBody>
+      </p:sp>
+      <p:sp>
+        <p:nvSpPr>
+          <p:cNvPr id="37" name="PlaceHolder 2"/>
+          <p:cNvSpPr>
+            <a:spLocks noGrp="1"/>
+          </p:cNvSpPr>
+          <p:nvPr>
+            <p:ph type="body"/>
+          </p:nvPr>
+        </p:nvSpPr>
+        <p:spPr>
+          <a:xfrm>
+            <a:off x="504000" y="1768680"/>
+            <a:ext cx="9072000" cy="4384080"/>
+          </a:xfrm>
+          <a:prstGeom prst="rect">
+            <a:avLst/>
+          </a:prstGeom>
+        </p:spPr>
+        <p:txBody>
+          <a:bodyPr lIns="0" rIns="0" tIns="0" bIns="0"/>
+          <a:p>
+            <a:pPr marL="432000" indent="-324000">
+              <a:buClr>
+                <a:srgbClr val="000000"/>
+              </a:buClr>
+              <a:buSzPct val="45000"/>
+              <a:buFont typeface="Wingdings" charset="2"/>
+              <a:buChar char=""/>
+            </a:pPr>
+            <a:r>
+              <a:rPr b="0" lang="de-DE" sz="3200" spc="-1" strike="noStrike">
+                <a:solidFill>
+                  <a:srgbClr val="000000"/>
+                </a:solidFill>
+                <a:uFill>
+                  <a:solidFill>
+                    <a:srgbClr val="ffffff"/>
+                  </a:solidFill>
+                </a:uFill>
+                <a:latin typeface="Arial"/>
+              </a:rPr>
+              <a:t>Format des Gliederungstextes durch Klicken bearbeiten</a:t>
+            </a:r>
+            <a:endParaRPr b="0" lang="de-DE" sz="3200" spc="-1" strike="noStrike">
+              <a:solidFill>
+                <a:srgbClr val="000000"/>
+              </a:solidFill>
+              <a:uFill>
+                <a:solidFill>
+                  <a:srgbClr val="ffffff"/>
+                </a:solidFill>
+              </a:uFill>
+              <a:latin typeface="Arial"/>
+            </a:endParaRPr>
+          </a:p>
+          <a:p>
+            <a:pPr lvl="1" marL="864000" indent="-324000">
+              <a:buClr>
+                <a:srgbClr val="000000"/>
+              </a:buClr>
+              <a:buSzPct val="75000"/>
+              <a:buFont typeface="Symbol" charset="2"/>
+              <a:buChar char=""/>
+            </a:pPr>
+            <a:r>
+              <a:rPr b="0" lang="de-DE" sz="2800" spc="-1" strike="noStrike">
+                <a:solidFill>
+                  <a:srgbClr val="000000"/>
+                </a:solidFill>
+                <a:uFill>
+                  <a:solidFill>
+                    <a:srgbClr val="ffffff"/>
+                  </a:solidFill>
+                </a:uFill>
+                <a:latin typeface="Arial"/>
+              </a:rPr>
+              <a:t>Zweite Gliederungsebene</a:t>
+            </a:r>
+            <a:endParaRPr b="0" lang="de-DE" sz="2800" spc="-1" strike="noStrike">
+              <a:solidFill>
+                <a:srgbClr val="000000"/>
+              </a:solidFill>
+              <a:uFill>
+                <a:solidFill>
+                  <a:srgbClr val="ffffff"/>
+                </a:solidFill>
+              </a:uFill>
+              <a:latin typeface="Arial"/>
+            </a:endParaRPr>
+          </a:p>
+          <a:p>
+            <a:pPr lvl="2" marL="1296000" indent="-288000">
+              <a:buClr>
+                <a:srgbClr val="000000"/>
+              </a:buClr>
+              <a:buSzPct val="45000"/>
+              <a:buFont typeface="Wingdings" charset="2"/>
+              <a:buChar char=""/>
+            </a:pPr>
+            <a:r>
+              <a:rPr b="0" lang="de-DE" sz="2400" spc="-1" strike="noStrike">
+                <a:solidFill>
+                  <a:srgbClr val="000000"/>
+                </a:solidFill>
+                <a:uFill>
+                  <a:solidFill>
+                    <a:srgbClr val="ffffff"/>
+                  </a:solidFill>
+                </a:uFill>
+                <a:latin typeface="Arial"/>
+              </a:rPr>
+              <a:t>Dritte Gliederungsebene</a:t>
+            </a:r>
+            <a:endParaRPr b="0" lang="de-DE" sz="2400" spc="-1" strike="noStrike">
+              <a:solidFill>
+                <a:srgbClr val="000000"/>
+              </a:solidFill>
+              <a:uFill>
+                <a:solidFill>
+                  <a:srgbClr val="ffffff"/>
+                </a:solidFill>
+              </a:uFill>
+              <a:latin typeface="Arial"/>
+            </a:endParaRPr>
+          </a:p>
+          <a:p>
+            <a:pPr lvl="3" marL="1728000" indent="-216000">
+              <a:buClr>
+                <a:srgbClr val="000000"/>
+              </a:buClr>
+              <a:buSzPct val="75000"/>
+              <a:buFont typeface="Symbol" charset="2"/>
+              <a:buChar char=""/>
+            </a:pPr>
+            <a:r>
+              <a:rPr b="0" lang="de-DE" sz="2000" spc="-1" strike="noStrike">
+                <a:solidFill>
+                  <a:srgbClr val="000000"/>
+                </a:solidFill>
+                <a:uFill>
+                  <a:solidFill>
+                    <a:srgbClr val="ffffff"/>
+                  </a:solidFill>
+                </a:uFill>
+                <a:latin typeface="Arial"/>
+              </a:rPr>
+              <a:t>Vierte Gliederungsebene</a:t>
+            </a:r>
+            <a:endParaRPr b="0" lang="de-DE" sz="2000" spc="-1" strike="noStrike">
+              <a:solidFill>
+                <a:srgbClr val="000000"/>
+              </a:solidFill>
+              <a:uFill>
+                <a:solidFill>
+                  <a:srgbClr val="ffffff"/>
+                </a:solidFill>
+              </a:uFill>
+              <a:latin typeface="Arial"/>
+            </a:endParaRPr>
+          </a:p>
+          <a:p>
+            <a:pPr lvl="4" marL="2160000" indent="-216000">
+              <a:buClr>
+                <a:srgbClr val="000000"/>
+              </a:buClr>
+              <a:buSzPct val="45000"/>
+              <a:buFont typeface="Wingdings" charset="2"/>
+              <a:buChar char=""/>
+            </a:pPr>
+            <a:r>
+              <a:rPr b="0" lang="de-DE" sz="2000" spc="-1" strike="noStrike">
+                <a:solidFill>
+                  <a:srgbClr val="000000"/>
+                </a:solidFill>
+                <a:uFill>
+                  <a:solidFill>
+                    <a:srgbClr val="ffffff"/>
+                  </a:solidFill>
+                </a:uFill>
+                <a:latin typeface="Arial"/>
+              </a:rPr>
+              <a:t>Fünfte Gliederungsebene</a:t>
+            </a:r>
+            <a:endParaRPr b="0" lang="de-DE" sz="2000" spc="-1" strike="noStrike">
+              <a:solidFill>
+                <a:srgbClr val="000000"/>
+              </a:solidFill>
+              <a:uFill>
+                <a:solidFill>
+                  <a:srgbClr val="ffffff"/>
+                </a:solidFill>
+              </a:uFill>
+              <a:latin typeface="Arial"/>
+            </a:endParaRPr>
+          </a:p>
+          <a:p>
+            <a:pPr lvl="5" marL="2592000" indent="-216000">
+              <a:buClr>
+                <a:srgbClr val="000000"/>
+              </a:buClr>
+              <a:buSzPct val="45000"/>
+              <a:buFont typeface="Wingdings" charset="2"/>
+              <a:buChar char=""/>
+            </a:pPr>
+            <a:r>
+              <a:rPr b="0" lang="de-DE" sz="2000" spc="-1" strike="noStrike">
+                <a:solidFill>
+                  <a:srgbClr val="000000"/>
+                </a:solidFill>
+                <a:uFill>
+                  <a:solidFill>
+                    <a:srgbClr val="ffffff"/>
+                  </a:solidFill>
+                </a:uFill>
+                <a:latin typeface="Arial"/>
+              </a:rPr>
+              <a:t>Sechste Gliederungsebene</a:t>
+            </a:r>
+            <a:endParaRPr b="0" lang="de-DE" sz="2000" spc="-1" strike="noStrike">
+              <a:solidFill>
+                <a:srgbClr val="000000"/>
+              </a:solidFill>
+              <a:uFill>
+                <a:solidFill>
+                  <a:srgbClr val="ffffff"/>
+                </a:solidFill>
+              </a:uFill>
+              <a:latin typeface="Arial"/>
+            </a:endParaRPr>
+          </a:p>
+          <a:p>
+            <a:pPr lvl="6" marL="3024000" indent="-216000">
+              <a:buClr>
+                <a:srgbClr val="000000"/>
+              </a:buClr>
+              <a:buSzPct val="45000"/>
+              <a:buFont typeface="Wingdings" charset="2"/>
+              <a:buChar char=""/>
+            </a:pPr>
+            <a:r>
+              <a:rPr b="0" lang="de-DE" sz="2000" spc="-1" strike="noStrike">
+                <a:solidFill>
+                  <a:srgbClr val="000000"/>
+                </a:solidFill>
+                <a:uFill>
+                  <a:solidFill>
+                    <a:srgbClr val="ffffff"/>
+                  </a:solidFill>
+                </a:uFill>
+                <a:latin typeface="Arial"/>
+              </a:rPr>
+              <a:t>Siebte Gliederungsebene</a:t>
+            </a:r>
+            <a:endParaRPr b="0" lang="de-DE" sz="2000" spc="-1" strike="noStrike">
+              <a:solidFill>
+                <a:srgbClr val="000000"/>
+              </a:solidFill>
+              <a:uFill>
+                <a:solidFill>
+                  <a:srgbClr val="ffffff"/>
+                </a:solidFill>
+              </a:uFill>
+              <a:latin typeface="Arial"/>
+            </a:endParaRPr>
+          </a:p>
+        </p:txBody>
+      </p:sp>
+    </p:spTree>
+  </p:cSld>
+  <p:clrMap bg1="lt1" bg2="lt2" tx1="dk1" tx2="dk2" accent1="accent1" accent2="accent2" accent3="accent3" accent4="accent4" accent5="accent5" accent6="accent6" hlink="hlink" folHlink="folHlink"/>
+  <p:sldLayoutIdLst>
+    <p:sldLayoutId id="2147483662" r:id="rId2"/>
+    <p:sldLayoutId id="2147483663" r:id="rId3"/>
+    <p:sldLayoutId id="2147483664" r:id="rId4"/>
+    <p:sldLayoutId id="2147483665" r:id="rId5"/>
+    <p:sldLayoutId id="2147483666" r:id="rId6"/>
+    <p:sldLayoutId id="2147483667" r:id="rId7"/>
+    <p:sldLayoutId id="2147483668" r:id="rId8"/>
+    <p:sldLayoutId id="2147483669" r:id="rId9"/>
+    <p:sldLayoutId id="2147483670" r:id="rId10"/>
+    <p:sldLayoutId id="2147483671" r:id="rId11"/>
+    <p:sldLayoutId id="2147483672" r:id="rId12"/>
+    <p:sldLayoutId id="2147483673" r:id="rId13"/>
   </p:sldLayoutIdLst>
 </p:sldMaster>
 </file>
@@ -2035,14 +3729,14 @@
       </p:grpSpPr>
       <p:sp>
         <p:nvSpPr>
-          <p:cNvPr id="39" name="TextShape 1"/>
-          <p:cNvSpPr txBox="1"/>
+          <p:cNvPr id="72" name="CustomShape 1"/>
+          <p:cNvSpPr/>
           <p:nvPr/>
         </p:nvSpPr>
         <p:spPr>
           <a:xfrm>
             <a:off x="504000" y="301320"/>
-            <a:ext cx="9071640" cy="1262160"/>
+            <a:ext cx="9070200" cy="1260720"/>
           </a:xfrm>
           <a:prstGeom prst="rect">
             <a:avLst/>
@@ -2052,10 +3746,20 @@
             <a:noFill/>
           </a:ln>
         </p:spPr>
+        <p:style>
+          <a:lnRef idx="0"/>
+          <a:fillRef idx="0"/>
+          <a:effectRef idx="0"/>
+          <a:fontRef idx="minor"/>
+        </p:style>
         <p:txBody>
           <a:bodyPr lIns="0" rIns="0" tIns="0" bIns="0" anchor="ctr"/>
           <a:p>
-            <a:pPr algn="ctr"/>
+            <a:pPr algn="ctr">
+              <a:lnSpc>
+                <a:spcPct val="100000"/>
+              </a:lnSpc>
+            </a:pPr>
             <a:r>
               <a:rPr b="0" lang="de-DE" sz="4400" spc="-1" strike="noStrike">
                 <a:solidFill>
@@ -2067,33 +3771,34 @@
                   </a:solidFill>
                 </a:uFill>
                 <a:latin typeface="Arial"/>
+                <a:ea typeface="DejaVu Sans"/>
               </a:rPr>
               <a:t>Risikobewertung</a:t>
             </a:r>
-            <a:endParaRPr b="0" lang="de-DE" sz="4400" spc="-1" strike="noStrike">
-              <a:solidFill>
-                <a:srgbClr val="000000"/>
-              </a:solidFill>
-              <a:uFill>
-                <a:solidFill>
-                  <a:srgbClr val="ffffff"/>
-                </a:solidFill>
-              </a:uFill>
-              <a:latin typeface="Arial"/>
-            </a:endParaRPr>
-          </a:p>
-        </p:txBody>
-      </p:sp>
-      <p:sp>
-        <p:nvSpPr>
-          <p:cNvPr id="40" name="TextShape 2"/>
-          <p:cNvSpPr txBox="1"/>
+            <a:endParaRPr b="0" lang="de-DE" sz="1800" spc="-1" strike="noStrike">
+              <a:solidFill>
+                <a:srgbClr val="000000"/>
+              </a:solidFill>
+              <a:uFill>
+                <a:solidFill>
+                  <a:srgbClr val="ffffff"/>
+                </a:solidFill>
+              </a:uFill>
+              <a:latin typeface="Arial"/>
+            </a:endParaRPr>
+          </a:p>
+        </p:txBody>
+      </p:sp>
+      <p:sp>
+        <p:nvSpPr>
+          <p:cNvPr id="73" name="CustomShape 2"/>
+          <p:cNvSpPr/>
           <p:nvPr/>
         </p:nvSpPr>
         <p:spPr>
           <a:xfrm>
             <a:off x="504360" y="1769400"/>
-            <a:ext cx="9071640" cy="4384440"/>
+            <a:ext cx="9070200" cy="4383000"/>
           </a:xfrm>
           <a:prstGeom prst="rect">
             <a:avLst/>
@@ -2103,10 +3808,19 @@
             <a:noFill/>
           </a:ln>
         </p:spPr>
+        <p:style>
+          <a:lnRef idx="0"/>
+          <a:fillRef idx="0"/>
+          <a:effectRef idx="0"/>
+          <a:fontRef idx="minor"/>
+        </p:style>
         <p:txBody>
           <a:bodyPr lIns="0" rIns="0" tIns="0" bIns="0"/>
           <a:p>
-            <a:pPr marL="432000" indent="-324000">
+            <a:pPr marL="432000" indent="-322560">
+              <a:lnSpc>
+                <a:spcPct val="100000"/>
+              </a:lnSpc>
               <a:buClr>
                 <a:srgbClr val="000000"/>
               </a:buClr>
@@ -2125,10 +3839,11 @@
                   </a:solidFill>
                 </a:uFill>
                 <a:latin typeface="Arial"/>
+                <a:ea typeface="DejaVu Sans"/>
               </a:rPr>
-              <a:t>Unterscheidung in qualitative und quantitative Risiken</a:t>
+              <a:t>Unterscheidung in qualitative und quantitative Methoden</a:t>
             </a:r>
-            <a:endParaRPr b="0" lang="de-DE" sz="3200" spc="-1" strike="noStrike">
+            <a:endParaRPr b="0" lang="de-DE" sz="1800" spc="-1" strike="noStrike">
               <a:solidFill>
                 <a:srgbClr val="000000"/>
               </a:solidFill>
@@ -2151,6 +3866,533 @@
           <p:childTnLst>
             <p:seq>
               <p:cTn id="2" nodeType="mainSeq"/>
+              <p:prevCondLst>
+                <p:cond delay="0" evt="onPrev">
+                  <p:tgtEl>
+                    <p:sldTgt/>
+                  </p:tgtEl>
+                </p:cond>
+              </p:prevCondLst>
+              <p:nextCondLst>
+                <p:cond delay="0" evt="onNext">
+                  <p:tgtEl>
+                    <p:sldTgt/>
+                  </p:tgtEl>
+                </p:cond>
+              </p:nextCondLst>
+            </p:seq>
+          </p:childTnLst>
+        </p:cTn>
+      </p:par>
+    </p:tnLst>
+  </p:timing>
+</p:sld>
+</file>
+
+<file path=ppt/slides/slide10.xml><?xml version="1.0" encoding="utf-8"?>
+<p:sld xmlns:a="http://schemas.openxmlformats.org/drawingml/2006/main" xmlns:p="http://schemas.openxmlformats.org/presentationml/2006/main" xmlns:r="http://schemas.openxmlformats.org/officeDocument/2006/relationships" xmlns:p14="http://schemas.microsoft.com/office/powerpoint/2010/main" xmlns:p15="http://schemas.microsoft.com/office/powerpoint/2012/main" xmlns:mc="http://schemas.openxmlformats.org/markup-compatibility/2006">
+  <p:cSld>
+    <p:spTree>
+      <p:nvGrpSpPr>
+        <p:cNvPr id="1" name=""/>
+        <p:cNvGrpSpPr/>
+        <p:nvPr/>
+      </p:nvGrpSpPr>
+      <p:grpSpPr>
+        <a:xfrm>
+          <a:off x="0" y="0"/>
+          <a:ext cx="0" cy="0"/>
+          <a:chOff x="0" y="0"/>
+          <a:chExt cx="0" cy="0"/>
+        </a:xfrm>
+      </p:grpSpPr>
+      <p:sp>
+        <p:nvSpPr>
+          <p:cNvPr id="92" name="CustomShape 1"/>
+          <p:cNvSpPr/>
+          <p:nvPr/>
+        </p:nvSpPr>
+        <p:spPr>
+          <a:xfrm>
+            <a:off x="504000" y="301320"/>
+            <a:ext cx="9070200" cy="1260720"/>
+          </a:xfrm>
+          <a:prstGeom prst="rect">
+            <a:avLst/>
+          </a:prstGeom>
+          <a:noFill/>
+          <a:ln>
+            <a:noFill/>
+          </a:ln>
+        </p:spPr>
+        <p:style>
+          <a:lnRef idx="0"/>
+          <a:fillRef idx="0"/>
+          <a:effectRef idx="0"/>
+          <a:fontRef idx="minor"/>
+        </p:style>
+        <p:txBody>
+          <a:bodyPr lIns="0" rIns="0" tIns="0" bIns="0" anchor="ctr"/>
+          <a:p>
+            <a:pPr algn="ctr">
+              <a:lnSpc>
+                <a:spcPct val="100000"/>
+              </a:lnSpc>
+            </a:pPr>
+            <a:r>
+              <a:rPr b="0" lang="de-DE" sz="4400" spc="-1" strike="noStrike">
+                <a:solidFill>
+                  <a:srgbClr val="000000"/>
+                </a:solidFill>
+                <a:uFill>
+                  <a:solidFill>
+                    <a:srgbClr val="ffffff"/>
+                  </a:solidFill>
+                </a:uFill>
+                <a:latin typeface="Arial"/>
+                <a:ea typeface="DejaVu Sans"/>
+              </a:rPr>
+              <a:t>Quellen</a:t>
+            </a:r>
+            <a:endParaRPr b="0" lang="de-DE" sz="1800" spc="-1" strike="noStrike">
+              <a:solidFill>
+                <a:srgbClr val="000000"/>
+              </a:solidFill>
+              <a:uFill>
+                <a:solidFill>
+                  <a:srgbClr val="ffffff"/>
+                </a:solidFill>
+              </a:uFill>
+              <a:latin typeface="Arial"/>
+            </a:endParaRPr>
+          </a:p>
+        </p:txBody>
+      </p:sp>
+      <p:sp>
+        <p:nvSpPr>
+          <p:cNvPr id="93" name="CustomShape 2"/>
+          <p:cNvSpPr/>
+          <p:nvPr/>
+        </p:nvSpPr>
+        <p:spPr>
+          <a:xfrm>
+            <a:off x="504000" y="1769040"/>
+            <a:ext cx="9070200" cy="4383000"/>
+          </a:xfrm>
+          <a:prstGeom prst="rect">
+            <a:avLst/>
+          </a:prstGeom>
+          <a:noFill/>
+          <a:ln>
+            <a:noFill/>
+          </a:ln>
+        </p:spPr>
+        <p:style>
+          <a:lnRef idx="0"/>
+          <a:fillRef idx="0"/>
+          <a:effectRef idx="0"/>
+          <a:fontRef idx="minor"/>
+        </p:style>
+        <p:txBody>
+          <a:bodyPr lIns="0" rIns="0" tIns="0" bIns="0"/>
+          <a:p>
+            <a:pPr marL="432000" indent="-322560">
+              <a:lnSpc>
+                <a:spcPct val="100000"/>
+              </a:lnSpc>
+              <a:buClr>
+                <a:srgbClr val="000000"/>
+              </a:buClr>
+              <a:buSzPct val="45000"/>
+              <a:buFont typeface="Wingdings" charset="2"/>
+              <a:buChar char=""/>
+            </a:pPr>
+            <a:r>
+              <a:rPr b="0" lang="de-DE" sz="2600" spc="-1" strike="noStrike">
+                <a:solidFill>
+                  <a:srgbClr val="000000"/>
+                </a:solidFill>
+                <a:uFill>
+                  <a:solidFill>
+                    <a:srgbClr val="ffffff"/>
+                  </a:solidFill>
+                </a:uFill>
+                <a:latin typeface="Arial"/>
+                <a:ea typeface="DejaVu Sans"/>
+              </a:rPr>
+              <a:t>Informationen und Bilder Angreifermodelle:</a:t>
+            </a:r>
+            <a:endParaRPr b="0" lang="de-DE" sz="1800" spc="-1" strike="noStrike">
+              <a:solidFill>
+                <a:srgbClr val="000000"/>
+              </a:solidFill>
+              <a:uFill>
+                <a:solidFill>
+                  <a:srgbClr val="ffffff"/>
+                </a:solidFill>
+              </a:uFill>
+              <a:latin typeface="Arial"/>
+            </a:endParaRPr>
+          </a:p>
+          <a:p>
+            <a:pPr>
+              <a:lnSpc>
+                <a:spcPct val="100000"/>
+              </a:lnSpc>
+            </a:pPr>
+            <a:r>
+              <a:rPr b="0" lang="de-DE" sz="2600" spc="-1" strike="noStrike">
+                <a:solidFill>
+                  <a:srgbClr val="000000"/>
+                </a:solidFill>
+                <a:uFill>
+                  <a:solidFill>
+                    <a:srgbClr val="ffffff"/>
+                  </a:solidFill>
+                </a:uFill>
+                <a:latin typeface="Arial"/>
+                <a:ea typeface="DejaVu Sans"/>
+              </a:rPr>
+              <a:t>Cyber-Attack Modeling Analysis Techniques: An</a:t>
+            </a:r>
+            <a:endParaRPr b="0" lang="de-DE" sz="1800" spc="-1" strike="noStrike">
+              <a:solidFill>
+                <a:srgbClr val="000000"/>
+              </a:solidFill>
+              <a:uFill>
+                <a:solidFill>
+                  <a:srgbClr val="ffffff"/>
+                </a:solidFill>
+              </a:uFill>
+              <a:latin typeface="Arial"/>
+            </a:endParaRPr>
+          </a:p>
+          <a:p>
+            <a:pPr>
+              <a:lnSpc>
+                <a:spcPct val="100000"/>
+              </a:lnSpc>
+            </a:pPr>
+            <a:r>
+              <a:rPr b="0" lang="de-DE" sz="2600" spc="-1" strike="noStrike">
+                <a:solidFill>
+                  <a:srgbClr val="000000"/>
+                </a:solidFill>
+                <a:uFill>
+                  <a:solidFill>
+                    <a:srgbClr val="ffffff"/>
+                  </a:solidFill>
+                </a:uFill>
+                <a:latin typeface="Arial"/>
+                <a:ea typeface="DejaVu Sans"/>
+              </a:rPr>
+              <a:t>Overview, Al-Mohannadi, Mirza und weitere, 2016</a:t>
+            </a:r>
+            <a:endParaRPr b="0" lang="de-DE" sz="1800" spc="-1" strike="noStrike">
+              <a:solidFill>
+                <a:srgbClr val="000000"/>
+              </a:solidFill>
+              <a:uFill>
+                <a:solidFill>
+                  <a:srgbClr val="ffffff"/>
+                </a:solidFill>
+              </a:uFill>
+              <a:latin typeface="Arial"/>
+            </a:endParaRPr>
+          </a:p>
+          <a:p>
+            <a:pPr>
+              <a:lnSpc>
+                <a:spcPct val="100000"/>
+              </a:lnSpc>
+            </a:pPr>
+            <a:endParaRPr b="0" lang="de-DE" sz="1800" spc="-1" strike="noStrike">
+              <a:solidFill>
+                <a:srgbClr val="000000"/>
+              </a:solidFill>
+              <a:uFill>
+                <a:solidFill>
+                  <a:srgbClr val="ffffff"/>
+                </a:solidFill>
+              </a:uFill>
+              <a:latin typeface="Arial"/>
+            </a:endParaRPr>
+          </a:p>
+          <a:p>
+            <a:pPr>
+              <a:lnSpc>
+                <a:spcPct val="100000"/>
+              </a:lnSpc>
+            </a:pPr>
+            <a:r>
+              <a:rPr b="0" lang="de-DE" sz="2600" spc="-1" strike="noStrike">
+                <a:solidFill>
+                  <a:srgbClr val="000000"/>
+                </a:solidFill>
+                <a:uFill>
+                  <a:solidFill>
+                    <a:srgbClr val="ffffff"/>
+                  </a:solidFill>
+                </a:uFill>
+                <a:latin typeface="Arial"/>
+                <a:ea typeface="DejaVu Sans"/>
+              </a:rPr>
+              <a:t>Informationen qualitative und quantitative Methoden:</a:t>
+            </a:r>
+            <a:endParaRPr b="0" lang="de-DE" sz="1800" spc="-1" strike="noStrike">
+              <a:solidFill>
+                <a:srgbClr val="000000"/>
+              </a:solidFill>
+              <a:uFill>
+                <a:solidFill>
+                  <a:srgbClr val="ffffff"/>
+                </a:solidFill>
+              </a:uFill>
+              <a:latin typeface="Arial"/>
+            </a:endParaRPr>
+          </a:p>
+          <a:p>
+            <a:pPr>
+              <a:lnSpc>
+                <a:spcPct val="100000"/>
+              </a:lnSpc>
+            </a:pPr>
+            <a:r>
+              <a:rPr b="0" lang="de-DE" sz="2600" spc="-1" strike="noStrike">
+                <a:solidFill>
+                  <a:srgbClr val="000000"/>
+                </a:solidFill>
+                <a:uFill>
+                  <a:solidFill>
+                    <a:srgbClr val="ffffff"/>
+                  </a:solidFill>
+                </a:uFill>
+                <a:latin typeface="Arial"/>
+                <a:ea typeface="DejaVu Sans"/>
+              </a:rPr>
+              <a:t>IT Risk Assessment: Quantitative and Qualitative Approach,</a:t>
+            </a:r>
+            <a:endParaRPr b="0" lang="de-DE" sz="1800" spc="-1" strike="noStrike">
+              <a:solidFill>
+                <a:srgbClr val="000000"/>
+              </a:solidFill>
+              <a:uFill>
+                <a:solidFill>
+                  <a:srgbClr val="ffffff"/>
+                </a:solidFill>
+              </a:uFill>
+              <a:latin typeface="Arial"/>
+            </a:endParaRPr>
+          </a:p>
+          <a:p>
+            <a:pPr>
+              <a:lnSpc>
+                <a:spcPct val="100000"/>
+              </a:lnSpc>
+            </a:pPr>
+            <a:r>
+              <a:rPr b="0" lang="de-DE" sz="2600" spc="-1" strike="noStrike">
+                <a:solidFill>
+                  <a:srgbClr val="000000"/>
+                </a:solidFill>
+                <a:uFill>
+                  <a:solidFill>
+                    <a:srgbClr val="ffffff"/>
+                  </a:solidFill>
+                </a:uFill>
+                <a:latin typeface="Arial"/>
+                <a:ea typeface="DejaVu Sans"/>
+              </a:rPr>
+              <a:t>Artur Rot, 2008</a:t>
+            </a:r>
+            <a:endParaRPr b="0" lang="de-DE" sz="1800" spc="-1" strike="noStrike">
+              <a:solidFill>
+                <a:srgbClr val="000000"/>
+              </a:solidFill>
+              <a:uFill>
+                <a:solidFill>
+                  <a:srgbClr val="ffffff"/>
+                </a:solidFill>
+              </a:uFill>
+              <a:latin typeface="Arial"/>
+            </a:endParaRPr>
+          </a:p>
+          <a:p>
+            <a:pPr>
+              <a:lnSpc>
+                <a:spcPct val="100000"/>
+              </a:lnSpc>
+            </a:pPr>
+            <a:endParaRPr b="0" lang="de-DE" sz="1800" spc="-1" strike="noStrike">
+              <a:solidFill>
+                <a:srgbClr val="000000"/>
+              </a:solidFill>
+              <a:uFill>
+                <a:solidFill>
+                  <a:srgbClr val="ffffff"/>
+                </a:solidFill>
+              </a:uFill>
+              <a:latin typeface="Arial"/>
+            </a:endParaRPr>
+          </a:p>
+          <a:p>
+            <a:pPr>
+              <a:lnSpc>
+                <a:spcPct val="100000"/>
+              </a:lnSpc>
+            </a:pPr>
+            <a:endParaRPr b="0" lang="de-DE" sz="1800" spc="-1" strike="noStrike">
+              <a:solidFill>
+                <a:srgbClr val="000000"/>
+              </a:solidFill>
+              <a:uFill>
+                <a:solidFill>
+                  <a:srgbClr val="ffffff"/>
+                </a:solidFill>
+              </a:uFill>
+              <a:latin typeface="Arial"/>
+            </a:endParaRPr>
+          </a:p>
+          <a:p>
+            <a:pPr>
+              <a:lnSpc>
+                <a:spcPct val="100000"/>
+              </a:lnSpc>
+            </a:pPr>
+            <a:endParaRPr b="0" lang="de-DE" sz="1800" spc="-1" strike="noStrike">
+              <a:solidFill>
+                <a:srgbClr val="000000"/>
+              </a:solidFill>
+              <a:uFill>
+                <a:solidFill>
+                  <a:srgbClr val="ffffff"/>
+                </a:solidFill>
+              </a:uFill>
+              <a:latin typeface="Arial"/>
+            </a:endParaRPr>
+          </a:p>
+          <a:p>
+            <a:pPr>
+              <a:lnSpc>
+                <a:spcPct val="100000"/>
+              </a:lnSpc>
+            </a:pPr>
+            <a:endParaRPr b="0" lang="de-DE" sz="1800" spc="-1" strike="noStrike">
+              <a:solidFill>
+                <a:srgbClr val="000000"/>
+              </a:solidFill>
+              <a:uFill>
+                <a:solidFill>
+                  <a:srgbClr val="ffffff"/>
+                </a:solidFill>
+              </a:uFill>
+              <a:latin typeface="Arial"/>
+            </a:endParaRPr>
+          </a:p>
+          <a:p>
+            <a:pPr>
+              <a:lnSpc>
+                <a:spcPct val="100000"/>
+              </a:lnSpc>
+            </a:pPr>
+            <a:endParaRPr b="0" lang="de-DE" sz="1800" spc="-1" strike="noStrike">
+              <a:solidFill>
+                <a:srgbClr val="000000"/>
+              </a:solidFill>
+              <a:uFill>
+                <a:solidFill>
+                  <a:srgbClr val="ffffff"/>
+                </a:solidFill>
+              </a:uFill>
+              <a:latin typeface="Arial"/>
+            </a:endParaRPr>
+          </a:p>
+          <a:p>
+            <a:pPr>
+              <a:lnSpc>
+                <a:spcPct val="100000"/>
+              </a:lnSpc>
+            </a:pPr>
+            <a:endParaRPr b="0" lang="de-DE" sz="1800" spc="-1" strike="noStrike">
+              <a:solidFill>
+                <a:srgbClr val="000000"/>
+              </a:solidFill>
+              <a:uFill>
+                <a:solidFill>
+                  <a:srgbClr val="ffffff"/>
+                </a:solidFill>
+              </a:uFill>
+              <a:latin typeface="Arial"/>
+            </a:endParaRPr>
+          </a:p>
+          <a:p>
+            <a:pPr>
+              <a:lnSpc>
+                <a:spcPct val="100000"/>
+              </a:lnSpc>
+            </a:pPr>
+            <a:endParaRPr b="0" lang="de-DE" sz="1800" spc="-1" strike="noStrike">
+              <a:solidFill>
+                <a:srgbClr val="000000"/>
+              </a:solidFill>
+              <a:uFill>
+                <a:solidFill>
+                  <a:srgbClr val="ffffff"/>
+                </a:solidFill>
+              </a:uFill>
+              <a:latin typeface="Arial"/>
+            </a:endParaRPr>
+          </a:p>
+          <a:p>
+            <a:pPr marL="432000" indent="-322560">
+              <a:lnSpc>
+                <a:spcPct val="100000"/>
+              </a:lnSpc>
+              <a:buClr>
+                <a:srgbClr val="000000"/>
+              </a:buClr>
+              <a:buSzPct val="45000"/>
+              <a:buFont typeface="Wingdings" charset="2"/>
+              <a:buChar char=""/>
+            </a:pPr>
+            <a:r>
+              <a:rPr b="0" lang="de-DE" sz="2600" spc="-1" strike="noStrike">
+                <a:solidFill>
+                  <a:srgbClr val="000000"/>
+                </a:solidFill>
+                <a:uFill>
+                  <a:solidFill>
+                    <a:srgbClr val="ffffff"/>
+                  </a:solidFill>
+                </a:uFill>
+                <a:latin typeface="Arial"/>
+                <a:ea typeface="DejaVu Sans"/>
+              </a:rPr>
+              <a:t> </a:t>
+            </a:r>
+            <a:endParaRPr b="0" lang="de-DE" sz="1800" spc="-1" strike="noStrike">
+              <a:solidFill>
+                <a:srgbClr val="000000"/>
+              </a:solidFill>
+              <a:uFill>
+                <a:solidFill>
+                  <a:srgbClr val="ffffff"/>
+                </a:solidFill>
+              </a:uFill>
+              <a:latin typeface="Arial"/>
+            </a:endParaRPr>
+          </a:p>
+        </p:txBody>
+      </p:sp>
+    </p:spTree>
+  </p:cSld>
+  <p:timing>
+    <p:tnLst>
+      <p:par>
+        <p:cTn id="19" dur="indefinite" restart="never" nodeType="tmRoot">
+          <p:childTnLst>
+            <p:seq>
+              <p:cTn id="20" nodeType="mainSeq"/>
               <p:prevCondLst>
                 <p:cond delay="0" evt="onPrev">
                   <p:tgtEl>
@@ -2193,14 +4435,14 @@
       </p:grpSpPr>
       <p:sp>
         <p:nvSpPr>
-          <p:cNvPr id="41" name="TextShape 1"/>
-          <p:cNvSpPr txBox="1"/>
+          <p:cNvPr id="74" name="CustomShape 1"/>
+          <p:cNvSpPr/>
           <p:nvPr/>
         </p:nvSpPr>
         <p:spPr>
           <a:xfrm>
             <a:off x="504000" y="301320"/>
-            <a:ext cx="9071640" cy="1262160"/>
+            <a:ext cx="9070200" cy="1260720"/>
           </a:xfrm>
           <a:prstGeom prst="rect">
             <a:avLst/>
@@ -2210,10 +4452,20 @@
             <a:noFill/>
           </a:ln>
         </p:spPr>
+        <p:style>
+          <a:lnRef idx="0"/>
+          <a:fillRef idx="0"/>
+          <a:effectRef idx="0"/>
+          <a:fontRef idx="minor"/>
+        </p:style>
         <p:txBody>
           <a:bodyPr lIns="0" rIns="0" tIns="0" bIns="0" anchor="ctr"/>
           <a:p>
-            <a:pPr algn="ctr"/>
+            <a:pPr algn="ctr">
+              <a:lnSpc>
+                <a:spcPct val="100000"/>
+              </a:lnSpc>
+            </a:pPr>
             <a:r>
               <a:rPr b="0" lang="de-DE" sz="4400" spc="-1" strike="noStrike">
                 <a:solidFill>
@@ -2225,33 +4477,34 @@
                   </a:solidFill>
                 </a:uFill>
                 <a:latin typeface="Arial"/>
+                <a:ea typeface="DejaVu Sans"/>
               </a:rPr>
               <a:t>Quantitative Methoden</a:t>
             </a:r>
-            <a:endParaRPr b="0" lang="de-DE" sz="4400" spc="-1" strike="noStrike">
-              <a:solidFill>
-                <a:srgbClr val="000000"/>
-              </a:solidFill>
-              <a:uFill>
-                <a:solidFill>
-                  <a:srgbClr val="ffffff"/>
-                </a:solidFill>
-              </a:uFill>
-              <a:latin typeface="Arial"/>
-            </a:endParaRPr>
-          </a:p>
-        </p:txBody>
-      </p:sp>
-      <p:sp>
-        <p:nvSpPr>
-          <p:cNvPr id="42" name="TextShape 2"/>
-          <p:cNvSpPr txBox="1"/>
+            <a:endParaRPr b="0" lang="de-DE" sz="1800" spc="-1" strike="noStrike">
+              <a:solidFill>
+                <a:srgbClr val="000000"/>
+              </a:solidFill>
+              <a:uFill>
+                <a:solidFill>
+                  <a:srgbClr val="ffffff"/>
+                </a:solidFill>
+              </a:uFill>
+              <a:latin typeface="Arial"/>
+            </a:endParaRPr>
+          </a:p>
+        </p:txBody>
+      </p:sp>
+      <p:sp>
+        <p:nvSpPr>
+          <p:cNvPr id="75" name="CustomShape 2"/>
+          <p:cNvSpPr/>
           <p:nvPr/>
         </p:nvSpPr>
         <p:spPr>
           <a:xfrm>
             <a:off x="504000" y="1769040"/>
-            <a:ext cx="9071640" cy="4384440"/>
+            <a:ext cx="9070200" cy="4383000"/>
           </a:xfrm>
           <a:prstGeom prst="rect">
             <a:avLst/>
@@ -2261,10 +4514,19 @@
             <a:noFill/>
           </a:ln>
         </p:spPr>
+        <p:style>
+          <a:lnRef idx="0"/>
+          <a:fillRef idx="0"/>
+          <a:effectRef idx="0"/>
+          <a:fontRef idx="minor"/>
+        </p:style>
         <p:txBody>
           <a:bodyPr lIns="0" rIns="0" tIns="0" bIns="0"/>
           <a:p>
-            <a:pPr marL="432000" indent="-324000">
+            <a:pPr marL="432000" indent="-322560">
+              <a:lnSpc>
+                <a:spcPct val="100000"/>
+              </a:lnSpc>
               <a:buClr>
                 <a:srgbClr val="000000"/>
               </a:buClr>
@@ -2283,23 +4545,27 @@
                   </a:solidFill>
                 </a:uFill>
                 <a:latin typeface="Arial"/>
+                <a:ea typeface="DejaVu Sans"/>
               </a:rPr>
               <a:t>Risikoabschätzung in Form eines numerischen Maßes</a:t>
             </a:r>
-            <a:endParaRPr b="0" lang="de-DE" sz="3200" spc="-1" strike="noStrike">
-              <a:solidFill>
-                <a:srgbClr val="000000"/>
-              </a:solidFill>
-              <a:uFill>
-                <a:solidFill>
-                  <a:srgbClr val="ffffff"/>
-                </a:solidFill>
-              </a:uFill>
-              <a:latin typeface="Arial"/>
-            </a:endParaRPr>
-          </a:p>
-          <a:p>
-            <a:pPr marL="432000" indent="-324000">
+            <a:endParaRPr b="0" lang="de-DE" sz="1800" spc="-1" strike="noStrike">
+              <a:solidFill>
+                <a:srgbClr val="000000"/>
+              </a:solidFill>
+              <a:uFill>
+                <a:solidFill>
+                  <a:srgbClr val="ffffff"/>
+                </a:solidFill>
+              </a:uFill>
+              <a:latin typeface="Arial"/>
+            </a:endParaRPr>
+          </a:p>
+          <a:p>
+            <a:pPr marL="432000" indent="-322560">
+              <a:lnSpc>
+                <a:spcPct val="100000"/>
+              </a:lnSpc>
               <a:buClr>
                 <a:srgbClr val="000000"/>
               </a:buClr>
@@ -2318,23 +4584,27 @@
                   </a:solidFill>
                 </a:uFill>
                 <a:latin typeface="Arial"/>
+                <a:ea typeface="DejaVu Sans"/>
               </a:rPr>
               <a:t>- Wert der Ressourcen</a:t>
             </a:r>
-            <a:endParaRPr b="0" lang="de-DE" sz="3200" spc="-1" strike="noStrike">
-              <a:solidFill>
-                <a:srgbClr val="000000"/>
-              </a:solidFill>
-              <a:uFill>
-                <a:solidFill>
-                  <a:srgbClr val="ffffff"/>
-                </a:solidFill>
-              </a:uFill>
-              <a:latin typeface="Arial"/>
-            </a:endParaRPr>
-          </a:p>
-          <a:p>
-            <a:pPr marL="432000" indent="-324000">
+            <a:endParaRPr b="0" lang="de-DE" sz="1800" spc="-1" strike="noStrike">
+              <a:solidFill>
+                <a:srgbClr val="000000"/>
+              </a:solidFill>
+              <a:uFill>
+                <a:solidFill>
+                  <a:srgbClr val="ffffff"/>
+                </a:solidFill>
+              </a:uFill>
+              <a:latin typeface="Arial"/>
+            </a:endParaRPr>
+          </a:p>
+          <a:p>
+            <a:pPr marL="432000" indent="-322560">
+              <a:lnSpc>
+                <a:spcPct val="100000"/>
+              </a:lnSpc>
               <a:buClr>
                 <a:srgbClr val="000000"/>
               </a:buClr>
@@ -2353,23 +4623,27 @@
                   </a:solidFill>
                 </a:uFill>
                 <a:latin typeface="Arial"/>
+                <a:ea typeface="DejaVu Sans"/>
               </a:rPr>
               <a:t>- Frequenz der Bedrohungen</a:t>
             </a:r>
-            <a:endParaRPr b="0" lang="de-DE" sz="3200" spc="-1" strike="noStrike">
-              <a:solidFill>
-                <a:srgbClr val="000000"/>
-              </a:solidFill>
-              <a:uFill>
-                <a:solidFill>
-                  <a:srgbClr val="ffffff"/>
-                </a:solidFill>
-              </a:uFill>
-              <a:latin typeface="Arial"/>
-            </a:endParaRPr>
-          </a:p>
-          <a:p>
-            <a:pPr marL="432000" indent="-324000">
+            <a:endParaRPr b="0" lang="de-DE" sz="1800" spc="-1" strike="noStrike">
+              <a:solidFill>
+                <a:srgbClr val="000000"/>
+              </a:solidFill>
+              <a:uFill>
+                <a:solidFill>
+                  <a:srgbClr val="ffffff"/>
+                </a:solidFill>
+              </a:uFill>
+              <a:latin typeface="Arial"/>
+            </a:endParaRPr>
+          </a:p>
+          <a:p>
+            <a:pPr marL="432000" indent="-322560">
+              <a:lnSpc>
+                <a:spcPct val="100000"/>
+              </a:lnSpc>
               <a:buClr>
                 <a:srgbClr val="000000"/>
               </a:buClr>
@@ -2388,10 +4662,11 @@
                   </a:solidFill>
                 </a:uFill>
                 <a:latin typeface="Arial"/>
+                <a:ea typeface="DejaVu Sans"/>
               </a:rPr>
               <a:t>- Anfälligkeit gemessen in der Wahrscheinlichkeit eines Verlustes</a:t>
             </a:r>
-            <a:endParaRPr b="0" lang="de-DE" sz="3200" spc="-1" strike="noStrike">
+            <a:endParaRPr b="0" lang="de-DE" sz="1800" spc="-1" strike="noStrike">
               <a:solidFill>
                 <a:srgbClr val="000000"/>
               </a:solidFill>
@@ -2456,14 +4731,14 @@
       </p:grpSpPr>
       <p:sp>
         <p:nvSpPr>
-          <p:cNvPr id="43" name="TextShape 1"/>
-          <p:cNvSpPr txBox="1"/>
+          <p:cNvPr id="76" name="CustomShape 1"/>
+          <p:cNvSpPr/>
           <p:nvPr/>
         </p:nvSpPr>
         <p:spPr>
           <a:xfrm>
             <a:off x="504000" y="301320"/>
-            <a:ext cx="9071640" cy="1262160"/>
+            <a:ext cx="9070200" cy="1260720"/>
           </a:xfrm>
           <a:prstGeom prst="rect">
             <a:avLst/>
@@ -2473,10 +4748,20 @@
             <a:noFill/>
           </a:ln>
         </p:spPr>
+        <p:style>
+          <a:lnRef idx="0"/>
+          <a:fillRef idx="0"/>
+          <a:effectRef idx="0"/>
+          <a:fontRef idx="minor"/>
+        </p:style>
         <p:txBody>
           <a:bodyPr lIns="0" rIns="0" tIns="0" bIns="0" anchor="ctr"/>
           <a:p>
-            <a:pPr algn="ctr"/>
+            <a:pPr algn="ctr">
+              <a:lnSpc>
+                <a:spcPct val="100000"/>
+              </a:lnSpc>
+            </a:pPr>
             <a:r>
               <a:rPr b="0" lang="de-DE" sz="4400" spc="-1" strike="noStrike">
                 <a:solidFill>
@@ -2488,33 +4773,34 @@
                   </a:solidFill>
                 </a:uFill>
                 <a:latin typeface="Arial"/>
+                <a:ea typeface="DejaVu Sans"/>
               </a:rPr>
               <a:t>Quantitative Methoden</a:t>
             </a:r>
-            <a:endParaRPr b="0" lang="de-DE" sz="4400" spc="-1" strike="noStrike">
-              <a:solidFill>
-                <a:srgbClr val="000000"/>
-              </a:solidFill>
-              <a:uFill>
-                <a:solidFill>
-                  <a:srgbClr val="ffffff"/>
-                </a:solidFill>
-              </a:uFill>
-              <a:latin typeface="Arial"/>
-            </a:endParaRPr>
-          </a:p>
-        </p:txBody>
-      </p:sp>
-      <p:sp>
-        <p:nvSpPr>
-          <p:cNvPr id="44" name="TextShape 2"/>
-          <p:cNvSpPr txBox="1"/>
+            <a:endParaRPr b="0" lang="de-DE" sz="1800" spc="-1" strike="noStrike">
+              <a:solidFill>
+                <a:srgbClr val="000000"/>
+              </a:solidFill>
+              <a:uFill>
+                <a:solidFill>
+                  <a:srgbClr val="ffffff"/>
+                </a:solidFill>
+              </a:uFill>
+              <a:latin typeface="Arial"/>
+            </a:endParaRPr>
+          </a:p>
+        </p:txBody>
+      </p:sp>
+      <p:sp>
+        <p:nvSpPr>
+          <p:cNvPr id="77" name="CustomShape 2"/>
+          <p:cNvSpPr/>
           <p:nvPr/>
         </p:nvSpPr>
         <p:spPr>
           <a:xfrm>
             <a:off x="504000" y="1769040"/>
-            <a:ext cx="9071640" cy="4384440"/>
+            <a:ext cx="9070200" cy="4383000"/>
           </a:xfrm>
           <a:prstGeom prst="rect">
             <a:avLst/>
@@ -2524,10 +4810,19 @@
             <a:noFill/>
           </a:ln>
         </p:spPr>
+        <p:style>
+          <a:lnRef idx="0"/>
+          <a:fillRef idx="0"/>
+          <a:effectRef idx="0"/>
+          <a:fontRef idx="minor"/>
+        </p:style>
         <p:txBody>
           <a:bodyPr lIns="0" rIns="0" tIns="0" bIns="0"/>
           <a:p>
-            <a:pPr marL="432000" indent="-324000">
+            <a:pPr marL="432000" indent="-322560">
+              <a:lnSpc>
+                <a:spcPct val="100000"/>
+              </a:lnSpc>
               <a:buClr>
                 <a:srgbClr val="000000"/>
               </a:buClr>
@@ -2546,23 +4841,27 @@
                   </a:solidFill>
                 </a:uFill>
                 <a:latin typeface="Arial"/>
+                <a:ea typeface="DejaVu Sans"/>
               </a:rPr>
               <a:t>Vorteile:</a:t>
             </a:r>
-            <a:endParaRPr b="0" lang="de-DE" sz="3200" spc="-1" strike="noStrike">
-              <a:solidFill>
-                <a:srgbClr val="000000"/>
-              </a:solidFill>
-              <a:uFill>
-                <a:solidFill>
-                  <a:srgbClr val="ffffff"/>
-                </a:solidFill>
-              </a:uFill>
-              <a:latin typeface="Arial"/>
-            </a:endParaRPr>
-          </a:p>
-          <a:p>
-            <a:pPr marL="432000" indent="-324000">
+            <a:endParaRPr b="0" lang="de-DE" sz="1800" spc="-1" strike="noStrike">
+              <a:solidFill>
+                <a:srgbClr val="000000"/>
+              </a:solidFill>
+              <a:uFill>
+                <a:solidFill>
+                  <a:srgbClr val="ffffff"/>
+                </a:solidFill>
+              </a:uFill>
+              <a:latin typeface="Arial"/>
+            </a:endParaRPr>
+          </a:p>
+          <a:p>
+            <a:pPr marL="432000" indent="-322560">
+              <a:lnSpc>
+                <a:spcPct val="100000"/>
+              </a:lnSpc>
               <a:buClr>
                 <a:srgbClr val="000000"/>
               </a:buClr>
@@ -2581,23 +4880,27 @@
                   </a:solidFill>
                 </a:uFill>
                 <a:latin typeface="Arial"/>
+                <a:ea typeface="DejaVu Sans"/>
               </a:rPr>
               <a:t>- akkuraters Bild der Bedrohungen</a:t>
             </a:r>
-            <a:endParaRPr b="0" lang="de-DE" sz="3200" spc="-1" strike="noStrike">
-              <a:solidFill>
-                <a:srgbClr val="000000"/>
-              </a:solidFill>
-              <a:uFill>
-                <a:solidFill>
-                  <a:srgbClr val="ffffff"/>
-                </a:solidFill>
-              </a:uFill>
-              <a:latin typeface="Arial"/>
-            </a:endParaRPr>
-          </a:p>
-          <a:p>
-            <a:pPr marL="432000" indent="-324000">
+            <a:endParaRPr b="0" lang="de-DE" sz="1800" spc="-1" strike="noStrike">
+              <a:solidFill>
+                <a:srgbClr val="000000"/>
+              </a:solidFill>
+              <a:uFill>
+                <a:solidFill>
+                  <a:srgbClr val="ffffff"/>
+                </a:solidFill>
+              </a:uFill>
+              <a:latin typeface="Arial"/>
+            </a:endParaRPr>
+          </a:p>
+          <a:p>
+            <a:pPr marL="432000" indent="-322560">
+              <a:lnSpc>
+                <a:spcPct val="100000"/>
+              </a:lnSpc>
               <a:buClr>
                 <a:srgbClr val="000000"/>
               </a:buClr>
@@ -2616,23 +4919,27 @@
                   </a:solidFill>
                 </a:uFill>
                 <a:latin typeface="Arial"/>
+                <a:ea typeface="DejaVu Sans"/>
               </a:rPr>
               <a:t>- erlaubt Kostenkalkulation  und  begünstigt eine genaue Priorisierung der Maßnahmen </a:t>
             </a:r>
-            <a:endParaRPr b="0" lang="de-DE" sz="3200" spc="-1" strike="noStrike">
-              <a:solidFill>
-                <a:srgbClr val="000000"/>
-              </a:solidFill>
-              <a:uFill>
-                <a:solidFill>
-                  <a:srgbClr val="ffffff"/>
-                </a:solidFill>
-              </a:uFill>
-              <a:latin typeface="Arial"/>
-            </a:endParaRPr>
-          </a:p>
-          <a:p>
-            <a:pPr marL="432000" indent="-324000">
+            <a:endParaRPr b="0" lang="de-DE" sz="1800" spc="-1" strike="noStrike">
+              <a:solidFill>
+                <a:srgbClr val="000000"/>
+              </a:solidFill>
+              <a:uFill>
+                <a:solidFill>
+                  <a:srgbClr val="ffffff"/>
+                </a:solidFill>
+              </a:uFill>
+              <a:latin typeface="Arial"/>
+            </a:endParaRPr>
+          </a:p>
+          <a:p>
+            <a:pPr marL="432000" indent="-322560">
+              <a:lnSpc>
+                <a:spcPct val="100000"/>
+              </a:lnSpc>
               <a:buClr>
                 <a:srgbClr val="000000"/>
               </a:buClr>
@@ -2651,23 +4958,27 @@
                   </a:solidFill>
                 </a:uFill>
                 <a:latin typeface="Arial"/>
+                <a:ea typeface="DejaVu Sans"/>
               </a:rPr>
               <a:t>Nachteile:</a:t>
             </a:r>
-            <a:endParaRPr b="0" lang="de-DE" sz="3200" spc="-1" strike="noStrike">
-              <a:solidFill>
-                <a:srgbClr val="000000"/>
-              </a:solidFill>
-              <a:uFill>
-                <a:solidFill>
-                  <a:srgbClr val="ffffff"/>
-                </a:solidFill>
-              </a:uFill>
-              <a:latin typeface="Arial"/>
-            </a:endParaRPr>
-          </a:p>
-          <a:p>
-            <a:pPr marL="432000" indent="-324000">
+            <a:endParaRPr b="0" lang="de-DE" sz="1800" spc="-1" strike="noStrike">
+              <a:solidFill>
+                <a:srgbClr val="000000"/>
+              </a:solidFill>
+              <a:uFill>
+                <a:solidFill>
+                  <a:srgbClr val="ffffff"/>
+                </a:solidFill>
+              </a:uFill>
+              <a:latin typeface="Arial"/>
+            </a:endParaRPr>
+          </a:p>
+          <a:p>
+            <a:pPr marL="432000" indent="-322560">
+              <a:lnSpc>
+                <a:spcPct val="100000"/>
+              </a:lnSpc>
               <a:buClr>
                 <a:srgbClr val="000000"/>
               </a:buClr>
@@ -2686,23 +4997,27 @@
                   </a:solidFill>
                 </a:uFill>
                 <a:latin typeface="Arial"/>
+                <a:ea typeface="DejaVu Sans"/>
               </a:rPr>
               <a:t>- Ergebnis evtl. ungenau und verwirrend</a:t>
             </a:r>
-            <a:endParaRPr b="0" lang="de-DE" sz="3200" spc="-1" strike="noStrike">
-              <a:solidFill>
-                <a:srgbClr val="000000"/>
-              </a:solidFill>
-              <a:uFill>
-                <a:solidFill>
-                  <a:srgbClr val="ffffff"/>
-                </a:solidFill>
-              </a:uFill>
-              <a:latin typeface="Arial"/>
-            </a:endParaRPr>
-          </a:p>
-          <a:p>
-            <a:pPr marL="432000" indent="-324000">
+            <a:endParaRPr b="0" lang="de-DE" sz="1800" spc="-1" strike="noStrike">
+              <a:solidFill>
+                <a:srgbClr val="000000"/>
+              </a:solidFill>
+              <a:uFill>
+                <a:solidFill>
+                  <a:srgbClr val="ffffff"/>
+                </a:solidFill>
+              </a:uFill>
+              <a:latin typeface="Arial"/>
+            </a:endParaRPr>
+          </a:p>
+          <a:p>
+            <a:pPr marL="432000" indent="-322560">
+              <a:lnSpc>
+                <a:spcPct val="100000"/>
+              </a:lnSpc>
               <a:buClr>
                 <a:srgbClr val="000000"/>
               </a:buClr>
@@ -2721,10 +5036,11 @@
                   </a:solidFill>
                 </a:uFill>
                 <a:latin typeface="Arial"/>
+                <a:ea typeface="DejaVu Sans"/>
               </a:rPr>
               <a:t>- Analyse mit quantitativen Methoden generell teuerer         und erfordert mehr Erfahrung und fortgeschrittene Methoden</a:t>
             </a:r>
-            <a:endParaRPr b="0" lang="de-DE" sz="3200" spc="-1" strike="noStrike">
+            <a:endParaRPr b="0" lang="de-DE" sz="1800" spc="-1" strike="noStrike">
               <a:solidFill>
                 <a:srgbClr val="000000"/>
               </a:solidFill>
@@ -2789,14 +5105,14 @@
       </p:grpSpPr>
       <p:sp>
         <p:nvSpPr>
-          <p:cNvPr id="45" name="TextShape 1"/>
-          <p:cNvSpPr txBox="1"/>
+          <p:cNvPr id="78" name="CustomShape 1"/>
+          <p:cNvSpPr/>
           <p:nvPr/>
         </p:nvSpPr>
         <p:spPr>
           <a:xfrm>
             <a:off x="504000" y="301320"/>
-            <a:ext cx="9071640" cy="1262160"/>
+            <a:ext cx="9070200" cy="1260720"/>
           </a:xfrm>
           <a:prstGeom prst="rect">
             <a:avLst/>
@@ -2806,10 +5122,20 @@
             <a:noFill/>
           </a:ln>
         </p:spPr>
+        <p:style>
+          <a:lnRef idx="0"/>
+          <a:fillRef idx="0"/>
+          <a:effectRef idx="0"/>
+          <a:fontRef idx="minor"/>
+        </p:style>
         <p:txBody>
           <a:bodyPr lIns="0" rIns="0" tIns="0" bIns="0" anchor="ctr"/>
           <a:p>
-            <a:pPr algn="ctr"/>
+            <a:pPr algn="ctr">
+              <a:lnSpc>
+                <a:spcPct val="100000"/>
+              </a:lnSpc>
+            </a:pPr>
             <a:r>
               <a:rPr b="0" lang="de-DE" sz="4400" spc="-1" strike="noStrike">
                 <a:solidFill>
@@ -2821,33 +5147,34 @@
                   </a:solidFill>
                 </a:uFill>
                 <a:latin typeface="Arial"/>
+                <a:ea typeface="DejaVu Sans"/>
               </a:rPr>
               <a:t>Quantitative Methoden</a:t>
             </a:r>
-            <a:endParaRPr b="0" lang="de-DE" sz="4400" spc="-1" strike="noStrike">
-              <a:solidFill>
-                <a:srgbClr val="000000"/>
-              </a:solidFill>
-              <a:uFill>
-                <a:solidFill>
-                  <a:srgbClr val="ffffff"/>
-                </a:solidFill>
-              </a:uFill>
-              <a:latin typeface="Arial"/>
-            </a:endParaRPr>
-          </a:p>
-        </p:txBody>
-      </p:sp>
-      <p:sp>
-        <p:nvSpPr>
-          <p:cNvPr id="46" name="TextShape 2"/>
-          <p:cNvSpPr txBox="1"/>
+            <a:endParaRPr b="0" lang="de-DE" sz="1800" spc="-1" strike="noStrike">
+              <a:solidFill>
+                <a:srgbClr val="000000"/>
+              </a:solidFill>
+              <a:uFill>
+                <a:solidFill>
+                  <a:srgbClr val="ffffff"/>
+                </a:solidFill>
+              </a:uFill>
+              <a:latin typeface="Arial"/>
+            </a:endParaRPr>
+          </a:p>
+        </p:txBody>
+      </p:sp>
+      <p:sp>
+        <p:nvSpPr>
+          <p:cNvPr id="79" name="CustomShape 2"/>
+          <p:cNvSpPr/>
           <p:nvPr/>
         </p:nvSpPr>
         <p:spPr>
           <a:xfrm>
             <a:off x="504000" y="1769040"/>
-            <a:ext cx="9071640" cy="4384440"/>
+            <a:ext cx="9070200" cy="4383000"/>
           </a:xfrm>
           <a:prstGeom prst="rect">
             <a:avLst/>
@@ -2857,10 +5184,19 @@
             <a:noFill/>
           </a:ln>
         </p:spPr>
+        <p:style>
+          <a:lnRef idx="0"/>
+          <a:fillRef idx="0"/>
+          <a:effectRef idx="0"/>
+          <a:fontRef idx="minor"/>
+        </p:style>
         <p:txBody>
           <a:bodyPr lIns="0" rIns="0" tIns="0" bIns="0"/>
           <a:p>
-            <a:pPr marL="432000" indent="-324000">
+            <a:pPr marL="432000" indent="-322560">
+              <a:lnSpc>
+                <a:spcPct val="100000"/>
+              </a:lnSpc>
               <a:buClr>
                 <a:srgbClr val="000000"/>
               </a:buClr>
@@ -2879,23 +5215,27 @@
                   </a:solidFill>
                 </a:uFill>
                 <a:latin typeface="Arial"/>
+                <a:ea typeface="DejaVu Sans"/>
               </a:rPr>
               <a:t>Beispiel:</a:t>
             </a:r>
-            <a:endParaRPr b="0" lang="de-DE" sz="3200" spc="-1" strike="noStrike">
-              <a:solidFill>
-                <a:srgbClr val="000000"/>
-              </a:solidFill>
-              <a:uFill>
-                <a:solidFill>
-                  <a:srgbClr val="ffffff"/>
-                </a:solidFill>
-              </a:uFill>
-              <a:latin typeface="Arial"/>
-            </a:endParaRPr>
-          </a:p>
-          <a:p>
-            <a:pPr marL="432000" indent="-324000">
+            <a:endParaRPr b="0" lang="de-DE" sz="1800" spc="-1" strike="noStrike">
+              <a:solidFill>
+                <a:srgbClr val="000000"/>
+              </a:solidFill>
+              <a:uFill>
+                <a:solidFill>
+                  <a:srgbClr val="ffffff"/>
+                </a:solidFill>
+              </a:uFill>
+              <a:latin typeface="Arial"/>
+            </a:endParaRPr>
+          </a:p>
+          <a:p>
+            <a:pPr marL="432000" indent="-322560">
+              <a:lnSpc>
+                <a:spcPct val="100000"/>
+              </a:lnSpc>
               <a:buClr>
                 <a:srgbClr val="000000"/>
               </a:buClr>
@@ -2914,23 +5254,27 @@
                   </a:solidFill>
                 </a:uFill>
                 <a:latin typeface="Arial"/>
+                <a:ea typeface="DejaVu Sans"/>
               </a:rPr>
               <a:t>ALE model (Annual Loss Expected)</a:t>
             </a:r>
-            <a:endParaRPr b="0" lang="de-DE" sz="3200" spc="-1" strike="noStrike">
-              <a:solidFill>
-                <a:srgbClr val="000000"/>
-              </a:solidFill>
-              <a:uFill>
-                <a:solidFill>
-                  <a:srgbClr val="ffffff"/>
-                </a:solidFill>
-              </a:uFill>
-              <a:latin typeface="Arial"/>
-            </a:endParaRPr>
-          </a:p>
-          <a:p>
-            <a:pPr marL="432000" indent="-324000">
+            <a:endParaRPr b="0" lang="de-DE" sz="1800" spc="-1" strike="noStrike">
+              <a:solidFill>
+                <a:srgbClr val="000000"/>
+              </a:solidFill>
+              <a:uFill>
+                <a:solidFill>
+                  <a:srgbClr val="ffffff"/>
+                </a:solidFill>
+              </a:uFill>
+              <a:latin typeface="Arial"/>
+            </a:endParaRPr>
+          </a:p>
+          <a:p>
+            <a:pPr marL="432000" indent="-322560">
+              <a:lnSpc>
+                <a:spcPct val="100000"/>
+              </a:lnSpc>
               <a:buClr>
                 <a:srgbClr val="000000"/>
               </a:buClr>
@@ -2949,23 +5293,27 @@
                   </a:solidFill>
                 </a:uFill>
                 <a:latin typeface="Arial"/>
+                <a:ea typeface="DejaVu Sans"/>
               </a:rPr>
               <a:t>ALE = (Probability of event) x (value of loss)</a:t>
             </a:r>
-            <a:endParaRPr b="0" lang="de-DE" sz="3200" spc="-1" strike="noStrike">
-              <a:solidFill>
-                <a:srgbClr val="000000"/>
-              </a:solidFill>
-              <a:uFill>
-                <a:solidFill>
-                  <a:srgbClr val="ffffff"/>
-                </a:solidFill>
-              </a:uFill>
-              <a:latin typeface="Arial"/>
-            </a:endParaRPr>
-          </a:p>
-          <a:p>
-            <a:pPr marL="432000" indent="-324000">
+            <a:endParaRPr b="0" lang="de-DE" sz="1800" spc="-1" strike="noStrike">
+              <a:solidFill>
+                <a:srgbClr val="000000"/>
+              </a:solidFill>
+              <a:uFill>
+                <a:solidFill>
+                  <a:srgbClr val="ffffff"/>
+                </a:solidFill>
+              </a:uFill>
+              <a:latin typeface="Arial"/>
+            </a:endParaRPr>
+          </a:p>
+          <a:p>
+            <a:pPr marL="432000" indent="-322560">
+              <a:lnSpc>
+                <a:spcPct val="100000"/>
+              </a:lnSpc>
               <a:buClr>
                 <a:srgbClr val="000000"/>
               </a:buClr>
@@ -2984,10 +5332,11 @@
                   </a:solidFill>
                 </a:uFill>
                 <a:latin typeface="Arial"/>
+                <a:ea typeface="DejaVu Sans"/>
               </a:rPr>
               <a:t>Summe aller prognostizierten Verluste</a:t>
             </a:r>
-            <a:endParaRPr b="0" lang="de-DE" sz="3200" spc="-1" strike="noStrike">
+            <a:endParaRPr b="0" lang="de-DE" sz="1800" spc="-1" strike="noStrike">
               <a:solidFill>
                 <a:srgbClr val="000000"/>
               </a:solidFill>
@@ -3052,14 +5401,14 @@
       </p:grpSpPr>
       <p:sp>
         <p:nvSpPr>
-          <p:cNvPr id="47" name="TextShape 1"/>
-          <p:cNvSpPr txBox="1"/>
+          <p:cNvPr id="80" name="CustomShape 1"/>
+          <p:cNvSpPr/>
           <p:nvPr/>
         </p:nvSpPr>
         <p:spPr>
           <a:xfrm>
             <a:off x="504000" y="301320"/>
-            <a:ext cx="9071640" cy="1262160"/>
+            <a:ext cx="9070200" cy="1260720"/>
           </a:xfrm>
           <a:prstGeom prst="rect">
             <a:avLst/>
@@ -3069,10 +5418,20 @@
             <a:noFill/>
           </a:ln>
         </p:spPr>
+        <p:style>
+          <a:lnRef idx="0"/>
+          <a:fillRef idx="0"/>
+          <a:effectRef idx="0"/>
+          <a:fontRef idx="minor"/>
+        </p:style>
         <p:txBody>
           <a:bodyPr lIns="0" rIns="0" tIns="0" bIns="0" anchor="ctr"/>
           <a:p>
-            <a:pPr algn="ctr"/>
+            <a:pPr algn="ctr">
+              <a:lnSpc>
+                <a:spcPct val="100000"/>
+              </a:lnSpc>
+            </a:pPr>
             <a:r>
               <a:rPr b="0" lang="de-DE" sz="4400" spc="-1" strike="noStrike">
                 <a:solidFill>
@@ -3084,33 +5443,34 @@
                   </a:solidFill>
                 </a:uFill>
                 <a:latin typeface="Arial"/>
+                <a:ea typeface="DejaVu Sans"/>
               </a:rPr>
               <a:t>Qualitative Methoden</a:t>
             </a:r>
-            <a:endParaRPr b="0" lang="de-DE" sz="4400" spc="-1" strike="noStrike">
-              <a:solidFill>
-                <a:srgbClr val="000000"/>
-              </a:solidFill>
-              <a:uFill>
-                <a:solidFill>
-                  <a:srgbClr val="ffffff"/>
-                </a:solidFill>
-              </a:uFill>
-              <a:latin typeface="Arial"/>
-            </a:endParaRPr>
-          </a:p>
-        </p:txBody>
-      </p:sp>
-      <p:sp>
-        <p:nvSpPr>
-          <p:cNvPr id="48" name="TextShape 2"/>
-          <p:cNvSpPr txBox="1"/>
+            <a:endParaRPr b="0" lang="de-DE" sz="1800" spc="-1" strike="noStrike">
+              <a:solidFill>
+                <a:srgbClr val="000000"/>
+              </a:solidFill>
+              <a:uFill>
+                <a:solidFill>
+                  <a:srgbClr val="ffffff"/>
+                </a:solidFill>
+              </a:uFill>
+              <a:latin typeface="Arial"/>
+            </a:endParaRPr>
+          </a:p>
+        </p:txBody>
+      </p:sp>
+      <p:sp>
+        <p:nvSpPr>
+          <p:cNvPr id="81" name="CustomShape 2"/>
+          <p:cNvSpPr/>
           <p:nvPr/>
         </p:nvSpPr>
         <p:spPr>
           <a:xfrm>
             <a:off x="504000" y="1769040"/>
-            <a:ext cx="9071640" cy="4384440"/>
+            <a:ext cx="9070200" cy="4383000"/>
           </a:xfrm>
           <a:prstGeom prst="rect">
             <a:avLst/>
@@ -3120,10 +5480,19 @@
             <a:noFill/>
           </a:ln>
         </p:spPr>
+        <p:style>
+          <a:lnRef idx="0"/>
+          <a:fillRef idx="0"/>
+          <a:effectRef idx="0"/>
+          <a:fontRef idx="minor"/>
+        </p:style>
         <p:txBody>
           <a:bodyPr lIns="0" rIns="0" tIns="0" bIns="0"/>
           <a:p>
-            <a:pPr marL="432000" indent="-324000">
+            <a:pPr marL="432000" indent="-322560">
+              <a:lnSpc>
+                <a:spcPct val="100000"/>
+              </a:lnSpc>
               <a:buClr>
                 <a:srgbClr val="000000"/>
               </a:buClr>
@@ -3142,23 +5511,27 @@
                   </a:solidFill>
                 </a:uFill>
                 <a:latin typeface="Arial"/>
+                <a:ea typeface="DejaVu Sans"/>
               </a:rPr>
               <a:t>Beschreibungen, Empfehlungen,     </a:t>
             </a:r>
-            <a:endParaRPr b="0" lang="de-DE" sz="3200" spc="-1" strike="noStrike">
-              <a:solidFill>
-                <a:srgbClr val="000000"/>
-              </a:solidFill>
-              <a:uFill>
-                <a:solidFill>
-                  <a:srgbClr val="ffffff"/>
-                </a:solidFill>
-              </a:uFill>
-              <a:latin typeface="Arial"/>
-            </a:endParaRPr>
-          </a:p>
-          <a:p>
-            <a:pPr marL="432000" indent="-324000">
+            <a:endParaRPr b="0" lang="de-DE" sz="1800" spc="-1" strike="noStrike">
+              <a:solidFill>
+                <a:srgbClr val="000000"/>
+              </a:solidFill>
+              <a:uFill>
+                <a:solidFill>
+                  <a:srgbClr val="ffffff"/>
+                </a:solidFill>
+              </a:uFill>
+              <a:latin typeface="Arial"/>
+            </a:endParaRPr>
+          </a:p>
+          <a:p>
+            <a:pPr marL="432000" indent="-322560">
+              <a:lnSpc>
+                <a:spcPct val="100000"/>
+              </a:lnSpc>
               <a:buClr>
                 <a:srgbClr val="000000"/>
               </a:buClr>
@@ -3177,23 +5550,27 @@
                   </a:solidFill>
                 </a:uFill>
                 <a:latin typeface="Arial"/>
+                <a:ea typeface="DejaVu Sans"/>
               </a:rPr>
               <a:t>qualitative Beschreibung der Vermögenswerte,</a:t>
             </a:r>
-            <a:endParaRPr b="0" lang="de-DE" sz="3200" spc="-1" strike="noStrike">
-              <a:solidFill>
-                <a:srgbClr val="000000"/>
-              </a:solidFill>
-              <a:uFill>
-                <a:solidFill>
-                  <a:srgbClr val="ffffff"/>
-                </a:solidFill>
-              </a:uFill>
-              <a:latin typeface="Arial"/>
-            </a:endParaRPr>
-          </a:p>
-          <a:p>
-            <a:pPr marL="432000" indent="-324000">
+            <a:endParaRPr b="0" lang="de-DE" sz="1800" spc="-1" strike="noStrike">
+              <a:solidFill>
+                <a:srgbClr val="000000"/>
+              </a:solidFill>
+              <a:uFill>
+                <a:solidFill>
+                  <a:srgbClr val="ffffff"/>
+                </a:solidFill>
+              </a:uFill>
+              <a:latin typeface="Arial"/>
+            </a:endParaRPr>
+          </a:p>
+          <a:p>
+            <a:pPr marL="432000" indent="-322560">
+              <a:lnSpc>
+                <a:spcPct val="100000"/>
+              </a:lnSpc>
               <a:buClr>
                 <a:srgbClr val="000000"/>
               </a:buClr>
@@ -3212,10 +5589,11 @@
                   </a:solidFill>
                 </a:uFill>
                 <a:latin typeface="Arial"/>
+                <a:ea typeface="DejaVu Sans"/>
               </a:rPr>
               <a:t>Beschreibung von Angreifer-Szenarien</a:t>
             </a:r>
-            <a:endParaRPr b="0" lang="de-DE" sz="3200" spc="-1" strike="noStrike">
+            <a:endParaRPr b="0" lang="de-DE" sz="1800" spc="-1" strike="noStrike">
               <a:solidFill>
                 <a:srgbClr val="000000"/>
               </a:solidFill>
@@ -3280,14 +5658,14 @@
       </p:grpSpPr>
       <p:sp>
         <p:nvSpPr>
-          <p:cNvPr id="49" name="TextShape 1"/>
-          <p:cNvSpPr txBox="1"/>
+          <p:cNvPr id="82" name="CustomShape 1"/>
+          <p:cNvSpPr/>
           <p:nvPr/>
         </p:nvSpPr>
         <p:spPr>
           <a:xfrm>
             <a:off x="504000" y="301320"/>
-            <a:ext cx="9071640" cy="1262160"/>
+            <a:ext cx="9070200" cy="1260720"/>
           </a:xfrm>
           <a:prstGeom prst="rect">
             <a:avLst/>
@@ -3297,10 +5675,20 @@
             <a:noFill/>
           </a:ln>
         </p:spPr>
+        <p:style>
+          <a:lnRef idx="0"/>
+          <a:fillRef idx="0"/>
+          <a:effectRef idx="0"/>
+          <a:fontRef idx="minor"/>
+        </p:style>
         <p:txBody>
           <a:bodyPr lIns="0" rIns="0" tIns="0" bIns="0" anchor="ctr"/>
           <a:p>
-            <a:pPr algn="ctr"/>
+            <a:pPr algn="ctr">
+              <a:lnSpc>
+                <a:spcPct val="100000"/>
+              </a:lnSpc>
+            </a:pPr>
             <a:r>
               <a:rPr b="0" lang="de-DE" sz="4400" spc="-1" strike="noStrike">
                 <a:solidFill>
@@ -3312,33 +5700,34 @@
                   </a:solidFill>
                 </a:uFill>
                 <a:latin typeface="Arial"/>
+                <a:ea typeface="DejaVu Sans"/>
               </a:rPr>
               <a:t>Qualitative Methoden</a:t>
             </a:r>
-            <a:endParaRPr b="0" lang="de-DE" sz="4400" spc="-1" strike="noStrike">
-              <a:solidFill>
-                <a:srgbClr val="000000"/>
-              </a:solidFill>
-              <a:uFill>
-                <a:solidFill>
-                  <a:srgbClr val="ffffff"/>
-                </a:solidFill>
-              </a:uFill>
-              <a:latin typeface="Arial"/>
-            </a:endParaRPr>
-          </a:p>
-        </p:txBody>
-      </p:sp>
-      <p:sp>
-        <p:nvSpPr>
-          <p:cNvPr id="50" name="TextShape 2"/>
-          <p:cNvSpPr txBox="1"/>
+            <a:endParaRPr b="0" lang="de-DE" sz="1800" spc="-1" strike="noStrike">
+              <a:solidFill>
+                <a:srgbClr val="000000"/>
+              </a:solidFill>
+              <a:uFill>
+                <a:solidFill>
+                  <a:srgbClr val="ffffff"/>
+                </a:solidFill>
+              </a:uFill>
+              <a:latin typeface="Arial"/>
+            </a:endParaRPr>
+          </a:p>
+        </p:txBody>
+      </p:sp>
+      <p:sp>
+        <p:nvSpPr>
+          <p:cNvPr id="83" name="CustomShape 2"/>
+          <p:cNvSpPr/>
           <p:nvPr/>
         </p:nvSpPr>
         <p:spPr>
           <a:xfrm>
             <a:off x="504000" y="1769040"/>
-            <a:ext cx="9071640" cy="4384440"/>
+            <a:ext cx="9070200" cy="4383000"/>
           </a:xfrm>
           <a:prstGeom prst="rect">
             <a:avLst/>
@@ -3348,10 +5737,19 @@
             <a:noFill/>
           </a:ln>
         </p:spPr>
+        <p:style>
+          <a:lnRef idx="0"/>
+          <a:fillRef idx="0"/>
+          <a:effectRef idx="0"/>
+          <a:fontRef idx="minor"/>
+        </p:style>
         <p:txBody>
           <a:bodyPr lIns="0" rIns="0" tIns="0" bIns="0"/>
           <a:p>
-            <a:pPr marL="432000" indent="-324000">
+            <a:pPr marL="432000" indent="-322560">
+              <a:lnSpc>
+                <a:spcPct val="100000"/>
+              </a:lnSpc>
               <a:buClr>
                 <a:srgbClr val="000000"/>
               </a:buClr>
@@ -3370,23 +5768,27 @@
                   </a:solidFill>
                 </a:uFill>
                 <a:latin typeface="Arial"/>
+                <a:ea typeface="DejaVu Sans"/>
               </a:rPr>
               <a:t>Vorteile</a:t>
             </a:r>
-            <a:endParaRPr b="0" lang="de-DE" sz="3200" spc="-1" strike="noStrike">
-              <a:solidFill>
-                <a:srgbClr val="000000"/>
-              </a:solidFill>
-              <a:uFill>
-                <a:solidFill>
-                  <a:srgbClr val="ffffff"/>
-                </a:solidFill>
-              </a:uFill>
-              <a:latin typeface="Arial"/>
-            </a:endParaRPr>
-          </a:p>
-          <a:p>
-            <a:pPr marL="432000" indent="-324000">
+            <a:endParaRPr b="0" lang="de-DE" sz="1800" spc="-1" strike="noStrike">
+              <a:solidFill>
+                <a:srgbClr val="000000"/>
+              </a:solidFill>
+              <a:uFill>
+                <a:solidFill>
+                  <a:srgbClr val="ffffff"/>
+                </a:solidFill>
+              </a:uFill>
+              <a:latin typeface="Arial"/>
+            </a:endParaRPr>
+          </a:p>
+          <a:p>
+            <a:pPr marL="432000" indent="-322560">
+              <a:lnSpc>
+                <a:spcPct val="100000"/>
+              </a:lnSpc>
               <a:buClr>
                 <a:srgbClr val="000000"/>
               </a:buClr>
@@ -3405,23 +5807,27 @@
                   </a:solidFill>
                 </a:uFill>
                 <a:latin typeface="Arial"/>
+                <a:ea typeface="DejaVu Sans"/>
               </a:rPr>
               <a:t>- Einschätzung der Risiken ohne größeren Aufwand, Zeit und Kosten</a:t>
             </a:r>
-            <a:endParaRPr b="0" lang="de-DE" sz="3200" spc="-1" strike="noStrike">
-              <a:solidFill>
-                <a:srgbClr val="000000"/>
-              </a:solidFill>
-              <a:uFill>
-                <a:solidFill>
-                  <a:srgbClr val="ffffff"/>
-                </a:solidFill>
-              </a:uFill>
-              <a:latin typeface="Arial"/>
-            </a:endParaRPr>
-          </a:p>
-          <a:p>
-            <a:pPr marL="432000" indent="-324000">
+            <a:endParaRPr b="0" lang="de-DE" sz="1800" spc="-1" strike="noStrike">
+              <a:solidFill>
+                <a:srgbClr val="000000"/>
+              </a:solidFill>
+              <a:uFill>
+                <a:solidFill>
+                  <a:srgbClr val="ffffff"/>
+                </a:solidFill>
+              </a:uFill>
+              <a:latin typeface="Arial"/>
+            </a:endParaRPr>
+          </a:p>
+          <a:p>
+            <a:pPr marL="432000" indent="-322560">
+              <a:lnSpc>
+                <a:spcPct val="100000"/>
+              </a:lnSpc>
               <a:buClr>
                 <a:srgbClr val="000000"/>
               </a:buClr>
@@ -3440,10 +5846,11 @@
                   </a:solidFill>
                 </a:uFill>
                 <a:latin typeface="Arial"/>
+                <a:ea typeface="DejaVu Sans"/>
               </a:rPr>
               <a:t>- Erlaubt eine einfachere Einordnung der Risiken nach Priorität</a:t>
             </a:r>
-            <a:endParaRPr b="0" lang="de-DE" sz="3200" spc="-1" strike="noStrike">
+            <a:endParaRPr b="0" lang="de-DE" sz="1800" spc="-1" strike="noStrike">
               <a:solidFill>
                 <a:srgbClr val="000000"/>
               </a:solidFill>
@@ -3508,14 +5915,14 @@
       </p:grpSpPr>
       <p:sp>
         <p:nvSpPr>
-          <p:cNvPr id="51" name="TextShape 1"/>
-          <p:cNvSpPr txBox="1"/>
+          <p:cNvPr id="84" name="CustomShape 1"/>
+          <p:cNvSpPr/>
           <p:nvPr/>
         </p:nvSpPr>
         <p:spPr>
           <a:xfrm>
             <a:off x="504000" y="301320"/>
-            <a:ext cx="9071640" cy="1262160"/>
+            <a:ext cx="9070200" cy="1260720"/>
           </a:xfrm>
           <a:prstGeom prst="rect">
             <a:avLst/>
@@ -3525,10 +5932,20 @@
             <a:noFill/>
           </a:ln>
         </p:spPr>
+        <p:style>
+          <a:lnRef idx="0"/>
+          <a:fillRef idx="0"/>
+          <a:effectRef idx="0"/>
+          <a:fontRef idx="minor"/>
+        </p:style>
         <p:txBody>
           <a:bodyPr lIns="0" rIns="0" tIns="0" bIns="0" anchor="ctr"/>
           <a:p>
-            <a:pPr algn="ctr"/>
+            <a:pPr algn="ctr">
+              <a:lnSpc>
+                <a:spcPct val="100000"/>
+              </a:lnSpc>
+            </a:pPr>
             <a:r>
               <a:rPr b="0" lang="de-DE" sz="4400" spc="-1" strike="noStrike">
                 <a:solidFill>
@@ -3540,33 +5957,34 @@
                   </a:solidFill>
                 </a:uFill>
                 <a:latin typeface="Arial"/>
+                <a:ea typeface="DejaVu Sans"/>
               </a:rPr>
               <a:t>Qualitative Methoden</a:t>
             </a:r>
-            <a:endParaRPr b="0" lang="de-DE" sz="4400" spc="-1" strike="noStrike">
-              <a:solidFill>
-                <a:srgbClr val="000000"/>
-              </a:solidFill>
-              <a:uFill>
-                <a:solidFill>
-                  <a:srgbClr val="ffffff"/>
-                </a:solidFill>
-              </a:uFill>
-              <a:latin typeface="Arial"/>
-            </a:endParaRPr>
-          </a:p>
-        </p:txBody>
-      </p:sp>
-      <p:sp>
-        <p:nvSpPr>
-          <p:cNvPr id="52" name="TextShape 2"/>
-          <p:cNvSpPr txBox="1"/>
+            <a:endParaRPr b="0" lang="de-DE" sz="1800" spc="-1" strike="noStrike">
+              <a:solidFill>
+                <a:srgbClr val="000000"/>
+              </a:solidFill>
+              <a:uFill>
+                <a:solidFill>
+                  <a:srgbClr val="ffffff"/>
+                </a:solidFill>
+              </a:uFill>
+              <a:latin typeface="Arial"/>
+            </a:endParaRPr>
+          </a:p>
+        </p:txBody>
+      </p:sp>
+      <p:sp>
+        <p:nvSpPr>
+          <p:cNvPr id="85" name="CustomShape 2"/>
+          <p:cNvSpPr/>
           <p:nvPr/>
         </p:nvSpPr>
         <p:spPr>
           <a:xfrm>
             <a:off x="504000" y="1769040"/>
-            <a:ext cx="9071640" cy="4384440"/>
+            <a:ext cx="9070200" cy="4383000"/>
           </a:xfrm>
           <a:prstGeom prst="rect">
             <a:avLst/>
@@ -3576,10 +5994,19 @@
             <a:noFill/>
           </a:ln>
         </p:spPr>
+        <p:style>
+          <a:lnRef idx="0"/>
+          <a:fillRef idx="0"/>
+          <a:effectRef idx="0"/>
+          <a:fontRef idx="minor"/>
+        </p:style>
         <p:txBody>
           <a:bodyPr lIns="0" rIns="0" tIns="0" bIns="0"/>
           <a:p>
-            <a:pPr marL="432000" indent="-324000">
+            <a:pPr marL="432000" indent="-322560">
+              <a:lnSpc>
+                <a:spcPct val="100000"/>
+              </a:lnSpc>
               <a:buClr>
                 <a:srgbClr val="000000"/>
               </a:buClr>
@@ -3598,23 +6025,27 @@
                   </a:solidFill>
                 </a:uFill>
                 <a:latin typeface="Arial"/>
+                <a:ea typeface="DejaVu Sans"/>
               </a:rPr>
               <a:t>Nachteile</a:t>
             </a:r>
-            <a:endParaRPr b="0" lang="de-DE" sz="3200" spc="-1" strike="noStrike">
-              <a:solidFill>
-                <a:srgbClr val="000000"/>
-              </a:solidFill>
-              <a:uFill>
-                <a:solidFill>
-                  <a:srgbClr val="ffffff"/>
-                </a:solidFill>
-              </a:uFill>
-              <a:latin typeface="Arial"/>
-            </a:endParaRPr>
-          </a:p>
-          <a:p>
-            <a:pPr marL="432000" indent="-324000">
+            <a:endParaRPr b="0" lang="de-DE" sz="1800" spc="-1" strike="noStrike">
+              <a:solidFill>
+                <a:srgbClr val="000000"/>
+              </a:solidFill>
+              <a:uFill>
+                <a:solidFill>
+                  <a:srgbClr val="ffffff"/>
+                </a:solidFill>
+              </a:uFill>
+              <a:latin typeface="Arial"/>
+            </a:endParaRPr>
+          </a:p>
+          <a:p>
+            <a:pPr marL="432000" indent="-322560">
+              <a:lnSpc>
+                <a:spcPct val="100000"/>
+              </a:lnSpc>
               <a:buClr>
                 <a:srgbClr val="000000"/>
               </a:buClr>
@@ -3633,23 +6064,27 @@
                   </a:solidFill>
                 </a:uFill>
                 <a:latin typeface="Arial"/>
+                <a:ea typeface="DejaVu Sans"/>
               </a:rPr>
               <a:t>- Keine Bestimmung von Wahrscheinlichkeiten  möglich</a:t>
             </a:r>
-            <a:endParaRPr b="0" lang="de-DE" sz="3200" spc="-1" strike="noStrike">
-              <a:solidFill>
-                <a:srgbClr val="000000"/>
-              </a:solidFill>
-              <a:uFill>
-                <a:solidFill>
-                  <a:srgbClr val="ffffff"/>
-                </a:solidFill>
-              </a:uFill>
-              <a:latin typeface="Arial"/>
-            </a:endParaRPr>
-          </a:p>
-          <a:p>
-            <a:pPr marL="432000" indent="-324000">
+            <a:endParaRPr b="0" lang="de-DE" sz="1800" spc="-1" strike="noStrike">
+              <a:solidFill>
+                <a:srgbClr val="000000"/>
+              </a:solidFill>
+              <a:uFill>
+                <a:solidFill>
+                  <a:srgbClr val="ffffff"/>
+                </a:solidFill>
+              </a:uFill>
+              <a:latin typeface="Arial"/>
+            </a:endParaRPr>
+          </a:p>
+          <a:p>
+            <a:pPr marL="432000" indent="-322560">
+              <a:lnSpc>
+                <a:spcPct val="100000"/>
+              </a:lnSpc>
               <a:buClr>
                 <a:srgbClr val="000000"/>
               </a:buClr>
@@ -3668,23 +6103,27 @@
                   </a:solidFill>
                 </a:uFill>
                 <a:latin typeface="Arial"/>
+                <a:ea typeface="DejaVu Sans"/>
               </a:rPr>
               <a:t>- Kosten-Analyse schwieriger durchzuführen</a:t>
             </a:r>
-            <a:endParaRPr b="0" lang="de-DE" sz="3200" spc="-1" strike="noStrike">
-              <a:solidFill>
-                <a:srgbClr val="000000"/>
-              </a:solidFill>
-              <a:uFill>
-                <a:solidFill>
-                  <a:srgbClr val="ffffff"/>
-                </a:solidFill>
-              </a:uFill>
-              <a:latin typeface="Arial"/>
-            </a:endParaRPr>
-          </a:p>
-          <a:p>
-            <a:pPr marL="432000" indent="-324000">
+            <a:endParaRPr b="0" lang="de-DE" sz="1800" spc="-1" strike="noStrike">
+              <a:solidFill>
+                <a:srgbClr val="000000"/>
+              </a:solidFill>
+              <a:uFill>
+                <a:solidFill>
+                  <a:srgbClr val="ffffff"/>
+                </a:solidFill>
+              </a:uFill>
+              <a:latin typeface="Arial"/>
+            </a:endParaRPr>
+          </a:p>
+          <a:p>
+            <a:pPr marL="432000" indent="-322560">
+              <a:lnSpc>
+                <a:spcPct val="100000"/>
+              </a:lnSpc>
               <a:buClr>
                 <a:srgbClr val="000000"/>
               </a:buClr>
@@ -3703,10 +6142,11 @@
                   </a:solidFill>
                 </a:uFill>
                 <a:latin typeface="Arial"/>
+                <a:ea typeface="DejaVu Sans"/>
               </a:rPr>
               <a:t>- Resulate sind weniger akkurat und sind mehr geschätzt</a:t>
             </a:r>
-            <a:endParaRPr b="0" lang="de-DE" sz="3200" spc="-1" strike="noStrike">
+            <a:endParaRPr b="0" lang="de-DE" sz="1800" spc="-1" strike="noStrike">
               <a:solidFill>
                 <a:srgbClr val="000000"/>
               </a:solidFill>
@@ -3771,14 +6211,14 @@
       </p:grpSpPr>
       <p:sp>
         <p:nvSpPr>
-          <p:cNvPr id="53" name="TextShape 1"/>
-          <p:cNvSpPr txBox="1"/>
+          <p:cNvPr id="86" name="CustomShape 1"/>
+          <p:cNvSpPr/>
           <p:nvPr/>
         </p:nvSpPr>
         <p:spPr>
           <a:xfrm>
             <a:off x="504000" y="301320"/>
-            <a:ext cx="9071640" cy="1262160"/>
+            <a:ext cx="9070200" cy="1260720"/>
           </a:xfrm>
           <a:prstGeom prst="rect">
             <a:avLst/>
@@ -3788,10 +6228,20 @@
             <a:noFill/>
           </a:ln>
         </p:spPr>
+        <p:style>
+          <a:lnRef idx="0"/>
+          <a:fillRef idx="0"/>
+          <a:effectRef idx="0"/>
+          <a:fontRef idx="minor"/>
+        </p:style>
         <p:txBody>
           <a:bodyPr lIns="0" rIns="0" tIns="0" bIns="0" anchor="ctr"/>
           <a:p>
-            <a:pPr algn="ctr"/>
+            <a:pPr algn="ctr">
+              <a:lnSpc>
+                <a:spcPct val="100000"/>
+              </a:lnSpc>
+            </a:pPr>
             <a:r>
               <a:rPr b="0" lang="de-DE" sz="4400" spc="-1" strike="noStrike">
                 <a:solidFill>
@@ -3803,33 +6253,34 @@
                   </a:solidFill>
                 </a:uFill>
                 <a:latin typeface="Arial"/>
+                <a:ea typeface="DejaVu Sans"/>
               </a:rPr>
               <a:t>Angreifer-Modelle</a:t>
             </a:r>
-            <a:endParaRPr b="0" lang="de-DE" sz="4400" spc="-1" strike="noStrike">
-              <a:solidFill>
-                <a:srgbClr val="000000"/>
-              </a:solidFill>
-              <a:uFill>
-                <a:solidFill>
-                  <a:srgbClr val="ffffff"/>
-                </a:solidFill>
-              </a:uFill>
-              <a:latin typeface="Arial"/>
-            </a:endParaRPr>
-          </a:p>
-        </p:txBody>
-      </p:sp>
-      <p:sp>
-        <p:nvSpPr>
-          <p:cNvPr id="54" name="TextShape 2"/>
-          <p:cNvSpPr txBox="1"/>
+            <a:endParaRPr b="0" lang="de-DE" sz="1800" spc="-1" strike="noStrike">
+              <a:solidFill>
+                <a:srgbClr val="000000"/>
+              </a:solidFill>
+              <a:uFill>
+                <a:solidFill>
+                  <a:srgbClr val="ffffff"/>
+                </a:solidFill>
+              </a:uFill>
+              <a:latin typeface="Arial"/>
+            </a:endParaRPr>
+          </a:p>
+        </p:txBody>
+      </p:sp>
+      <p:sp>
+        <p:nvSpPr>
+          <p:cNvPr id="87" name="CustomShape 2"/>
+          <p:cNvSpPr/>
           <p:nvPr/>
         </p:nvSpPr>
         <p:spPr>
           <a:xfrm>
             <a:off x="504000" y="1769040"/>
-            <a:ext cx="9071640" cy="4384440"/>
+            <a:ext cx="9070200" cy="4383000"/>
           </a:xfrm>
           <a:prstGeom prst="rect">
             <a:avLst/>
@@ -3839,10 +6290,19 @@
             <a:noFill/>
           </a:ln>
         </p:spPr>
+        <p:style>
+          <a:lnRef idx="0"/>
+          <a:fillRef idx="0"/>
+          <a:effectRef idx="0"/>
+          <a:fontRef idx="minor"/>
+        </p:style>
         <p:txBody>
           <a:bodyPr lIns="0" rIns="0" tIns="0" bIns="0"/>
           <a:p>
-            <a:pPr marL="432000" indent="-324000">
+            <a:pPr marL="432000" indent="-322560">
+              <a:lnSpc>
+                <a:spcPct val="100000"/>
+              </a:lnSpc>
               <a:buClr>
                 <a:srgbClr val="000000"/>
               </a:buClr>
@@ -3851,7 +6311,7 @@
               <a:buChar char=""/>
             </a:pPr>
             <a:r>
-              <a:rPr b="0" lang="de-DE" sz="3200" spc="-1" strike="noStrike">
+              <a:rPr b="0" lang="de-DE" sz="2600" spc="-1" strike="noStrike">
                 <a:solidFill>
                   <a:srgbClr val="000000"/>
                 </a:solidFill>
@@ -3861,10 +6321,26 @@
                   </a:solidFill>
                 </a:uFill>
                 <a:latin typeface="Arial"/>
+                <a:ea typeface="DejaVu Sans"/>
               </a:rPr>
-              <a:t>Kill-Chain</a:t>
+              <a:t>Kill-Chain: dieses Modell definiert verschiedene Stufen eines Angriffes sowie einen kritischen Punkt (Exploitation), ab dem der Angriff um einiges schwieriger aufzuhalten ist. Mit dem Modell können d.h. Prioritäten in Bezug auf Sicherheitsmaßnahmen gelegt werden.</a:t>
             </a:r>
-            <a:endParaRPr b="0" lang="de-DE" sz="3200" spc="-1" strike="noStrike">
+            <a:r>
+              <a:rPr b="0" lang="de-DE" sz="3200" spc="-1" strike="noStrike">
+                <a:solidFill>
+                  <a:srgbClr val="000000"/>
+                </a:solidFill>
+                <a:uFill>
+                  <a:solidFill>
+                    <a:srgbClr val="ffffff"/>
+                  </a:solidFill>
+                </a:uFill>
+                <a:latin typeface="Arial"/>
+                <a:ea typeface="DejaVu Sans"/>
+              </a:rPr>
+              <a:t> </a:t>
+            </a:r>
+            <a:endParaRPr b="0" lang="de-DE" sz="1800" spc="-1" strike="noStrike">
               <a:solidFill>
                 <a:srgbClr val="000000"/>
               </a:solidFill>
@@ -3880,7 +6356,7 @@
       </p:sp>
       <p:pic>
         <p:nvPicPr>
-          <p:cNvPr id="55" name="" descr=""/>
+          <p:cNvPr id="88" name="" descr=""/>
           <p:cNvPicPr/>
           <p:nvPr/>
         </p:nvPicPr>
@@ -3890,8 +6366,8 @@
         </p:blipFill>
         <p:spPr>
           <a:xfrm>
-            <a:off x="379080" y="2855160"/>
-            <a:ext cx="9556920" cy="3048840"/>
+            <a:off x="1027080" y="4320000"/>
+            <a:ext cx="7755840" cy="2473200"/>
           </a:xfrm>
           <a:prstGeom prst="rect">
             <a:avLst/>
@@ -3952,14 +6428,14 @@
       </p:grpSpPr>
       <p:sp>
         <p:nvSpPr>
-          <p:cNvPr id="56" name="TextShape 1"/>
-          <p:cNvSpPr txBox="1"/>
+          <p:cNvPr id="89" name="CustomShape 1"/>
+          <p:cNvSpPr/>
           <p:nvPr/>
         </p:nvSpPr>
         <p:spPr>
           <a:xfrm>
             <a:off x="504000" y="301320"/>
-            <a:ext cx="5184000" cy="1262160"/>
+            <a:ext cx="5182560" cy="1260720"/>
           </a:xfrm>
           <a:prstGeom prst="rect">
             <a:avLst/>
@@ -3969,10 +6445,20 @@
             <a:noFill/>
           </a:ln>
         </p:spPr>
+        <p:style>
+          <a:lnRef idx="0"/>
+          <a:fillRef idx="0"/>
+          <a:effectRef idx="0"/>
+          <a:fontRef idx="minor"/>
+        </p:style>
         <p:txBody>
           <a:bodyPr lIns="0" rIns="0" tIns="0" bIns="0" anchor="ctr"/>
           <a:p>
-            <a:pPr algn="ctr"/>
+            <a:pPr algn="ctr">
+              <a:lnSpc>
+                <a:spcPct val="100000"/>
+              </a:lnSpc>
+            </a:pPr>
             <a:r>
               <a:rPr b="0" lang="de-DE" sz="4400" spc="-1" strike="noStrike">
                 <a:solidFill>
@@ -3984,68 +6470,11 @@
                   </a:solidFill>
                 </a:uFill>
                 <a:latin typeface="Arial"/>
+                <a:ea typeface="DejaVu Sans"/>
               </a:rPr>
               <a:t>Angreifer-Modelle</a:t>
             </a:r>
-            <a:endParaRPr b="0" lang="de-DE" sz="4400" spc="-1" strike="noStrike">
-              <a:solidFill>
-                <a:srgbClr val="000000"/>
-              </a:solidFill>
-              <a:uFill>
-                <a:solidFill>
-                  <a:srgbClr val="ffffff"/>
-                </a:solidFill>
-              </a:uFill>
-              <a:latin typeface="Arial"/>
-            </a:endParaRPr>
-          </a:p>
-        </p:txBody>
-      </p:sp>
-      <p:sp>
-        <p:nvSpPr>
-          <p:cNvPr id="57" name="TextShape 2"/>
-          <p:cNvSpPr txBox="1"/>
-          <p:nvPr/>
-        </p:nvSpPr>
-        <p:spPr>
-          <a:xfrm>
-            <a:off x="504000" y="1769040"/>
-            <a:ext cx="9071640" cy="4384440"/>
-          </a:xfrm>
-          <a:prstGeom prst="rect">
-            <a:avLst/>
-          </a:prstGeom>
-          <a:noFill/>
-          <a:ln>
-            <a:noFill/>
-          </a:ln>
-        </p:spPr>
-        <p:txBody>
-          <a:bodyPr lIns="0" rIns="0" tIns="0" bIns="0"/>
-          <a:p>
-            <a:pPr marL="432000" indent="-324000">
-              <a:buClr>
-                <a:srgbClr val="000000"/>
-              </a:buClr>
-              <a:buSzPct val="45000"/>
-              <a:buFont typeface="Wingdings" charset="2"/>
-              <a:buChar char=""/>
-            </a:pPr>
-            <a:r>
-              <a:rPr b="0" lang="de-DE" sz="3200" spc="-1" strike="noStrike">
-                <a:solidFill>
-                  <a:srgbClr val="000000"/>
-                </a:solidFill>
-                <a:uFill>
-                  <a:solidFill>
-                    <a:srgbClr val="ffffff"/>
-                  </a:solidFill>
-                </a:uFill>
-                <a:latin typeface="Arial"/>
-              </a:rPr>
-              <a:t>Attack-Graph</a:t>
-            </a:r>
-            <a:endParaRPr b="0" lang="de-DE" sz="3200" spc="-1" strike="noStrike">
+            <a:endParaRPr b="0" lang="de-DE" sz="1800" spc="-1" strike="noStrike">
               <a:solidFill>
                 <a:srgbClr val="000000"/>
               </a:solidFill>
@@ -4061,7 +6490,7 @@
       </p:sp>
       <p:pic>
         <p:nvPicPr>
-          <p:cNvPr id="58" name="" descr=""/>
+          <p:cNvPr id="90" name="" descr=""/>
           <p:cNvPicPr/>
           <p:nvPr/>
         </p:nvPicPr>
@@ -4071,8 +6500,8 @@
         </p:blipFill>
         <p:spPr>
           <a:xfrm>
-            <a:off x="5472000" y="72360"/>
-            <a:ext cx="4739400" cy="7559640"/>
+            <a:off x="6153840" y="720000"/>
+            <a:ext cx="3926520" cy="6263640"/>
           </a:xfrm>
           <a:prstGeom prst="rect">
             <a:avLst/>
@@ -4082,6 +6511,359 @@
           </a:ln>
         </p:spPr>
       </p:pic>
+      <p:sp>
+        <p:nvSpPr>
+          <p:cNvPr id="91" name="TextShape 2"/>
+          <p:cNvSpPr txBox="1"/>
+          <p:nvPr/>
+        </p:nvSpPr>
+        <p:spPr>
+          <a:xfrm>
+            <a:off x="792000" y="1979640"/>
+            <a:ext cx="5264640" cy="3780360"/>
+          </a:xfrm>
+          <a:prstGeom prst="rect">
+            <a:avLst/>
+          </a:prstGeom>
+          <a:noFill/>
+          <a:ln>
+            <a:noFill/>
+          </a:ln>
+        </p:spPr>
+        <p:txBody>
+          <a:bodyPr lIns="90000" rIns="90000" tIns="45000" bIns="45000"/>
+          <a:p>
+            <a:pPr>
+              <a:lnSpc>
+                <a:spcPct val="100000"/>
+              </a:lnSpc>
+            </a:pPr>
+            <a:r>
+              <a:rPr b="0" lang="de-DE" sz="2600" spc="-1" strike="noStrike">
+                <a:solidFill>
+                  <a:srgbClr val="000000"/>
+                </a:solidFill>
+                <a:uFill>
+                  <a:solidFill>
+                    <a:srgbClr val="ffffff"/>
+                  </a:solidFill>
+                </a:uFill>
+                <a:latin typeface="Arial"/>
+                <a:ea typeface="DejaVu Sans"/>
+              </a:rPr>
+              <a:t>Attack-Graph: Mit diesem</a:t>
+            </a:r>
+            <a:endParaRPr b="0" lang="de-DE" sz="1800" spc="-1" strike="noStrike">
+              <a:solidFill>
+                <a:srgbClr val="000000"/>
+              </a:solidFill>
+              <a:uFill>
+                <a:solidFill>
+                  <a:srgbClr val="ffffff"/>
+                </a:solidFill>
+              </a:uFill>
+              <a:latin typeface="Arial"/>
+            </a:endParaRPr>
+          </a:p>
+          <a:p>
+            <a:pPr>
+              <a:lnSpc>
+                <a:spcPct val="100000"/>
+              </a:lnSpc>
+            </a:pPr>
+            <a:r>
+              <a:rPr b="0" lang="de-DE" sz="2600" spc="-1" strike="noStrike">
+                <a:solidFill>
+                  <a:srgbClr val="000000"/>
+                </a:solidFill>
+                <a:uFill>
+                  <a:solidFill>
+                    <a:srgbClr val="ffffff"/>
+                  </a:solidFill>
+                </a:uFill>
+                <a:latin typeface="Arial"/>
+                <a:ea typeface="DejaVu Sans"/>
+              </a:rPr>
+              <a:t>Modell können unterschiedliche</a:t>
+            </a:r>
+            <a:endParaRPr b="0" lang="de-DE" sz="1800" spc="-1" strike="noStrike">
+              <a:solidFill>
+                <a:srgbClr val="000000"/>
+              </a:solidFill>
+              <a:uFill>
+                <a:solidFill>
+                  <a:srgbClr val="ffffff"/>
+                </a:solidFill>
+              </a:uFill>
+              <a:latin typeface="Arial"/>
+            </a:endParaRPr>
+          </a:p>
+          <a:p>
+            <a:pPr>
+              <a:lnSpc>
+                <a:spcPct val="100000"/>
+              </a:lnSpc>
+            </a:pPr>
+            <a:r>
+              <a:rPr b="0" lang="de-DE" sz="2600" spc="-1" strike="noStrike">
+                <a:solidFill>
+                  <a:srgbClr val="000000"/>
+                </a:solidFill>
+                <a:uFill>
+                  <a:solidFill>
+                    <a:srgbClr val="ffffff"/>
+                  </a:solidFill>
+                </a:uFill>
+                <a:latin typeface="Arial"/>
+                <a:ea typeface="DejaVu Sans"/>
+              </a:rPr>
+              <a:t>Wege für ein geplantes Angriffsziel</a:t>
+            </a:r>
+            <a:endParaRPr b="0" lang="de-DE" sz="1800" spc="-1" strike="noStrike">
+              <a:solidFill>
+                <a:srgbClr val="000000"/>
+              </a:solidFill>
+              <a:uFill>
+                <a:solidFill>
+                  <a:srgbClr val="ffffff"/>
+                </a:solidFill>
+              </a:uFill>
+              <a:latin typeface="Arial"/>
+            </a:endParaRPr>
+          </a:p>
+          <a:p>
+            <a:pPr>
+              <a:lnSpc>
+                <a:spcPct val="100000"/>
+              </a:lnSpc>
+            </a:pPr>
+            <a:r>
+              <a:rPr b="0" lang="de-DE" sz="2600" spc="-1" strike="noStrike">
+                <a:solidFill>
+                  <a:srgbClr val="000000"/>
+                </a:solidFill>
+                <a:uFill>
+                  <a:solidFill>
+                    <a:srgbClr val="ffffff"/>
+                  </a:solidFill>
+                </a:uFill>
+                <a:latin typeface="Arial"/>
+                <a:ea typeface="DejaVu Sans"/>
+              </a:rPr>
+              <a:t>systematisch untersucht werden.</a:t>
+            </a:r>
+            <a:endParaRPr b="0" lang="de-DE" sz="1800" spc="-1" strike="noStrike">
+              <a:solidFill>
+                <a:srgbClr val="000000"/>
+              </a:solidFill>
+              <a:uFill>
+                <a:solidFill>
+                  <a:srgbClr val="ffffff"/>
+                </a:solidFill>
+              </a:uFill>
+              <a:latin typeface="Arial"/>
+            </a:endParaRPr>
+          </a:p>
+          <a:p>
+            <a:pPr>
+              <a:lnSpc>
+                <a:spcPct val="100000"/>
+              </a:lnSpc>
+            </a:pPr>
+            <a:r>
+              <a:rPr b="0" lang="de-DE" sz="2600" spc="-1" strike="noStrike">
+                <a:solidFill>
+                  <a:srgbClr val="000000"/>
+                </a:solidFill>
+                <a:uFill>
+                  <a:solidFill>
+                    <a:srgbClr val="ffffff"/>
+                  </a:solidFill>
+                </a:uFill>
+                <a:latin typeface="Arial"/>
+                <a:ea typeface="DejaVu Sans"/>
+              </a:rPr>
+              <a:t>Im Unterschied zum Bedrohungs-</a:t>
+            </a:r>
+            <a:endParaRPr b="0" lang="de-DE" sz="1800" spc="-1" strike="noStrike">
+              <a:solidFill>
+                <a:srgbClr val="000000"/>
+              </a:solidFill>
+              <a:uFill>
+                <a:solidFill>
+                  <a:srgbClr val="ffffff"/>
+                </a:solidFill>
+              </a:uFill>
+              <a:latin typeface="Arial"/>
+            </a:endParaRPr>
+          </a:p>
+          <a:p>
+            <a:pPr>
+              <a:lnSpc>
+                <a:spcPct val="100000"/>
+              </a:lnSpc>
+            </a:pPr>
+            <a:r>
+              <a:rPr b="0" lang="de-DE" sz="2600" spc="-1" strike="noStrike">
+                <a:solidFill>
+                  <a:srgbClr val="000000"/>
+                </a:solidFill>
+                <a:uFill>
+                  <a:solidFill>
+                    <a:srgbClr val="ffffff"/>
+                  </a:solidFill>
+                </a:uFill>
+                <a:latin typeface="Arial"/>
+                <a:ea typeface="DejaVu Sans"/>
+              </a:rPr>
+              <a:t>baum sind hier auch die Kanten</a:t>
+            </a:r>
+            <a:endParaRPr b="0" lang="de-DE" sz="1800" spc="-1" strike="noStrike">
+              <a:solidFill>
+                <a:srgbClr val="000000"/>
+              </a:solidFill>
+              <a:uFill>
+                <a:solidFill>
+                  <a:srgbClr val="ffffff"/>
+                </a:solidFill>
+              </a:uFill>
+              <a:latin typeface="Arial"/>
+            </a:endParaRPr>
+          </a:p>
+          <a:p>
+            <a:pPr>
+              <a:lnSpc>
+                <a:spcPct val="100000"/>
+              </a:lnSpc>
+            </a:pPr>
+            <a:r>
+              <a:rPr b="0" lang="de-DE" sz="2600" spc="-1" strike="noStrike">
+                <a:solidFill>
+                  <a:srgbClr val="000000"/>
+                </a:solidFill>
+                <a:uFill>
+                  <a:solidFill>
+                    <a:srgbClr val="ffffff"/>
+                  </a:solidFill>
+                </a:uFill>
+                <a:latin typeface="Arial"/>
+                <a:ea typeface="DejaVu Sans"/>
+              </a:rPr>
+              <a:t>beschriftet und Zwischenstationen</a:t>
+            </a:r>
+            <a:endParaRPr b="0" lang="de-DE" sz="1800" spc="-1" strike="noStrike">
+              <a:solidFill>
+                <a:srgbClr val="000000"/>
+              </a:solidFill>
+              <a:uFill>
+                <a:solidFill>
+                  <a:srgbClr val="ffffff"/>
+                </a:solidFill>
+              </a:uFill>
+              <a:latin typeface="Arial"/>
+            </a:endParaRPr>
+          </a:p>
+          <a:p>
+            <a:pPr>
+              <a:lnSpc>
+                <a:spcPct val="100000"/>
+              </a:lnSpc>
+            </a:pPr>
+            <a:r>
+              <a:rPr b="0" lang="de-DE" sz="2600" spc="-1" strike="noStrike">
+                <a:solidFill>
+                  <a:srgbClr val="000000"/>
+                </a:solidFill>
+                <a:uFill>
+                  <a:solidFill>
+                    <a:srgbClr val="ffffff"/>
+                  </a:solidFill>
+                </a:uFill>
+                <a:latin typeface="Arial"/>
+                <a:ea typeface="DejaVu Sans"/>
+              </a:rPr>
+              <a:t>aufgelistet, deswegen ist die</a:t>
+            </a:r>
+            <a:endParaRPr b="0" lang="de-DE" sz="1800" spc="-1" strike="noStrike">
+              <a:solidFill>
+                <a:srgbClr val="000000"/>
+              </a:solidFill>
+              <a:uFill>
+                <a:solidFill>
+                  <a:srgbClr val="ffffff"/>
+                </a:solidFill>
+              </a:uFill>
+              <a:latin typeface="Arial"/>
+            </a:endParaRPr>
+          </a:p>
+          <a:p>
+            <a:pPr>
+              <a:lnSpc>
+                <a:spcPct val="100000"/>
+              </a:lnSpc>
+            </a:pPr>
+            <a:r>
+              <a:rPr b="0" lang="de-DE" sz="2600" spc="-1" strike="noStrike">
+                <a:solidFill>
+                  <a:srgbClr val="000000"/>
+                </a:solidFill>
+                <a:uFill>
+                  <a:solidFill>
+                    <a:srgbClr val="ffffff"/>
+                  </a:solidFill>
+                </a:uFill>
+                <a:latin typeface="Arial"/>
+                <a:ea typeface="DejaVu Sans"/>
+              </a:rPr>
+              <a:t>Analyse „technischer“ und </a:t>
+            </a:r>
+            <a:endParaRPr b="0" lang="de-DE" sz="1800" spc="-1" strike="noStrike">
+              <a:solidFill>
+                <a:srgbClr val="000000"/>
+              </a:solidFill>
+              <a:uFill>
+                <a:solidFill>
+                  <a:srgbClr val="ffffff"/>
+                </a:solidFill>
+              </a:uFill>
+              <a:latin typeface="Arial"/>
+            </a:endParaRPr>
+          </a:p>
+          <a:p>
+            <a:pPr>
+              <a:lnSpc>
+                <a:spcPct val="100000"/>
+              </a:lnSpc>
+            </a:pPr>
+            <a:r>
+              <a:rPr b="0" lang="de-DE" sz="2600" spc="-1" strike="noStrike">
+                <a:solidFill>
+                  <a:srgbClr val="000000"/>
+                </a:solidFill>
+                <a:uFill>
+                  <a:solidFill>
+                    <a:srgbClr val="ffffff"/>
+                  </a:solidFill>
+                </a:uFill>
+                <a:latin typeface="Arial"/>
+                <a:ea typeface="DejaVu Sans"/>
+              </a:rPr>
+              <a:t>detaillierter </a:t>
+            </a:r>
+            <a:endParaRPr b="0" lang="de-DE" sz="1800" spc="-1" strike="noStrike">
+              <a:solidFill>
+                <a:srgbClr val="000000"/>
+              </a:solidFill>
+              <a:uFill>
+                <a:solidFill>
+                  <a:srgbClr val="ffffff"/>
+                </a:solidFill>
+              </a:uFill>
+              <a:latin typeface="Arial"/>
+            </a:endParaRPr>
+          </a:p>
+        </p:txBody>
+      </p:sp>
     </p:spTree>
   </p:cSld>
   <p:timing>
@@ -4335,4 +7117,227 @@
     </a:fmtScheme>
   </a:themeElements>
 </a:theme>
+</file>
+
+<file path=ppt/theme/theme2.xml><?xml version="1.0" encoding="utf-8"?>
+<a:theme xmlns:a="http://schemas.openxmlformats.org/drawingml/2006/main" name="Office Theme">
+  <a:themeElements>
+    <a:clrScheme name="Office">
+      <a:dk1>
+        <a:sysClr val="windowText" lastClr="000000"/>
+      </a:dk1>
+      <a:lt1>
+        <a:sysClr val="window" lastClr="FFFFFF"/>
+      </a:lt1>
+      <a:dk2>
+        <a:srgbClr val="1F497D"/>
+      </a:dk2>
+      <a:lt2>
+        <a:srgbClr val="EEECE1"/>
+      </a:lt2>
+      <a:accent1>
+        <a:srgbClr val="4F81BD"/>
+      </a:accent1>
+      <a:accent2>
+        <a:srgbClr val="C0504D"/>
+      </a:accent2>
+      <a:accent3>
+        <a:srgbClr val="9BBB59"/>
+      </a:accent3>
+      <a:accent4>
+        <a:srgbClr val="8064A2"/>
+      </a:accent4>
+      <a:accent5>
+        <a:srgbClr val="4BACC6"/>
+      </a:accent5>
+      <a:accent6>
+        <a:srgbClr val="F79646"/>
+      </a:accent6>
+      <a:hlink>
+        <a:srgbClr val="0000FF"/>
+      </a:hlink>
+      <a:folHlink>
+        <a:srgbClr val="800080"/>
+      </a:folHlink>
+    </a:clrScheme>
+    <a:fontScheme name="Office">
+      <a:majorFont>
+        <a:latin typeface="Arial"/>
+        <a:ea typeface="DejaVu Sans"/>
+        <a:cs typeface="DejaVu Sans"/>
+      </a:majorFont>
+      <a:minorFont>
+        <a:latin typeface="Arial"/>
+        <a:ea typeface="DejaVu Sans"/>
+        <a:cs typeface="DejaVu Sans"/>
+      </a:minorFont>
+    </a:fontScheme>
+    <a:fmtScheme name="Office">
+      <a:fillStyleLst>
+        <a:solidFill>
+          <a:schemeClr val="phClr"/>
+        </a:solidFill>
+        <a:gradFill rotWithShape="1">
+          <a:gsLst>
+            <a:gs pos="0">
+              <a:schemeClr val="phClr">
+                <a:tint val="50000"/>
+                <a:satMod val="300000"/>
+              </a:schemeClr>
+            </a:gs>
+            <a:gs pos="35000">
+              <a:schemeClr val="phClr">
+                <a:tint val="37000"/>
+                <a:satMod val="300000"/>
+              </a:schemeClr>
+            </a:gs>
+            <a:gs pos="100000">
+              <a:schemeClr val="phClr">
+                <a:tint val="15000"/>
+                <a:satMod val="350000"/>
+              </a:schemeClr>
+            </a:gs>
+          </a:gsLst>
+          <a:lin ang="16200000" scaled="1"/>
+        </a:gradFill>
+        <a:gradFill rotWithShape="1">
+          <a:gsLst>
+            <a:gs pos="0">
+              <a:schemeClr val="phClr">
+                <a:shade val="51000"/>
+                <a:satMod val="130000"/>
+              </a:schemeClr>
+            </a:gs>
+            <a:gs pos="80000">
+              <a:schemeClr val="phClr">
+                <a:shade val="93000"/>
+                <a:satMod val="130000"/>
+              </a:schemeClr>
+            </a:gs>
+            <a:gs pos="100000">
+              <a:schemeClr val="phClr">
+                <a:shade val="94000"/>
+                <a:satMod val="135000"/>
+              </a:schemeClr>
+            </a:gs>
+          </a:gsLst>
+          <a:lin ang="16200000" scaled="0"/>
+        </a:gradFill>
+      </a:fillStyleLst>
+      <a:lnStyleLst>
+        <a:ln w="9525" cap="flat" cmpd="sng" algn="ctr">
+          <a:solidFill>
+            <a:schemeClr val="phClr">
+              <a:shade val="95000"/>
+              <a:satMod val="105000"/>
+            </a:schemeClr>
+          </a:solidFill>
+          <a:prstDash val="solid"/>
+        </a:ln>
+        <a:ln w="25400" cap="flat" cmpd="sng" algn="ctr">
+          <a:solidFill>
+            <a:schemeClr val="phClr"/>
+          </a:solidFill>
+          <a:prstDash val="solid"/>
+        </a:ln>
+        <a:ln w="38100" cap="flat" cmpd="sng" algn="ctr">
+          <a:solidFill>
+            <a:schemeClr val="phClr"/>
+          </a:solidFill>
+          <a:prstDash val="solid"/>
+        </a:ln>
+      </a:lnStyleLst>
+      <a:effectStyleLst>
+        <a:effectStyle>
+          <a:effectLst>
+            <a:outerShdw blurRad="40000" dist="20000" dir="5400000" rotWithShape="0">
+              <a:srgbClr val="000000">
+                <a:alpha val="38000"/>
+              </a:srgbClr>
+            </a:outerShdw>
+          </a:effectLst>
+        </a:effectStyle>
+        <a:effectStyle>
+          <a:effectLst>
+            <a:outerShdw blurRad="40000" dist="23000" dir="5400000" rotWithShape="0">
+              <a:srgbClr val="000000">
+                <a:alpha val="35000"/>
+              </a:srgbClr>
+            </a:outerShdw>
+          </a:effectLst>
+        </a:effectStyle>
+        <a:effectStyle>
+          <a:effectLst>
+            <a:outerShdw blurRad="40000" dist="23000" dir="5400000" rotWithShape="0">
+              <a:srgbClr val="000000">
+                <a:alpha val="35000"/>
+              </a:srgbClr>
+            </a:outerShdw>
+          </a:effectLst>
+          <a:scene3d>
+            <a:camera prst="orthographicFront">
+              <a:rot lat="0" lon="0" rev="0"/>
+            </a:camera>
+            <a:lightRig rig="threePt" dir="t">
+              <a:rot lat="0" lon="0" rev="1200000"/>
+            </a:lightRig>
+          </a:scene3d>
+          <a:sp3d>
+            <a:bevelT w="63500" h="25400"/>
+          </a:sp3d>
+        </a:effectStyle>
+      </a:effectStyleLst>
+      <a:bgFillStyleLst>
+        <a:solidFill>
+          <a:schemeClr val="phClr"/>
+        </a:solidFill>
+        <a:gradFill rotWithShape="1">
+          <a:gsLst>
+            <a:gs pos="0">
+              <a:schemeClr val="phClr">
+                <a:tint val="40000"/>
+                <a:satMod val="350000"/>
+              </a:schemeClr>
+            </a:gs>
+            <a:gs pos="40000">
+              <a:schemeClr val="phClr">
+                <a:tint val="45000"/>
+                <a:shade val="99000"/>
+                <a:satMod val="350000"/>
+              </a:schemeClr>
+            </a:gs>
+            <a:gs pos="100000">
+              <a:schemeClr val="phClr">
+                <a:shade val="20000"/>
+                <a:satMod val="255000"/>
+              </a:schemeClr>
+            </a:gs>
+          </a:gsLst>
+          <a:path path="circle">
+            <a:fillToRect l="50000" t="-80000" r="50000" b="180000"/>
+          </a:path>
+        </a:gradFill>
+        <a:gradFill rotWithShape="1">
+          <a:gsLst>
+            <a:gs pos="0">
+              <a:schemeClr val="phClr">
+                <a:tint val="80000"/>
+                <a:satMod val="300000"/>
+              </a:schemeClr>
+            </a:gs>
+            <a:gs pos="100000">
+              <a:schemeClr val="phClr">
+                <a:shade val="30000"/>
+                <a:satMod val="200000"/>
+              </a:schemeClr>
+            </a:gs>
+          </a:gsLst>
+          <a:path path="circle">
+            <a:fillToRect l="50000" t="50000" r="50000" b="50000"/>
+          </a:path>
+        </a:gradFill>
+      </a:bgFillStyleLst>
+    </a:fmtScheme>
+  </a:themeElements>
+</a:theme>
 </file>
--- a/Präsentationen/Risiken_bewerten.pptx
+++ b/Präsentationen/Risiken_bewerten.pptx
@@ -16,6 +16,7 @@
     <p:sldId id="263" r:id="rId11"/>
     <p:sldId id="264" r:id="rId12"/>
     <p:sldId id="265" r:id="rId13"/>
+    <p:sldId id="266" r:id="rId14"/>
   </p:sldIdLst>
   <p:sldSz cx="10080625" cy="7559675"/>
   <p:notesSz cx="7559675" cy="10691812"/>
@@ -3022,35 +3023,7 @@
                 </a:uFill>
                 <a:latin typeface="Arial"/>
               </a:rPr>
-              <a:t>Format des </a:t>
-            </a:r>
-            <a:r>
-              <a:rPr b="0" lang="de-DE" sz="4400" spc="-1" strike="noStrike">
-                <a:solidFill>
-                  <a:srgbClr val="000000"/>
-                </a:solidFill>
-                <a:uFill>
-                  <a:solidFill>
-                    <a:srgbClr val="ffffff"/>
-                  </a:solidFill>
-                </a:uFill>
-                <a:latin typeface="Arial"/>
-              </a:rPr>
-              <a:t>Titeltextes durch </a:t>
-            </a:r>
-            <a:r>
-              <a:rPr b="0" lang="de-DE" sz="4400" spc="-1" strike="noStrike">
-                <a:solidFill>
-                  <a:srgbClr val="000000"/>
-                </a:solidFill>
-                <a:uFill>
-                  <a:solidFill>
-                    <a:srgbClr val="ffffff"/>
-                  </a:solidFill>
-                </a:uFill>
-                <a:latin typeface="Arial"/>
-              </a:rPr>
-              <a:t>Klicken bearbeiten</a:t>
+              <a:t>Format des Titeltextes durch Klicken bearbeiten</a:t>
             </a:r>
             <a:endParaRPr b="0" lang="de-DE" sz="4400" spc="-1" strike="noStrike">
               <a:solidFill>
@@ -3736,7 +3709,7 @@
         <p:spPr>
           <a:xfrm>
             <a:off x="504000" y="301320"/>
-            <a:ext cx="9070200" cy="1260720"/>
+            <a:ext cx="9069840" cy="1260360"/>
           </a:xfrm>
           <a:prstGeom prst="rect">
             <a:avLst/>
@@ -3798,7 +3771,7 @@
         <p:spPr>
           <a:xfrm>
             <a:off x="504360" y="1769400"/>
-            <a:ext cx="9070200" cy="4383000"/>
+            <a:ext cx="9069840" cy="4382640"/>
           </a:xfrm>
           <a:prstGeom prst="rect">
             <a:avLst/>
@@ -3817,7 +3790,7 @@
         <p:txBody>
           <a:bodyPr lIns="0" rIns="0" tIns="0" bIns="0"/>
           <a:p>
-            <a:pPr marL="432000" indent="-322560">
+            <a:pPr marL="432000" indent="-322200">
               <a:lnSpc>
                 <a:spcPct val="100000"/>
               </a:lnSpc>
@@ -3908,14 +3881,507 @@
       </p:grpSpPr>
       <p:sp>
         <p:nvSpPr>
-          <p:cNvPr id="92" name="CustomShape 1"/>
+          <p:cNvPr id="91" name="CustomShape 1"/>
           <p:cNvSpPr/>
           <p:nvPr/>
         </p:nvSpPr>
         <p:spPr>
           <a:xfrm>
             <a:off x="504000" y="301320"/>
-            <a:ext cx="9070200" cy="1260720"/>
+            <a:ext cx="5182200" cy="1260360"/>
+          </a:xfrm>
+          <a:prstGeom prst="rect">
+            <a:avLst/>
+          </a:prstGeom>
+          <a:noFill/>
+          <a:ln>
+            <a:noFill/>
+          </a:ln>
+        </p:spPr>
+        <p:style>
+          <a:lnRef idx="0"/>
+          <a:fillRef idx="0"/>
+          <a:effectRef idx="0"/>
+          <a:fontRef idx="minor"/>
+        </p:style>
+        <p:txBody>
+          <a:bodyPr lIns="0" rIns="0" tIns="0" bIns="0" anchor="ctr"/>
+          <a:p>
+            <a:pPr algn="ctr">
+              <a:lnSpc>
+                <a:spcPct val="100000"/>
+              </a:lnSpc>
+            </a:pPr>
+            <a:r>
+              <a:rPr b="0" lang="de-DE" sz="4400" spc="-1" strike="noStrike">
+                <a:solidFill>
+                  <a:srgbClr val="000000"/>
+                </a:solidFill>
+                <a:uFill>
+                  <a:solidFill>
+                    <a:srgbClr val="ffffff"/>
+                  </a:solidFill>
+                </a:uFill>
+                <a:latin typeface="Arial"/>
+                <a:ea typeface="DejaVu Sans"/>
+              </a:rPr>
+              <a:t>Angreifer-Modelle</a:t>
+            </a:r>
+            <a:endParaRPr b="0" lang="de-DE" sz="1800" spc="-1" strike="noStrike">
+              <a:solidFill>
+                <a:srgbClr val="000000"/>
+              </a:solidFill>
+              <a:uFill>
+                <a:solidFill>
+                  <a:srgbClr val="ffffff"/>
+                </a:solidFill>
+              </a:uFill>
+              <a:latin typeface="Arial"/>
+            </a:endParaRPr>
+          </a:p>
+        </p:txBody>
+      </p:sp>
+      <p:pic>
+        <p:nvPicPr>
+          <p:cNvPr id="92" name="" descr=""/>
+          <p:cNvPicPr/>
+          <p:nvPr/>
+        </p:nvPicPr>
+        <p:blipFill>
+          <a:blip r:embed="rId1"/>
+          <a:stretch/>
+        </p:blipFill>
+        <p:spPr>
+          <a:xfrm>
+            <a:off x="6153840" y="720000"/>
+            <a:ext cx="3926160" cy="6263280"/>
+          </a:xfrm>
+          <a:prstGeom prst="rect">
+            <a:avLst/>
+          </a:prstGeom>
+          <a:ln>
+            <a:noFill/>
+          </a:ln>
+        </p:spPr>
+      </p:pic>
+      <p:sp>
+        <p:nvSpPr>
+          <p:cNvPr id="93" name="CustomShape 2"/>
+          <p:cNvSpPr/>
+          <p:nvPr/>
+        </p:nvSpPr>
+        <p:spPr>
+          <a:xfrm>
+            <a:off x="792000" y="1979640"/>
+            <a:ext cx="5264280" cy="3780000"/>
+          </a:xfrm>
+          <a:prstGeom prst="rect">
+            <a:avLst/>
+          </a:prstGeom>
+          <a:noFill/>
+          <a:ln>
+            <a:noFill/>
+          </a:ln>
+        </p:spPr>
+        <p:style>
+          <a:lnRef idx="0"/>
+          <a:fillRef idx="0"/>
+          <a:effectRef idx="0"/>
+          <a:fontRef idx="minor"/>
+        </p:style>
+        <p:txBody>
+          <a:bodyPr lIns="90000" rIns="90000" tIns="45000" bIns="45000"/>
+          <a:p>
+            <a:pPr>
+              <a:lnSpc>
+                <a:spcPct val="100000"/>
+              </a:lnSpc>
+            </a:pPr>
+            <a:r>
+              <a:rPr b="0" lang="de-DE" sz="2600" spc="-1" strike="noStrike">
+                <a:solidFill>
+                  <a:srgbClr val="000000"/>
+                </a:solidFill>
+                <a:uFill>
+                  <a:solidFill>
+                    <a:srgbClr val="ffffff"/>
+                  </a:solidFill>
+                </a:uFill>
+                <a:latin typeface="Arial"/>
+                <a:ea typeface="DejaVu Sans"/>
+              </a:rPr>
+              <a:t>Attack-Graph: Mit diesem</a:t>
+            </a:r>
+            <a:endParaRPr b="0" lang="de-DE" sz="1800" spc="-1" strike="noStrike">
+              <a:solidFill>
+                <a:srgbClr val="000000"/>
+              </a:solidFill>
+              <a:uFill>
+                <a:solidFill>
+                  <a:srgbClr val="ffffff"/>
+                </a:solidFill>
+              </a:uFill>
+              <a:latin typeface="Arial"/>
+            </a:endParaRPr>
+          </a:p>
+          <a:p>
+            <a:pPr>
+              <a:lnSpc>
+                <a:spcPct val="100000"/>
+              </a:lnSpc>
+            </a:pPr>
+            <a:r>
+              <a:rPr b="0" lang="de-DE" sz="2600" spc="-1" strike="noStrike">
+                <a:solidFill>
+                  <a:srgbClr val="000000"/>
+                </a:solidFill>
+                <a:uFill>
+                  <a:solidFill>
+                    <a:srgbClr val="ffffff"/>
+                  </a:solidFill>
+                </a:uFill>
+                <a:latin typeface="Arial"/>
+                <a:ea typeface="DejaVu Sans"/>
+              </a:rPr>
+              <a:t>Modell können unterschiedliche</a:t>
+            </a:r>
+            <a:endParaRPr b="0" lang="de-DE" sz="1800" spc="-1" strike="noStrike">
+              <a:solidFill>
+                <a:srgbClr val="000000"/>
+              </a:solidFill>
+              <a:uFill>
+                <a:solidFill>
+                  <a:srgbClr val="ffffff"/>
+                </a:solidFill>
+              </a:uFill>
+              <a:latin typeface="Arial"/>
+            </a:endParaRPr>
+          </a:p>
+          <a:p>
+            <a:pPr>
+              <a:lnSpc>
+                <a:spcPct val="100000"/>
+              </a:lnSpc>
+            </a:pPr>
+            <a:r>
+              <a:rPr b="0" lang="de-DE" sz="2600" spc="-1" strike="noStrike">
+                <a:solidFill>
+                  <a:srgbClr val="000000"/>
+                </a:solidFill>
+                <a:uFill>
+                  <a:solidFill>
+                    <a:srgbClr val="ffffff"/>
+                  </a:solidFill>
+                </a:uFill>
+                <a:latin typeface="Arial"/>
+                <a:ea typeface="DejaVu Sans"/>
+              </a:rPr>
+              <a:t>Wege für ein geplantes Angriffsziel</a:t>
+            </a:r>
+            <a:endParaRPr b="0" lang="de-DE" sz="1800" spc="-1" strike="noStrike">
+              <a:solidFill>
+                <a:srgbClr val="000000"/>
+              </a:solidFill>
+              <a:uFill>
+                <a:solidFill>
+                  <a:srgbClr val="ffffff"/>
+                </a:solidFill>
+              </a:uFill>
+              <a:latin typeface="Arial"/>
+            </a:endParaRPr>
+          </a:p>
+          <a:p>
+            <a:pPr>
+              <a:lnSpc>
+                <a:spcPct val="100000"/>
+              </a:lnSpc>
+            </a:pPr>
+            <a:r>
+              <a:rPr b="0" lang="de-DE" sz="2600" spc="-1" strike="noStrike">
+                <a:solidFill>
+                  <a:srgbClr val="000000"/>
+                </a:solidFill>
+                <a:uFill>
+                  <a:solidFill>
+                    <a:srgbClr val="ffffff"/>
+                  </a:solidFill>
+                </a:uFill>
+                <a:latin typeface="Arial"/>
+                <a:ea typeface="DejaVu Sans"/>
+              </a:rPr>
+              <a:t>systematisch untersucht werden.</a:t>
+            </a:r>
+            <a:endParaRPr b="0" lang="de-DE" sz="1800" spc="-1" strike="noStrike">
+              <a:solidFill>
+                <a:srgbClr val="000000"/>
+              </a:solidFill>
+              <a:uFill>
+                <a:solidFill>
+                  <a:srgbClr val="ffffff"/>
+                </a:solidFill>
+              </a:uFill>
+              <a:latin typeface="Arial"/>
+            </a:endParaRPr>
+          </a:p>
+          <a:p>
+            <a:pPr>
+              <a:lnSpc>
+                <a:spcPct val="100000"/>
+              </a:lnSpc>
+            </a:pPr>
+            <a:r>
+              <a:rPr b="0" lang="de-DE" sz="2600" spc="-1" strike="noStrike">
+                <a:solidFill>
+                  <a:srgbClr val="000000"/>
+                </a:solidFill>
+                <a:uFill>
+                  <a:solidFill>
+                    <a:srgbClr val="ffffff"/>
+                  </a:solidFill>
+                </a:uFill>
+                <a:latin typeface="Arial"/>
+                <a:ea typeface="DejaVu Sans"/>
+              </a:rPr>
+              <a:t>Im Unterschied zum Bedrohungs-</a:t>
+            </a:r>
+            <a:endParaRPr b="0" lang="de-DE" sz="1800" spc="-1" strike="noStrike">
+              <a:solidFill>
+                <a:srgbClr val="000000"/>
+              </a:solidFill>
+              <a:uFill>
+                <a:solidFill>
+                  <a:srgbClr val="ffffff"/>
+                </a:solidFill>
+              </a:uFill>
+              <a:latin typeface="Arial"/>
+            </a:endParaRPr>
+          </a:p>
+          <a:p>
+            <a:pPr>
+              <a:lnSpc>
+                <a:spcPct val="100000"/>
+              </a:lnSpc>
+            </a:pPr>
+            <a:r>
+              <a:rPr b="0" lang="de-DE" sz="2600" spc="-1" strike="noStrike">
+                <a:solidFill>
+                  <a:srgbClr val="000000"/>
+                </a:solidFill>
+                <a:uFill>
+                  <a:solidFill>
+                    <a:srgbClr val="ffffff"/>
+                  </a:solidFill>
+                </a:uFill>
+                <a:latin typeface="Arial"/>
+                <a:ea typeface="DejaVu Sans"/>
+              </a:rPr>
+              <a:t>baum sind hier auch die Kanten</a:t>
+            </a:r>
+            <a:endParaRPr b="0" lang="de-DE" sz="1800" spc="-1" strike="noStrike">
+              <a:solidFill>
+                <a:srgbClr val="000000"/>
+              </a:solidFill>
+              <a:uFill>
+                <a:solidFill>
+                  <a:srgbClr val="ffffff"/>
+                </a:solidFill>
+              </a:uFill>
+              <a:latin typeface="Arial"/>
+            </a:endParaRPr>
+          </a:p>
+          <a:p>
+            <a:pPr>
+              <a:lnSpc>
+                <a:spcPct val="100000"/>
+              </a:lnSpc>
+            </a:pPr>
+            <a:r>
+              <a:rPr b="0" lang="de-DE" sz="2600" spc="-1" strike="noStrike">
+                <a:solidFill>
+                  <a:srgbClr val="000000"/>
+                </a:solidFill>
+                <a:uFill>
+                  <a:solidFill>
+                    <a:srgbClr val="ffffff"/>
+                  </a:solidFill>
+                </a:uFill>
+                <a:latin typeface="Arial"/>
+                <a:ea typeface="DejaVu Sans"/>
+              </a:rPr>
+              <a:t>beschriftet und Zwischenstationen</a:t>
+            </a:r>
+            <a:endParaRPr b="0" lang="de-DE" sz="1800" spc="-1" strike="noStrike">
+              <a:solidFill>
+                <a:srgbClr val="000000"/>
+              </a:solidFill>
+              <a:uFill>
+                <a:solidFill>
+                  <a:srgbClr val="ffffff"/>
+                </a:solidFill>
+              </a:uFill>
+              <a:latin typeface="Arial"/>
+            </a:endParaRPr>
+          </a:p>
+          <a:p>
+            <a:pPr>
+              <a:lnSpc>
+                <a:spcPct val="100000"/>
+              </a:lnSpc>
+            </a:pPr>
+            <a:r>
+              <a:rPr b="0" lang="de-DE" sz="2600" spc="-1" strike="noStrike">
+                <a:solidFill>
+                  <a:srgbClr val="000000"/>
+                </a:solidFill>
+                <a:uFill>
+                  <a:solidFill>
+                    <a:srgbClr val="ffffff"/>
+                  </a:solidFill>
+                </a:uFill>
+                <a:latin typeface="Arial"/>
+                <a:ea typeface="DejaVu Sans"/>
+              </a:rPr>
+              <a:t>aufgelistet, deswegen ist die</a:t>
+            </a:r>
+            <a:endParaRPr b="0" lang="de-DE" sz="1800" spc="-1" strike="noStrike">
+              <a:solidFill>
+                <a:srgbClr val="000000"/>
+              </a:solidFill>
+              <a:uFill>
+                <a:solidFill>
+                  <a:srgbClr val="ffffff"/>
+                </a:solidFill>
+              </a:uFill>
+              <a:latin typeface="Arial"/>
+            </a:endParaRPr>
+          </a:p>
+          <a:p>
+            <a:pPr>
+              <a:lnSpc>
+                <a:spcPct val="100000"/>
+              </a:lnSpc>
+            </a:pPr>
+            <a:r>
+              <a:rPr b="0" lang="de-DE" sz="2600" spc="-1" strike="noStrike">
+                <a:solidFill>
+                  <a:srgbClr val="000000"/>
+                </a:solidFill>
+                <a:uFill>
+                  <a:solidFill>
+                    <a:srgbClr val="ffffff"/>
+                  </a:solidFill>
+                </a:uFill>
+                <a:latin typeface="Arial"/>
+                <a:ea typeface="DejaVu Sans"/>
+              </a:rPr>
+              <a:t>Analyse „technischer“ und </a:t>
+            </a:r>
+            <a:endParaRPr b="0" lang="de-DE" sz="1800" spc="-1" strike="noStrike">
+              <a:solidFill>
+                <a:srgbClr val="000000"/>
+              </a:solidFill>
+              <a:uFill>
+                <a:solidFill>
+                  <a:srgbClr val="ffffff"/>
+                </a:solidFill>
+              </a:uFill>
+              <a:latin typeface="Arial"/>
+            </a:endParaRPr>
+          </a:p>
+          <a:p>
+            <a:pPr>
+              <a:lnSpc>
+                <a:spcPct val="100000"/>
+              </a:lnSpc>
+            </a:pPr>
+            <a:r>
+              <a:rPr b="0" lang="de-DE" sz="2600" spc="-1" strike="noStrike">
+                <a:solidFill>
+                  <a:srgbClr val="000000"/>
+                </a:solidFill>
+                <a:uFill>
+                  <a:solidFill>
+                    <a:srgbClr val="ffffff"/>
+                  </a:solidFill>
+                </a:uFill>
+                <a:latin typeface="Arial"/>
+                <a:ea typeface="DejaVu Sans"/>
+              </a:rPr>
+              <a:t>detaillierter </a:t>
+            </a:r>
+            <a:endParaRPr b="0" lang="de-DE" sz="1800" spc="-1" strike="noStrike">
+              <a:solidFill>
+                <a:srgbClr val="000000"/>
+              </a:solidFill>
+              <a:uFill>
+                <a:solidFill>
+                  <a:srgbClr val="ffffff"/>
+                </a:solidFill>
+              </a:uFill>
+              <a:latin typeface="Arial"/>
+            </a:endParaRPr>
+          </a:p>
+        </p:txBody>
+      </p:sp>
+    </p:spTree>
+  </p:cSld>
+  <p:timing>
+    <p:tnLst>
+      <p:par>
+        <p:cTn id="19" dur="indefinite" restart="never" nodeType="tmRoot">
+          <p:childTnLst>
+            <p:seq>
+              <p:cTn id="20" nodeType="mainSeq"/>
+              <p:prevCondLst>
+                <p:cond delay="0" evt="onPrev">
+                  <p:tgtEl>
+                    <p:sldTgt/>
+                  </p:tgtEl>
+                </p:cond>
+              </p:prevCondLst>
+              <p:nextCondLst>
+                <p:cond delay="0" evt="onNext">
+                  <p:tgtEl>
+                    <p:sldTgt/>
+                  </p:tgtEl>
+                </p:cond>
+              </p:nextCondLst>
+            </p:seq>
+          </p:childTnLst>
+        </p:cTn>
+      </p:par>
+    </p:tnLst>
+  </p:timing>
+</p:sld>
+</file>
+
+<file path=ppt/slides/slide11.xml><?xml version="1.0" encoding="utf-8"?>
+<p:sld xmlns:a="http://schemas.openxmlformats.org/drawingml/2006/main" xmlns:p="http://schemas.openxmlformats.org/presentationml/2006/main" xmlns:r="http://schemas.openxmlformats.org/officeDocument/2006/relationships" xmlns:p14="http://schemas.microsoft.com/office/powerpoint/2010/main" xmlns:p15="http://schemas.microsoft.com/office/powerpoint/2012/main" xmlns:mc="http://schemas.openxmlformats.org/markup-compatibility/2006">
+  <p:cSld>
+    <p:spTree>
+      <p:nvGrpSpPr>
+        <p:cNvPr id="1" name=""/>
+        <p:cNvGrpSpPr/>
+        <p:nvPr/>
+      </p:nvGrpSpPr>
+      <p:grpSpPr>
+        <a:xfrm>
+          <a:off x="0" y="0"/>
+          <a:ext cx="0" cy="0"/>
+          <a:chOff x="0" y="0"/>
+          <a:chExt cx="0" cy="0"/>
+        </a:xfrm>
+      </p:grpSpPr>
+      <p:sp>
+        <p:nvSpPr>
+          <p:cNvPr id="94" name="CustomShape 1"/>
+          <p:cNvSpPr/>
+          <p:nvPr/>
+        </p:nvSpPr>
+        <p:spPr>
+          <a:xfrm>
+            <a:off x="504000" y="301320"/>
+            <a:ext cx="9069840" cy="1260360"/>
           </a:xfrm>
           <a:prstGeom prst="rect">
             <a:avLst/>
@@ -3970,14 +4436,14 @@
       </p:sp>
       <p:sp>
         <p:nvSpPr>
-          <p:cNvPr id="93" name="CustomShape 2"/>
+          <p:cNvPr id="95" name="CustomShape 2"/>
           <p:cNvSpPr/>
           <p:nvPr/>
         </p:nvSpPr>
         <p:spPr>
           <a:xfrm>
             <a:off x="504000" y="1769040"/>
-            <a:ext cx="9070200" cy="4383000"/>
+            <a:ext cx="9069840" cy="4382640"/>
           </a:xfrm>
           <a:prstGeom prst="rect">
             <a:avLst/>
@@ -3996,7 +4462,7 @@
         <p:txBody>
           <a:bodyPr lIns="0" rIns="0" tIns="0" bIns="0"/>
           <a:p>
-            <a:pPr marL="432000" indent="-322560">
+            <a:pPr marL="432000" indent="-322200">
               <a:lnSpc>
                 <a:spcPct val="100000"/>
               </a:lnSpc>
@@ -4344,7 +4810,7 @@
             </a:endParaRPr>
           </a:p>
           <a:p>
-            <a:pPr marL="432000" indent="-322560">
+            <a:pPr marL="432000" indent="-322200">
               <a:lnSpc>
                 <a:spcPct val="100000"/>
               </a:lnSpc>
@@ -4389,10 +4855,10 @@
   <p:timing>
     <p:tnLst>
       <p:par>
-        <p:cTn id="19" dur="indefinite" restart="never" nodeType="tmRoot">
+        <p:cTn id="21" dur="indefinite" restart="never" nodeType="tmRoot">
           <p:childTnLst>
             <p:seq>
-              <p:cTn id="20" nodeType="mainSeq"/>
+              <p:cTn id="22" nodeType="mainSeq"/>
               <p:prevCondLst>
                 <p:cond delay="0" evt="onPrev">
                   <p:tgtEl>
@@ -4442,7 +4908,7 @@
         <p:spPr>
           <a:xfrm>
             <a:off x="504000" y="301320"/>
-            <a:ext cx="9070200" cy="1260720"/>
+            <a:ext cx="9069840" cy="1260360"/>
           </a:xfrm>
           <a:prstGeom prst="rect">
             <a:avLst/>
@@ -4504,7 +4970,7 @@
         <p:spPr>
           <a:xfrm>
             <a:off x="504000" y="1769040"/>
-            <a:ext cx="9070200" cy="4383000"/>
+            <a:ext cx="9069840" cy="4382640"/>
           </a:xfrm>
           <a:prstGeom prst="rect">
             <a:avLst/>
@@ -4523,7 +4989,7 @@
         <p:txBody>
           <a:bodyPr lIns="0" rIns="0" tIns="0" bIns="0"/>
           <a:p>
-            <a:pPr marL="432000" indent="-322560">
+            <a:pPr marL="432000" indent="-322200">
               <a:lnSpc>
                 <a:spcPct val="100000"/>
               </a:lnSpc>
@@ -4562,7 +5028,7 @@
             </a:endParaRPr>
           </a:p>
           <a:p>
-            <a:pPr marL="432000" indent="-322560">
+            <a:pPr marL="432000" indent="-322200">
               <a:lnSpc>
                 <a:spcPct val="100000"/>
               </a:lnSpc>
@@ -4601,7 +5067,7 @@
             </a:endParaRPr>
           </a:p>
           <a:p>
-            <a:pPr marL="432000" indent="-322560">
+            <a:pPr marL="432000" indent="-322200">
               <a:lnSpc>
                 <a:spcPct val="100000"/>
               </a:lnSpc>
@@ -4640,7 +5106,7 @@
             </a:endParaRPr>
           </a:p>
           <a:p>
-            <a:pPr marL="432000" indent="-322560">
+            <a:pPr marL="432000" indent="-322200">
               <a:lnSpc>
                 <a:spcPct val="100000"/>
               </a:lnSpc>
@@ -4738,7 +5204,7 @@
         <p:spPr>
           <a:xfrm>
             <a:off x="504000" y="301320"/>
-            <a:ext cx="9070200" cy="1260720"/>
+            <a:ext cx="9069840" cy="1260360"/>
           </a:xfrm>
           <a:prstGeom prst="rect">
             <a:avLst/>
@@ -4800,7 +5266,7 @@
         <p:spPr>
           <a:xfrm>
             <a:off x="504000" y="1769040"/>
-            <a:ext cx="9070200" cy="4383000"/>
+            <a:ext cx="9069840" cy="4382640"/>
           </a:xfrm>
           <a:prstGeom prst="rect">
             <a:avLst/>
@@ -4819,7 +5285,7 @@
         <p:txBody>
           <a:bodyPr lIns="0" rIns="0" tIns="0" bIns="0"/>
           <a:p>
-            <a:pPr marL="432000" indent="-322560">
+            <a:pPr marL="432000" indent="-322200">
               <a:lnSpc>
                 <a:spcPct val="100000"/>
               </a:lnSpc>
@@ -4858,7 +5324,7 @@
             </a:endParaRPr>
           </a:p>
           <a:p>
-            <a:pPr marL="432000" indent="-322560">
+            <a:pPr marL="432000" indent="-322200">
               <a:lnSpc>
                 <a:spcPct val="100000"/>
               </a:lnSpc>
@@ -4897,7 +5363,7 @@
             </a:endParaRPr>
           </a:p>
           <a:p>
-            <a:pPr marL="432000" indent="-322560">
+            <a:pPr marL="432000" indent="-322200">
               <a:lnSpc>
                 <a:spcPct val="100000"/>
               </a:lnSpc>
@@ -4936,7 +5402,7 @@
             </a:endParaRPr>
           </a:p>
           <a:p>
-            <a:pPr marL="432000" indent="-322560">
+            <a:pPr marL="432000" indent="-322200">
               <a:lnSpc>
                 <a:spcPct val="100000"/>
               </a:lnSpc>
@@ -4975,7 +5441,7 @@
             </a:endParaRPr>
           </a:p>
           <a:p>
-            <a:pPr marL="432000" indent="-322560">
+            <a:pPr marL="432000" indent="-322200">
               <a:lnSpc>
                 <a:spcPct val="100000"/>
               </a:lnSpc>
@@ -5014,7 +5480,7 @@
             </a:endParaRPr>
           </a:p>
           <a:p>
-            <a:pPr marL="432000" indent="-322560">
+            <a:pPr marL="432000" indent="-322200">
               <a:lnSpc>
                 <a:spcPct val="100000"/>
               </a:lnSpc>
@@ -5112,7 +5578,7 @@
         <p:spPr>
           <a:xfrm>
             <a:off x="504000" y="301320"/>
-            <a:ext cx="9070200" cy="1260720"/>
+            <a:ext cx="9069840" cy="1260360"/>
           </a:xfrm>
           <a:prstGeom prst="rect">
             <a:avLst/>
@@ -5174,7 +5640,7 @@
         <p:spPr>
           <a:xfrm>
             <a:off x="504000" y="1769040"/>
-            <a:ext cx="9070200" cy="4383000"/>
+            <a:ext cx="9069840" cy="4382640"/>
           </a:xfrm>
           <a:prstGeom prst="rect">
             <a:avLst/>
@@ -5193,7 +5659,7 @@
         <p:txBody>
           <a:bodyPr lIns="0" rIns="0" tIns="0" bIns="0"/>
           <a:p>
-            <a:pPr marL="432000" indent="-322560">
+            <a:pPr marL="432000" indent="-322200">
               <a:lnSpc>
                 <a:spcPct val="100000"/>
               </a:lnSpc>
@@ -5232,7 +5698,7 @@
             </a:endParaRPr>
           </a:p>
           <a:p>
-            <a:pPr marL="432000" indent="-322560">
+            <a:pPr marL="432000" indent="-322200">
               <a:lnSpc>
                 <a:spcPct val="100000"/>
               </a:lnSpc>
@@ -5271,7 +5737,7 @@
             </a:endParaRPr>
           </a:p>
           <a:p>
-            <a:pPr marL="432000" indent="-322560">
+            <a:pPr marL="432000" indent="-322200">
               <a:lnSpc>
                 <a:spcPct val="100000"/>
               </a:lnSpc>
@@ -5310,7 +5776,7 @@
             </a:endParaRPr>
           </a:p>
           <a:p>
-            <a:pPr marL="432000" indent="-322560">
+            <a:pPr marL="432000" indent="-322200">
               <a:lnSpc>
                 <a:spcPct val="100000"/>
               </a:lnSpc>
@@ -5408,7 +5874,7 @@
         <p:spPr>
           <a:xfrm>
             <a:off x="504000" y="301320"/>
-            <a:ext cx="9070200" cy="1260720"/>
+            <a:ext cx="9069840" cy="1260360"/>
           </a:xfrm>
           <a:prstGeom prst="rect">
             <a:avLst/>
@@ -5470,7 +5936,7 @@
         <p:spPr>
           <a:xfrm>
             <a:off x="504000" y="1769040"/>
-            <a:ext cx="9070200" cy="4383000"/>
+            <a:ext cx="9069840" cy="4382640"/>
           </a:xfrm>
           <a:prstGeom prst="rect">
             <a:avLst/>
@@ -5489,7 +5955,7 @@
         <p:txBody>
           <a:bodyPr lIns="0" rIns="0" tIns="0" bIns="0"/>
           <a:p>
-            <a:pPr marL="432000" indent="-322560">
+            <a:pPr marL="432000" indent="-322200">
               <a:lnSpc>
                 <a:spcPct val="100000"/>
               </a:lnSpc>
@@ -5528,7 +5994,7 @@
             </a:endParaRPr>
           </a:p>
           <a:p>
-            <a:pPr marL="432000" indent="-322560">
+            <a:pPr marL="432000" indent="-322200">
               <a:lnSpc>
                 <a:spcPct val="100000"/>
               </a:lnSpc>
@@ -5567,7 +6033,7 @@
             </a:endParaRPr>
           </a:p>
           <a:p>
-            <a:pPr marL="432000" indent="-322560">
+            <a:pPr marL="432000" indent="-322200">
               <a:lnSpc>
                 <a:spcPct val="100000"/>
               </a:lnSpc>
@@ -5665,7 +6131,7 @@
         <p:spPr>
           <a:xfrm>
             <a:off x="504000" y="301320"/>
-            <a:ext cx="9070200" cy="1260720"/>
+            <a:ext cx="9069840" cy="1260360"/>
           </a:xfrm>
           <a:prstGeom prst="rect">
             <a:avLst/>
@@ -5727,7 +6193,7 @@
         <p:spPr>
           <a:xfrm>
             <a:off x="504000" y="1769040"/>
-            <a:ext cx="9070200" cy="4383000"/>
+            <a:ext cx="9069840" cy="4382640"/>
           </a:xfrm>
           <a:prstGeom prst="rect">
             <a:avLst/>
@@ -5746,7 +6212,7 @@
         <p:txBody>
           <a:bodyPr lIns="0" rIns="0" tIns="0" bIns="0"/>
           <a:p>
-            <a:pPr marL="432000" indent="-322560">
+            <a:pPr marL="432000" indent="-322200">
               <a:lnSpc>
                 <a:spcPct val="100000"/>
               </a:lnSpc>
@@ -5785,7 +6251,7 @@
             </a:endParaRPr>
           </a:p>
           <a:p>
-            <a:pPr marL="432000" indent="-322560">
+            <a:pPr marL="432000" indent="-322200">
               <a:lnSpc>
                 <a:spcPct val="100000"/>
               </a:lnSpc>
@@ -5824,7 +6290,7 @@
             </a:endParaRPr>
           </a:p>
           <a:p>
-            <a:pPr marL="432000" indent="-322560">
+            <a:pPr marL="432000" indent="-322200">
               <a:lnSpc>
                 <a:spcPct val="100000"/>
               </a:lnSpc>
@@ -5922,7 +6388,7 @@
         <p:spPr>
           <a:xfrm>
             <a:off x="504000" y="301320"/>
-            <a:ext cx="9070200" cy="1260720"/>
+            <a:ext cx="9069840" cy="1260360"/>
           </a:xfrm>
           <a:prstGeom prst="rect">
             <a:avLst/>
@@ -5984,7 +6450,7 @@
         <p:spPr>
           <a:xfrm>
             <a:off x="504000" y="1769040"/>
-            <a:ext cx="9070200" cy="4383000"/>
+            <a:ext cx="9069840" cy="4382640"/>
           </a:xfrm>
           <a:prstGeom prst="rect">
             <a:avLst/>
@@ -6003,7 +6469,7 @@
         <p:txBody>
           <a:bodyPr lIns="0" rIns="0" tIns="0" bIns="0"/>
           <a:p>
-            <a:pPr marL="432000" indent="-322560">
+            <a:pPr marL="432000" indent="-322200">
               <a:lnSpc>
                 <a:spcPct val="100000"/>
               </a:lnSpc>
@@ -6042,7 +6508,7 @@
             </a:endParaRPr>
           </a:p>
           <a:p>
-            <a:pPr marL="432000" indent="-322560">
+            <a:pPr marL="432000" indent="-322200">
               <a:lnSpc>
                 <a:spcPct val="100000"/>
               </a:lnSpc>
@@ -6081,7 +6547,7 @@
             </a:endParaRPr>
           </a:p>
           <a:p>
-            <a:pPr marL="432000" indent="-322560">
+            <a:pPr marL="432000" indent="-322200">
               <a:lnSpc>
                 <a:spcPct val="100000"/>
               </a:lnSpc>
@@ -6120,7 +6586,7 @@
             </a:endParaRPr>
           </a:p>
           <a:p>
-            <a:pPr marL="432000" indent="-322560">
+            <a:pPr marL="432000" indent="-322200">
               <a:lnSpc>
                 <a:spcPct val="100000"/>
               </a:lnSpc>
@@ -6218,7 +6684,7 @@
         <p:spPr>
           <a:xfrm>
             <a:off x="504000" y="301320"/>
-            <a:ext cx="9070200" cy="1260720"/>
+            <a:ext cx="9069840" cy="1260360"/>
           </a:xfrm>
           <a:prstGeom prst="rect">
             <a:avLst/>
@@ -6255,7 +6721,7 @@
                 <a:latin typeface="Arial"/>
                 <a:ea typeface="DejaVu Sans"/>
               </a:rPr>
-              <a:t>Angreifer-Modelle</a:t>
+              <a:t>Angreifermodelle</a:t>
             </a:r>
             <a:endParaRPr b="0" lang="de-DE" sz="1800" spc="-1" strike="noStrike">
               <a:solidFill>
@@ -6279,8 +6745,8 @@
         </p:nvSpPr>
         <p:spPr>
           <a:xfrm>
-            <a:off x="504000" y="1769040"/>
-            <a:ext cx="9070200" cy="4383000"/>
+            <a:off x="504360" y="1769400"/>
+            <a:ext cx="9069840" cy="4382640"/>
           </a:xfrm>
           <a:prstGeom prst="rect">
             <a:avLst/>
@@ -6299,7 +6765,7 @@
         <p:txBody>
           <a:bodyPr lIns="0" rIns="0" tIns="0" bIns="0"/>
           <a:p>
-            <a:pPr marL="432000" indent="-322560">
+            <a:pPr marL="432000" indent="-322200">
               <a:lnSpc>
                 <a:spcPct val="100000"/>
               </a:lnSpc>
@@ -6311,7 +6777,7 @@
               <a:buChar char=""/>
             </a:pPr>
             <a:r>
-              <a:rPr b="0" lang="de-DE" sz="2600" spc="-1" strike="noStrike">
+              <a:rPr b="0" lang="de-DE" sz="3200" spc="-1" strike="noStrike">
                 <a:solidFill>
                   <a:srgbClr val="000000"/>
                 </a:solidFill>
@@ -6323,22 +6789,7 @@
                 <a:latin typeface="Arial"/>
                 <a:ea typeface="DejaVu Sans"/>
               </a:rPr>
-              <a:t>Kill-Chain: dieses Modell definiert verschiedene Stufen eines Angriffes sowie einen kritischen Punkt (Exploitation), ab dem der Angriff um einiges schwieriger aufzuhalten ist. Mit dem Modell können d.h. Prioritäten in Bezug auf Sicherheitsmaßnahmen gelegt werden.</a:t>
-            </a:r>
-            <a:r>
-              <a:rPr b="0" lang="de-DE" sz="3200" spc="-1" strike="noStrike">
-                <a:solidFill>
-                  <a:srgbClr val="000000"/>
-                </a:solidFill>
-                <a:uFill>
-                  <a:solidFill>
-                    <a:srgbClr val="ffffff"/>
-                  </a:solidFill>
-                </a:uFill>
-                <a:latin typeface="Arial"/>
-                <a:ea typeface="DejaVu Sans"/>
-              </a:rPr>
-              <a:t> </a:t>
+              <a:t>Mithilfe von Angreifermodellen können Schwachstellen im System analysiert bzw. gefunden werden und Sicherheitsmaßnahmen getroffen werden</a:t>
             </a:r>
             <a:endParaRPr b="0" lang="de-DE" sz="1800" spc="-1" strike="noStrike">
               <a:solidFill>
@@ -6354,29 +6805,6 @@
           </a:p>
         </p:txBody>
       </p:sp>
-      <p:pic>
-        <p:nvPicPr>
-          <p:cNvPr id="88" name="" descr=""/>
-          <p:cNvPicPr/>
-          <p:nvPr/>
-        </p:nvPicPr>
-        <p:blipFill>
-          <a:blip r:embed="rId1"/>
-          <a:stretch/>
-        </p:blipFill>
-        <p:spPr>
-          <a:xfrm>
-            <a:off x="1027080" y="4320000"/>
-            <a:ext cx="7755840" cy="2473200"/>
-          </a:xfrm>
-          <a:prstGeom prst="rect">
-            <a:avLst/>
-          </a:prstGeom>
-          <a:ln>
-            <a:noFill/>
-          </a:ln>
-        </p:spPr>
-      </p:pic>
     </p:spTree>
   </p:cSld>
   <p:timing>
@@ -6428,14 +6856,14 @@
       </p:grpSpPr>
       <p:sp>
         <p:nvSpPr>
-          <p:cNvPr id="89" name="CustomShape 1"/>
+          <p:cNvPr id="88" name="CustomShape 1"/>
           <p:cNvSpPr/>
           <p:nvPr/>
         </p:nvSpPr>
         <p:spPr>
           <a:xfrm>
             <a:off x="504000" y="301320"/>
-            <a:ext cx="5182560" cy="1260720"/>
+            <a:ext cx="9069840" cy="1260360"/>
           </a:xfrm>
           <a:prstGeom prst="rect">
             <a:avLst/>
@@ -6488,6 +6916,89 @@
           </a:p>
         </p:txBody>
       </p:sp>
+      <p:sp>
+        <p:nvSpPr>
+          <p:cNvPr id="89" name="CustomShape 2"/>
+          <p:cNvSpPr/>
+          <p:nvPr/>
+        </p:nvSpPr>
+        <p:spPr>
+          <a:xfrm>
+            <a:off x="504000" y="1769040"/>
+            <a:ext cx="9069840" cy="4382640"/>
+          </a:xfrm>
+          <a:prstGeom prst="rect">
+            <a:avLst/>
+          </a:prstGeom>
+          <a:noFill/>
+          <a:ln>
+            <a:noFill/>
+          </a:ln>
+        </p:spPr>
+        <p:style>
+          <a:lnRef idx="0"/>
+          <a:fillRef idx="0"/>
+          <a:effectRef idx="0"/>
+          <a:fontRef idx="minor"/>
+        </p:style>
+        <p:txBody>
+          <a:bodyPr lIns="0" rIns="0" tIns="0" bIns="0"/>
+          <a:p>
+            <a:pPr marL="432000" indent="-322200">
+              <a:lnSpc>
+                <a:spcPct val="100000"/>
+              </a:lnSpc>
+              <a:buClr>
+                <a:srgbClr val="000000"/>
+              </a:buClr>
+              <a:buSzPct val="45000"/>
+              <a:buFont typeface="Wingdings" charset="2"/>
+              <a:buChar char=""/>
+            </a:pPr>
+            <a:r>
+              <a:rPr b="0" lang="de-DE" sz="2600" spc="-1" strike="noStrike">
+                <a:solidFill>
+                  <a:srgbClr val="000000"/>
+                </a:solidFill>
+                <a:uFill>
+                  <a:solidFill>
+                    <a:srgbClr val="ffffff"/>
+                  </a:solidFill>
+                </a:uFill>
+                <a:latin typeface="Arial"/>
+                <a:ea typeface="DejaVu Sans"/>
+              </a:rPr>
+              <a:t>Kill-Chain: dieses Modell definiert verschiedene Stufen eines Angriffes sowie einen kritischen Punkt (Exploitation), ab dem der Angriff um einiges schwieriger aufzuhalten ist. Mit dem Modell können d.h. Prioritäten in Bezug auf Sicherheitsmaßnahmen gelegt werden.</a:t>
+            </a:r>
+            <a:r>
+              <a:rPr b="0" lang="de-DE" sz="3200" spc="-1" strike="noStrike">
+                <a:solidFill>
+                  <a:srgbClr val="000000"/>
+                </a:solidFill>
+                <a:uFill>
+                  <a:solidFill>
+                    <a:srgbClr val="ffffff"/>
+                  </a:solidFill>
+                </a:uFill>
+                <a:latin typeface="Arial"/>
+                <a:ea typeface="DejaVu Sans"/>
+              </a:rPr>
+              <a:t> </a:t>
+            </a:r>
+            <a:endParaRPr b="0" lang="de-DE" sz="1800" spc="-1" strike="noStrike">
+              <a:solidFill>
+                <a:srgbClr val="000000"/>
+              </a:solidFill>
+              <a:uFill>
+                <a:solidFill>
+                  <a:srgbClr val="ffffff"/>
+                </a:solidFill>
+              </a:uFill>
+              <a:latin typeface="Arial"/>
+            </a:endParaRPr>
+          </a:p>
+        </p:txBody>
+      </p:sp>
       <p:pic>
         <p:nvPicPr>
           <p:cNvPr id="90" name="" descr=""/>
@@ -6500,8 +7011,8 @@
         </p:blipFill>
         <p:spPr>
           <a:xfrm>
-            <a:off x="6153840" y="720000"/>
-            <a:ext cx="3926520" cy="6263640"/>
+            <a:off x="1027080" y="4320000"/>
+            <a:ext cx="7755480" cy="2472840"/>
           </a:xfrm>
           <a:prstGeom prst="rect">
             <a:avLst/>
@@ -6511,359 +7022,6 @@
           </a:ln>
         </p:spPr>
       </p:pic>
-      <p:sp>
-        <p:nvSpPr>
-          <p:cNvPr id="91" name="TextShape 2"/>
-          <p:cNvSpPr txBox="1"/>
-          <p:nvPr/>
-        </p:nvSpPr>
-        <p:spPr>
-          <a:xfrm>
-            <a:off x="792000" y="1979640"/>
-            <a:ext cx="5264640" cy="3780360"/>
-          </a:xfrm>
-          <a:prstGeom prst="rect">
-            <a:avLst/>
-          </a:prstGeom>
-          <a:noFill/>
-          <a:ln>
-            <a:noFill/>
-          </a:ln>
-        </p:spPr>
-        <p:txBody>
-          <a:bodyPr lIns="90000" rIns="90000" tIns="45000" bIns="45000"/>
-          <a:p>
-            <a:pPr>
-              <a:lnSpc>
-                <a:spcPct val="100000"/>
-              </a:lnSpc>
-            </a:pPr>
-            <a:r>
-              <a:rPr b="0" lang="de-DE" sz="2600" spc="-1" strike="noStrike">
-                <a:solidFill>
-                  <a:srgbClr val="000000"/>
-                </a:solidFill>
-                <a:uFill>
-                  <a:solidFill>
-                    <a:srgbClr val="ffffff"/>
-                  </a:solidFill>
-                </a:uFill>
-                <a:latin typeface="Arial"/>
-                <a:ea typeface="DejaVu Sans"/>
-              </a:rPr>
-              <a:t>Attack-Graph: Mit diesem</a:t>
-            </a:r>
-            <a:endParaRPr b="0" lang="de-DE" sz="1800" spc="-1" strike="noStrike">
-              <a:solidFill>
-                <a:srgbClr val="000000"/>
-              </a:solidFill>
-              <a:uFill>
-                <a:solidFill>
-                  <a:srgbClr val="ffffff"/>
-                </a:solidFill>
-              </a:uFill>
-              <a:latin typeface="Arial"/>
-            </a:endParaRPr>
-          </a:p>
-          <a:p>
-            <a:pPr>
-              <a:lnSpc>
-                <a:spcPct val="100000"/>
-              </a:lnSpc>
-            </a:pPr>
-            <a:r>
-              <a:rPr b="0" lang="de-DE" sz="2600" spc="-1" strike="noStrike">
-                <a:solidFill>
-                  <a:srgbClr val="000000"/>
-                </a:solidFill>
-                <a:uFill>
-                  <a:solidFill>
-                    <a:srgbClr val="ffffff"/>
-                  </a:solidFill>
-                </a:uFill>
-                <a:latin typeface="Arial"/>
-                <a:ea typeface="DejaVu Sans"/>
-              </a:rPr>
-              <a:t>Modell können unterschiedliche</a:t>
-            </a:r>
-            <a:endParaRPr b="0" lang="de-DE" sz="1800" spc="-1" strike="noStrike">
-              <a:solidFill>
-                <a:srgbClr val="000000"/>
-              </a:solidFill>
-              <a:uFill>
-                <a:solidFill>
-                  <a:srgbClr val="ffffff"/>
-                </a:solidFill>
-              </a:uFill>
-              <a:latin typeface="Arial"/>
-            </a:endParaRPr>
-          </a:p>
-          <a:p>
-            <a:pPr>
-              <a:lnSpc>
-                <a:spcPct val="100000"/>
-              </a:lnSpc>
-            </a:pPr>
-            <a:r>
-              <a:rPr b="0" lang="de-DE" sz="2600" spc="-1" strike="noStrike">
-                <a:solidFill>
-                  <a:srgbClr val="000000"/>
-                </a:solidFill>
-                <a:uFill>
-                  <a:solidFill>
-                    <a:srgbClr val="ffffff"/>
-                  </a:solidFill>
-                </a:uFill>
-                <a:latin typeface="Arial"/>
-                <a:ea typeface="DejaVu Sans"/>
-              </a:rPr>
-              <a:t>Wege für ein geplantes Angriffsziel</a:t>
-            </a:r>
-            <a:endParaRPr b="0" lang="de-DE" sz="1800" spc="-1" strike="noStrike">
-              <a:solidFill>
-                <a:srgbClr val="000000"/>
-              </a:solidFill>
-              <a:uFill>
-                <a:solidFill>
-                  <a:srgbClr val="ffffff"/>
-                </a:solidFill>
-              </a:uFill>
-              <a:latin typeface="Arial"/>
-            </a:endParaRPr>
-          </a:p>
-          <a:p>
-            <a:pPr>
-              <a:lnSpc>
-                <a:spcPct val="100000"/>
-              </a:lnSpc>
-            </a:pPr>
-            <a:r>
-              <a:rPr b="0" lang="de-DE" sz="2600" spc="-1" strike="noStrike">
-                <a:solidFill>
-                  <a:srgbClr val="000000"/>
-                </a:solidFill>
-                <a:uFill>
-                  <a:solidFill>
-                    <a:srgbClr val="ffffff"/>
-                  </a:solidFill>
-                </a:uFill>
-                <a:latin typeface="Arial"/>
-                <a:ea typeface="DejaVu Sans"/>
-              </a:rPr>
-              <a:t>systematisch untersucht werden.</a:t>
-            </a:r>
-            <a:endParaRPr b="0" lang="de-DE" sz="1800" spc="-1" strike="noStrike">
-              <a:solidFill>
-                <a:srgbClr val="000000"/>
-              </a:solidFill>
-              <a:uFill>
-                <a:solidFill>
-                  <a:srgbClr val="ffffff"/>
-                </a:solidFill>
-              </a:uFill>
-              <a:latin typeface="Arial"/>
-            </a:endParaRPr>
-          </a:p>
-          <a:p>
-            <a:pPr>
-              <a:lnSpc>
-                <a:spcPct val="100000"/>
-              </a:lnSpc>
-            </a:pPr>
-            <a:r>
-              <a:rPr b="0" lang="de-DE" sz="2600" spc="-1" strike="noStrike">
-                <a:solidFill>
-                  <a:srgbClr val="000000"/>
-                </a:solidFill>
-                <a:uFill>
-                  <a:solidFill>
-                    <a:srgbClr val="ffffff"/>
-                  </a:solidFill>
-                </a:uFill>
-                <a:latin typeface="Arial"/>
-                <a:ea typeface="DejaVu Sans"/>
-              </a:rPr>
-              <a:t>Im Unterschied zum Bedrohungs-</a:t>
-            </a:r>
-            <a:endParaRPr b="0" lang="de-DE" sz="1800" spc="-1" strike="noStrike">
-              <a:solidFill>
-                <a:srgbClr val="000000"/>
-              </a:solidFill>
-              <a:uFill>
-                <a:solidFill>
-                  <a:srgbClr val="ffffff"/>
-                </a:solidFill>
-              </a:uFill>
-              <a:latin typeface="Arial"/>
-            </a:endParaRPr>
-          </a:p>
-          <a:p>
-            <a:pPr>
-              <a:lnSpc>
-                <a:spcPct val="100000"/>
-              </a:lnSpc>
-            </a:pPr>
-            <a:r>
-              <a:rPr b="0" lang="de-DE" sz="2600" spc="-1" strike="noStrike">
-                <a:solidFill>
-                  <a:srgbClr val="000000"/>
-                </a:solidFill>
-                <a:uFill>
-                  <a:solidFill>
-                    <a:srgbClr val="ffffff"/>
-                  </a:solidFill>
-                </a:uFill>
-                <a:latin typeface="Arial"/>
-                <a:ea typeface="DejaVu Sans"/>
-              </a:rPr>
-              <a:t>baum sind hier auch die Kanten</a:t>
-            </a:r>
-            <a:endParaRPr b="0" lang="de-DE" sz="1800" spc="-1" strike="noStrike">
-              <a:solidFill>
-                <a:srgbClr val="000000"/>
-              </a:solidFill>
-              <a:uFill>
-                <a:solidFill>
-                  <a:srgbClr val="ffffff"/>
-                </a:solidFill>
-              </a:uFill>
-              <a:latin typeface="Arial"/>
-            </a:endParaRPr>
-          </a:p>
-          <a:p>
-            <a:pPr>
-              <a:lnSpc>
-                <a:spcPct val="100000"/>
-              </a:lnSpc>
-            </a:pPr>
-            <a:r>
-              <a:rPr b="0" lang="de-DE" sz="2600" spc="-1" strike="noStrike">
-                <a:solidFill>
-                  <a:srgbClr val="000000"/>
-                </a:solidFill>
-                <a:uFill>
-                  <a:solidFill>
-                    <a:srgbClr val="ffffff"/>
-                  </a:solidFill>
-                </a:uFill>
-                <a:latin typeface="Arial"/>
-                <a:ea typeface="DejaVu Sans"/>
-              </a:rPr>
-              <a:t>beschriftet und Zwischenstationen</a:t>
-            </a:r>
-            <a:endParaRPr b="0" lang="de-DE" sz="1800" spc="-1" strike="noStrike">
-              <a:solidFill>
-                <a:srgbClr val="000000"/>
-              </a:solidFill>
-              <a:uFill>
-                <a:solidFill>
-                  <a:srgbClr val="ffffff"/>
-                </a:solidFill>
-              </a:uFill>
-              <a:latin typeface="Arial"/>
-            </a:endParaRPr>
-          </a:p>
-          <a:p>
-            <a:pPr>
-              <a:lnSpc>
-                <a:spcPct val="100000"/>
-              </a:lnSpc>
-            </a:pPr>
-            <a:r>
-              <a:rPr b="0" lang="de-DE" sz="2600" spc="-1" strike="noStrike">
-                <a:solidFill>
-                  <a:srgbClr val="000000"/>
-                </a:solidFill>
-                <a:uFill>
-                  <a:solidFill>
-                    <a:srgbClr val="ffffff"/>
-                  </a:solidFill>
-                </a:uFill>
-                <a:latin typeface="Arial"/>
-                <a:ea typeface="DejaVu Sans"/>
-              </a:rPr>
-              <a:t>aufgelistet, deswegen ist die</a:t>
-            </a:r>
-            <a:endParaRPr b="0" lang="de-DE" sz="1800" spc="-1" strike="noStrike">
-              <a:solidFill>
-                <a:srgbClr val="000000"/>
-              </a:solidFill>
-              <a:uFill>
-                <a:solidFill>
-                  <a:srgbClr val="ffffff"/>
-                </a:solidFill>
-              </a:uFill>
-              <a:latin typeface="Arial"/>
-            </a:endParaRPr>
-          </a:p>
-          <a:p>
-            <a:pPr>
-              <a:lnSpc>
-                <a:spcPct val="100000"/>
-              </a:lnSpc>
-            </a:pPr>
-            <a:r>
-              <a:rPr b="0" lang="de-DE" sz="2600" spc="-1" strike="noStrike">
-                <a:solidFill>
-                  <a:srgbClr val="000000"/>
-                </a:solidFill>
-                <a:uFill>
-                  <a:solidFill>
-                    <a:srgbClr val="ffffff"/>
-                  </a:solidFill>
-                </a:uFill>
-                <a:latin typeface="Arial"/>
-                <a:ea typeface="DejaVu Sans"/>
-              </a:rPr>
-              <a:t>Analyse „technischer“ und </a:t>
-            </a:r>
-            <a:endParaRPr b="0" lang="de-DE" sz="1800" spc="-1" strike="noStrike">
-              <a:solidFill>
-                <a:srgbClr val="000000"/>
-              </a:solidFill>
-              <a:uFill>
-                <a:solidFill>
-                  <a:srgbClr val="ffffff"/>
-                </a:solidFill>
-              </a:uFill>
-              <a:latin typeface="Arial"/>
-            </a:endParaRPr>
-          </a:p>
-          <a:p>
-            <a:pPr>
-              <a:lnSpc>
-                <a:spcPct val="100000"/>
-              </a:lnSpc>
-            </a:pPr>
-            <a:r>
-              <a:rPr b="0" lang="de-DE" sz="2600" spc="-1" strike="noStrike">
-                <a:solidFill>
-                  <a:srgbClr val="000000"/>
-                </a:solidFill>
-                <a:uFill>
-                  <a:solidFill>
-                    <a:srgbClr val="ffffff"/>
-                  </a:solidFill>
-                </a:uFill>
-                <a:latin typeface="Arial"/>
-                <a:ea typeface="DejaVu Sans"/>
-              </a:rPr>
-              <a:t>detaillierter </a:t>
-            </a:r>
-            <a:endParaRPr b="0" lang="de-DE" sz="1800" spc="-1" strike="noStrike">
-              <a:solidFill>
-                <a:srgbClr val="000000"/>
-              </a:solidFill>
-              <a:uFill>
-                <a:solidFill>
-                  <a:srgbClr val="ffffff"/>
-                </a:solidFill>
-              </a:uFill>
-              <a:latin typeface="Arial"/>
-            </a:endParaRPr>
-          </a:p>
-        </p:txBody>
-      </p:sp>
     </p:spTree>
   </p:cSld>
   <p:timing>
